--- a/figures.pptx
+++ b/figures.pptx
@@ -6,6 +6,7 @@
   </p:sldMasterIdLst>
   <p:sldIdLst>
     <p:sldId id="256" r:id="rId2"/>
+    <p:sldId id="258" r:id="rId3"/>
   </p:sldIdLst>
   <p:sldSz cx="12192000" cy="6858000"/>
   <p:notesSz cx="6858000" cy="9144000"/>
@@ -104,6 +105,11 @@
       </a:defRPr>
     </a:lvl9pPr>
   </p:defaultTextStyle>
+  <p:extLst>
+    <p:ext uri="{EFAFB233-063F-42B5-8137-9DF3F51BA10A}">
+      <p15:sldGuideLst xmlns:p15="http://schemas.microsoft.com/office/powerpoint/2012/main"/>
+    </p:ext>
+  </p:extLst>
 </p:presentation>
 </file>
 
@@ -256,7 +262,7 @@
           <a:p>
             <a:fld id="{B18584A9-F754-42CE-B57E-C3D404DE9828}" type="datetimeFigureOut">
               <a:rPr lang="en-AU" smtClean="0"/>
-              <a:t>23/09/2024</a:t>
+              <a:t>14/11/2024</a:t>
             </a:fld>
             <a:endParaRPr lang="en-AU"/>
           </a:p>
@@ -456,7 +462,7 @@
           <a:p>
             <a:fld id="{B18584A9-F754-42CE-B57E-C3D404DE9828}" type="datetimeFigureOut">
               <a:rPr lang="en-AU" smtClean="0"/>
-              <a:t>23/09/2024</a:t>
+              <a:t>14/11/2024</a:t>
             </a:fld>
             <a:endParaRPr lang="en-AU"/>
           </a:p>
@@ -666,7 +672,7 @@
           <a:p>
             <a:fld id="{B18584A9-F754-42CE-B57E-C3D404DE9828}" type="datetimeFigureOut">
               <a:rPr lang="en-AU" smtClean="0"/>
-              <a:t>23/09/2024</a:t>
+              <a:t>14/11/2024</a:t>
             </a:fld>
             <a:endParaRPr lang="en-AU"/>
           </a:p>
@@ -866,7 +872,7 @@
           <a:p>
             <a:fld id="{B18584A9-F754-42CE-B57E-C3D404DE9828}" type="datetimeFigureOut">
               <a:rPr lang="en-AU" smtClean="0"/>
-              <a:t>23/09/2024</a:t>
+              <a:t>14/11/2024</a:t>
             </a:fld>
             <a:endParaRPr lang="en-AU"/>
           </a:p>
@@ -1142,7 +1148,7 @@
           <a:p>
             <a:fld id="{B18584A9-F754-42CE-B57E-C3D404DE9828}" type="datetimeFigureOut">
               <a:rPr lang="en-AU" smtClean="0"/>
-              <a:t>23/09/2024</a:t>
+              <a:t>14/11/2024</a:t>
             </a:fld>
             <a:endParaRPr lang="en-AU"/>
           </a:p>
@@ -1410,7 +1416,7 @@
           <a:p>
             <a:fld id="{B18584A9-F754-42CE-B57E-C3D404DE9828}" type="datetimeFigureOut">
               <a:rPr lang="en-AU" smtClean="0"/>
-              <a:t>23/09/2024</a:t>
+              <a:t>14/11/2024</a:t>
             </a:fld>
             <a:endParaRPr lang="en-AU"/>
           </a:p>
@@ -1825,7 +1831,7 @@
           <a:p>
             <a:fld id="{B18584A9-F754-42CE-B57E-C3D404DE9828}" type="datetimeFigureOut">
               <a:rPr lang="en-AU" smtClean="0"/>
-              <a:t>23/09/2024</a:t>
+              <a:t>14/11/2024</a:t>
             </a:fld>
             <a:endParaRPr lang="en-AU"/>
           </a:p>
@@ -1967,7 +1973,7 @@
           <a:p>
             <a:fld id="{B18584A9-F754-42CE-B57E-C3D404DE9828}" type="datetimeFigureOut">
               <a:rPr lang="en-AU" smtClean="0"/>
-              <a:t>23/09/2024</a:t>
+              <a:t>14/11/2024</a:t>
             </a:fld>
             <a:endParaRPr lang="en-AU"/>
           </a:p>
@@ -2080,7 +2086,7 @@
           <a:p>
             <a:fld id="{B18584A9-F754-42CE-B57E-C3D404DE9828}" type="datetimeFigureOut">
               <a:rPr lang="en-AU" smtClean="0"/>
-              <a:t>23/09/2024</a:t>
+              <a:t>14/11/2024</a:t>
             </a:fld>
             <a:endParaRPr lang="en-AU"/>
           </a:p>
@@ -2393,7 +2399,7 @@
           <a:p>
             <a:fld id="{B18584A9-F754-42CE-B57E-C3D404DE9828}" type="datetimeFigureOut">
               <a:rPr lang="en-AU" smtClean="0"/>
-              <a:t>23/09/2024</a:t>
+              <a:t>14/11/2024</a:t>
             </a:fld>
             <a:endParaRPr lang="en-AU"/>
           </a:p>
@@ -2682,7 +2688,7 @@
           <a:p>
             <a:fld id="{B18584A9-F754-42CE-B57E-C3D404DE9828}" type="datetimeFigureOut">
               <a:rPr lang="en-AU" smtClean="0"/>
-              <a:t>23/09/2024</a:t>
+              <a:t>14/11/2024</a:t>
             </a:fld>
             <a:endParaRPr lang="en-AU"/>
           </a:p>
@@ -2925,7 +2931,7 @@
           <a:p>
             <a:fld id="{B18584A9-F754-42CE-B57E-C3D404DE9828}" type="datetimeFigureOut">
               <a:rPr lang="en-AU" smtClean="0"/>
-              <a:t>23/09/2024</a:t>
+              <a:t>14/11/2024</a:t>
             </a:fld>
             <a:endParaRPr lang="en-AU"/>
           </a:p>
@@ -7395,8 +7401,8 @@
               </a:p>
             </p:txBody>
           </p:sp>
-          <mc:AlternateContent xmlns:mc="http://schemas.openxmlformats.org/markup-compatibility/2006">
-            <mc:Choice xmlns:a14="http://schemas.microsoft.com/office/drawing/2010/main" Requires="a14">
+          <mc:AlternateContent xmlns:mc="http://schemas.openxmlformats.org/markup-compatibility/2006" xmlns:a14="http://schemas.microsoft.com/office/drawing/2010/main">
+            <mc:Choice Requires="a14">
               <p:sp>
                 <p:nvSpPr>
                   <p:cNvPr id="136" name="TextBox 135">
@@ -7425,6 +7431,7 @@
                   </a:bodyPr>
                   <a:lstStyle/>
                   <a:p>
+                    <a:pPr/>
                     <a14:m>
                       <m:oMathPara xmlns:m="http://schemas.openxmlformats.org/officeDocument/2006/math">
                         <m:oMathParaPr>
@@ -7565,7 +7572,7 @@
                 </p:txBody>
               </p:sp>
             </mc:Choice>
-            <mc:Fallback>
+            <mc:Fallback xmlns="">
               <p:sp>
                 <p:nvSpPr>
                   <p:cNvPr id="136" name="TextBox 135">
@@ -7616,6 +7623,7699 @@
     <p:extLst>
       <p:ext uri="{BB962C8B-B14F-4D97-AF65-F5344CB8AC3E}">
         <p14:creationId xmlns:p14="http://schemas.microsoft.com/office/powerpoint/2010/main" val="1969340149"/>
+      </p:ext>
+    </p:extLst>
+  </p:cSld>
+  <p:clrMapOvr>
+    <a:masterClrMapping/>
+  </p:clrMapOvr>
+</p:sld>
+</file>
+
+<file path=ppt/slides/slide2.xml><?xml version="1.0" encoding="utf-8"?>
+<p:sld xmlns:a="http://schemas.openxmlformats.org/drawingml/2006/main" xmlns:r="http://schemas.openxmlformats.org/officeDocument/2006/relationships" xmlns:p="http://schemas.openxmlformats.org/presentationml/2006/main">
+  <p:cSld>
+    <p:spTree>
+      <p:nvGrpSpPr>
+        <p:cNvPr id="1" name=""/>
+        <p:cNvGrpSpPr/>
+        <p:nvPr/>
+      </p:nvGrpSpPr>
+      <p:grpSpPr>
+        <a:xfrm>
+          <a:off x="0" y="0"/>
+          <a:ext cx="0" cy="0"/>
+          <a:chOff x="0" y="0"/>
+          <a:chExt cx="0" cy="0"/>
+        </a:xfrm>
+      </p:grpSpPr>
+      <p:sp>
+        <p:nvSpPr>
+          <p:cNvPr id="64" name="Rectangle 63">
+            <a:extLst>
+              <a:ext uri="{FF2B5EF4-FFF2-40B4-BE49-F238E27FC236}">
+                <a16:creationId xmlns:a16="http://schemas.microsoft.com/office/drawing/2014/main" id="{1F45B2B9-2D68-EBB2-2059-1699309E2505}"/>
+              </a:ext>
+            </a:extLst>
+          </p:cNvPr>
+          <p:cNvSpPr/>
+          <p:nvPr/>
+        </p:nvSpPr>
+        <p:spPr>
+          <a:xfrm>
+            <a:off x="9240995" y="4758292"/>
+            <a:ext cx="3035749" cy="1052167"/>
+          </a:xfrm>
+          <a:prstGeom prst="rect">
+            <a:avLst/>
+          </a:prstGeom>
+          <a:solidFill>
+            <a:srgbClr val="000000"/>
+          </a:solidFill>
+          <a:ln>
+            <a:solidFill>
+              <a:srgbClr val="000000"/>
+            </a:solidFill>
+          </a:ln>
+        </p:spPr>
+        <p:style>
+          <a:lnRef idx="2">
+            <a:schemeClr val="accent1">
+              <a:shade val="15000"/>
+            </a:schemeClr>
+          </a:lnRef>
+          <a:fillRef idx="1">
+            <a:schemeClr val="accent1"/>
+          </a:fillRef>
+          <a:effectRef idx="0">
+            <a:schemeClr val="accent1"/>
+          </a:effectRef>
+          <a:fontRef idx="minor">
+            <a:schemeClr val="lt1"/>
+          </a:fontRef>
+        </p:style>
+        <p:txBody>
+          <a:bodyPr rtlCol="0" anchor="ctr"/>
+          <a:lstStyle/>
+          <a:p>
+            <a:pPr algn="ctr"/>
+            <a:endParaRPr lang="en-AU"/>
+          </a:p>
+        </p:txBody>
+      </p:sp>
+      <p:sp>
+        <p:nvSpPr>
+          <p:cNvPr id="54" name="Rectangle 53">
+            <a:extLst>
+              <a:ext uri="{FF2B5EF4-FFF2-40B4-BE49-F238E27FC236}">
+                <a16:creationId xmlns:a16="http://schemas.microsoft.com/office/drawing/2014/main" id="{F72F085F-976C-B041-85B7-369266A50520}"/>
+              </a:ext>
+            </a:extLst>
+          </p:cNvPr>
+          <p:cNvSpPr/>
+          <p:nvPr/>
+        </p:nvSpPr>
+        <p:spPr>
+          <a:xfrm>
+            <a:off x="5839074" y="4321826"/>
+            <a:ext cx="4201269" cy="849086"/>
+          </a:xfrm>
+          <a:prstGeom prst="rect">
+            <a:avLst/>
+          </a:prstGeom>
+          <a:solidFill>
+            <a:srgbClr val="000000"/>
+          </a:solidFill>
+          <a:ln>
+            <a:solidFill>
+              <a:srgbClr val="000000"/>
+            </a:solidFill>
+          </a:ln>
+        </p:spPr>
+        <p:style>
+          <a:lnRef idx="2">
+            <a:schemeClr val="accent1">
+              <a:shade val="15000"/>
+            </a:schemeClr>
+          </a:lnRef>
+          <a:fillRef idx="1">
+            <a:schemeClr val="accent1"/>
+          </a:fillRef>
+          <a:effectRef idx="0">
+            <a:schemeClr val="accent1"/>
+          </a:effectRef>
+          <a:fontRef idx="minor">
+            <a:schemeClr val="lt1"/>
+          </a:fontRef>
+        </p:style>
+        <p:txBody>
+          <a:bodyPr rtlCol="0" anchor="ctr"/>
+          <a:lstStyle/>
+          <a:p>
+            <a:pPr algn="ctr"/>
+            <a:endParaRPr lang="en-AU"/>
+          </a:p>
+        </p:txBody>
+      </p:sp>
+      <p:grpSp>
+        <p:nvGrpSpPr>
+          <p:cNvPr id="40" name="Group 39">
+            <a:extLst>
+              <a:ext uri="{FF2B5EF4-FFF2-40B4-BE49-F238E27FC236}">
+                <a16:creationId xmlns:a16="http://schemas.microsoft.com/office/drawing/2014/main" id="{86FB4548-73F1-705A-A7E4-C6A213A8FE07}"/>
+              </a:ext>
+            </a:extLst>
+          </p:cNvPr>
+          <p:cNvGrpSpPr/>
+          <p:nvPr/>
+        </p:nvGrpSpPr>
+        <p:grpSpPr>
+          <a:xfrm>
+            <a:off x="101933" y="139375"/>
+            <a:ext cx="5860542" cy="1589313"/>
+            <a:chOff x="2139307" y="1074111"/>
+            <a:chExt cx="5860542" cy="1589313"/>
+          </a:xfrm>
+        </p:grpSpPr>
+        <p:sp>
+          <p:nvSpPr>
+            <p:cNvPr id="30" name="Freeform: Shape 29">
+              <a:extLst>
+                <a:ext uri="{FF2B5EF4-FFF2-40B4-BE49-F238E27FC236}">
+                  <a16:creationId xmlns:a16="http://schemas.microsoft.com/office/drawing/2014/main" id="{66684DB5-59B2-8EEB-FA4D-C867415D7A1A}"/>
+                </a:ext>
+              </a:extLst>
+            </p:cNvPr>
+            <p:cNvSpPr/>
+            <p:nvPr/>
+          </p:nvSpPr>
+          <p:spPr>
+            <a:xfrm>
+              <a:off x="2139307" y="1281462"/>
+              <a:ext cx="3195265" cy="487226"/>
+            </a:xfrm>
+            <a:custGeom>
+              <a:avLst/>
+              <a:gdLst/>
+              <a:ahLst/>
+              <a:cxnLst/>
+              <a:rect l="l" t="t" r="r" b="b"/>
+              <a:pathLst>
+                <a:path w="3195265" h="487226">
+                  <a:moveTo>
+                    <a:pt x="2217241" y="155042"/>
+                  </a:moveTo>
+                  <a:lnTo>
+                    <a:pt x="2167347" y="300708"/>
+                  </a:lnTo>
+                  <a:lnTo>
+                    <a:pt x="2266466" y="300708"/>
+                  </a:lnTo>
+                  <a:close/>
+                  <a:moveTo>
+                    <a:pt x="652872" y="115193"/>
+                  </a:moveTo>
+                  <a:cubicBezTo>
+                    <a:pt x="625566" y="115193"/>
+                    <a:pt x="600835" y="122859"/>
+                    <a:pt x="578676" y="138192"/>
+                  </a:cubicBezTo>
+                  <a:cubicBezTo>
+                    <a:pt x="556517" y="153524"/>
+                    <a:pt x="540738" y="173948"/>
+                    <a:pt x="531337" y="199464"/>
+                  </a:cubicBezTo>
+                  <a:cubicBezTo>
+                    <a:pt x="525966" y="214013"/>
+                    <a:pt x="523280" y="228785"/>
+                    <a:pt x="523280" y="243781"/>
+                  </a:cubicBezTo>
+                  <a:cubicBezTo>
+                    <a:pt x="523280" y="274668"/>
+                    <a:pt x="533575" y="302310"/>
+                    <a:pt x="554166" y="326707"/>
+                  </a:cubicBezTo>
+                  <a:cubicBezTo>
+                    <a:pt x="579681" y="356924"/>
+                    <a:pt x="612583" y="372033"/>
+                    <a:pt x="652872" y="372033"/>
+                  </a:cubicBezTo>
+                  <a:cubicBezTo>
+                    <a:pt x="693160" y="372033"/>
+                    <a:pt x="726174" y="357038"/>
+                    <a:pt x="751913" y="327047"/>
+                  </a:cubicBezTo>
+                  <a:cubicBezTo>
+                    <a:pt x="772503" y="303097"/>
+                    <a:pt x="782799" y="275342"/>
+                    <a:pt x="782799" y="243781"/>
+                  </a:cubicBezTo>
+                  <a:cubicBezTo>
+                    <a:pt x="782799" y="211550"/>
+                    <a:pt x="772503" y="183683"/>
+                    <a:pt x="751913" y="160180"/>
+                  </a:cubicBezTo>
+                  <a:cubicBezTo>
+                    <a:pt x="725500" y="130189"/>
+                    <a:pt x="692487" y="115193"/>
+                    <a:pt x="652872" y="115193"/>
+                  </a:cubicBezTo>
+                  <a:close/>
+                  <a:moveTo>
+                    <a:pt x="1729978" y="109501"/>
+                  </a:moveTo>
+                  <a:lnTo>
+                    <a:pt x="1729978" y="223354"/>
+                  </a:lnTo>
+                  <a:lnTo>
+                    <a:pt x="1769618" y="223354"/>
+                  </a:lnTo>
+                  <a:cubicBezTo>
+                    <a:pt x="1795371" y="223354"/>
+                    <a:pt x="1813063" y="217757"/>
+                    <a:pt x="1822693" y="206564"/>
+                  </a:cubicBezTo>
+                  <a:cubicBezTo>
+                    <a:pt x="1831428" y="196487"/>
+                    <a:pt x="1835795" y="182829"/>
+                    <a:pt x="1835795" y="165590"/>
+                  </a:cubicBezTo>
+                  <a:cubicBezTo>
+                    <a:pt x="1835795" y="148571"/>
+                    <a:pt x="1830812" y="134969"/>
+                    <a:pt x="1820846" y="124781"/>
+                  </a:cubicBezTo>
+                  <a:cubicBezTo>
+                    <a:pt x="1810881" y="114594"/>
+                    <a:pt x="1793916" y="109501"/>
+                    <a:pt x="1769952" y="109501"/>
+                  </a:cubicBezTo>
+                  <a:close/>
+                  <a:moveTo>
+                    <a:pt x="2625328" y="104143"/>
+                  </a:moveTo>
+                  <a:lnTo>
+                    <a:pt x="2625328" y="217996"/>
+                  </a:lnTo>
+                  <a:lnTo>
+                    <a:pt x="2647508" y="217996"/>
+                  </a:lnTo>
+                  <a:cubicBezTo>
+                    <a:pt x="2672601" y="217996"/>
+                    <a:pt x="2690637" y="212766"/>
+                    <a:pt x="2701614" y="202305"/>
+                  </a:cubicBezTo>
+                  <a:cubicBezTo>
+                    <a:pt x="2713488" y="190951"/>
+                    <a:pt x="2719425" y="177150"/>
+                    <a:pt x="2719425" y="160902"/>
+                  </a:cubicBezTo>
+                  <a:cubicBezTo>
+                    <a:pt x="2719425" y="144654"/>
+                    <a:pt x="2713488" y="130965"/>
+                    <a:pt x="2701614" y="119834"/>
+                  </a:cubicBezTo>
+                  <a:cubicBezTo>
+                    <a:pt x="2690410" y="109373"/>
+                    <a:pt x="2672375" y="104143"/>
+                    <a:pt x="2647508" y="104143"/>
+                  </a:cubicBezTo>
+                  <a:close/>
+                  <a:moveTo>
+                    <a:pt x="2935077" y="13730"/>
+                  </a:moveTo>
+                  <a:lnTo>
+                    <a:pt x="3195265" y="13730"/>
+                  </a:lnTo>
+                  <a:lnTo>
+                    <a:pt x="3195265" y="112849"/>
+                  </a:lnTo>
+                  <a:lnTo>
+                    <a:pt x="3053953" y="112849"/>
+                  </a:lnTo>
+                  <a:lnTo>
+                    <a:pt x="3053953" y="190872"/>
+                  </a:lnTo>
+                  <a:lnTo>
+                    <a:pt x="3187564" y="190872"/>
+                  </a:lnTo>
+                  <a:lnTo>
+                    <a:pt x="3187564" y="289992"/>
+                  </a:lnTo>
+                  <a:lnTo>
+                    <a:pt x="3053953" y="289992"/>
+                  </a:lnTo>
+                  <a:lnTo>
+                    <a:pt x="3053953" y="371699"/>
+                  </a:lnTo>
+                  <a:lnTo>
+                    <a:pt x="3195265" y="371699"/>
+                  </a:lnTo>
+                  <a:lnTo>
+                    <a:pt x="3195265" y="470818"/>
+                  </a:lnTo>
+                  <a:lnTo>
+                    <a:pt x="2935077" y="470818"/>
+                  </a:lnTo>
+                  <a:close/>
+                  <a:moveTo>
+                    <a:pt x="2506452" y="13730"/>
+                  </a:moveTo>
+                  <a:lnTo>
+                    <a:pt x="2691296" y="13730"/>
+                  </a:lnTo>
+                  <a:cubicBezTo>
+                    <a:pt x="2745321" y="13730"/>
+                    <a:pt x="2785281" y="29915"/>
+                    <a:pt x="2811177" y="62285"/>
+                  </a:cubicBezTo>
+                  <a:cubicBezTo>
+                    <a:pt x="2832162" y="88404"/>
+                    <a:pt x="2842654" y="119100"/>
+                    <a:pt x="2842654" y="154372"/>
+                  </a:cubicBezTo>
+                  <a:cubicBezTo>
+                    <a:pt x="2842654" y="194779"/>
+                    <a:pt x="2830599" y="227038"/>
+                    <a:pt x="2806489" y="251148"/>
+                  </a:cubicBezTo>
+                  <a:cubicBezTo>
+                    <a:pt x="2791085" y="266551"/>
+                    <a:pt x="2769877" y="277267"/>
+                    <a:pt x="2742865" y="283295"/>
+                  </a:cubicBezTo>
+                  <a:lnTo>
+                    <a:pt x="2886521" y="470818"/>
+                  </a:lnTo>
+                  <a:lnTo>
+                    <a:pt x="2738847" y="470818"/>
+                  </a:lnTo>
+                  <a:lnTo>
+                    <a:pt x="2625328" y="295350"/>
+                  </a:lnTo>
+                  <a:lnTo>
+                    <a:pt x="2625328" y="470818"/>
+                  </a:lnTo>
+                  <a:lnTo>
+                    <a:pt x="2506452" y="470818"/>
+                  </a:lnTo>
+                  <a:close/>
+                  <a:moveTo>
+                    <a:pt x="2153282" y="13730"/>
+                  </a:moveTo>
+                  <a:lnTo>
+                    <a:pt x="2282875" y="13730"/>
+                  </a:lnTo>
+                  <a:lnTo>
+                    <a:pt x="2454994" y="470818"/>
+                  </a:lnTo>
+                  <a:lnTo>
+                    <a:pt x="2328081" y="470818"/>
+                  </a:lnTo>
+                  <a:lnTo>
+                    <a:pt x="2298613" y="391121"/>
+                  </a:lnTo>
+                  <a:lnTo>
+                    <a:pt x="2134530" y="391121"/>
+                  </a:lnTo>
+                  <a:lnTo>
+                    <a:pt x="2103053" y="470818"/>
+                  </a:lnTo>
+                  <a:lnTo>
+                    <a:pt x="1977479" y="470818"/>
+                  </a:lnTo>
+                  <a:close/>
+                  <a:moveTo>
+                    <a:pt x="1611102" y="13730"/>
+                  </a:moveTo>
+                  <a:lnTo>
+                    <a:pt x="1800299" y="13730"/>
+                  </a:lnTo>
+                  <a:cubicBezTo>
+                    <a:pt x="1854101" y="13730"/>
+                    <a:pt x="1894954" y="29451"/>
+                    <a:pt x="1922859" y="60893"/>
+                  </a:cubicBezTo>
+                  <a:cubicBezTo>
+                    <a:pt x="1946970" y="87877"/>
+                    <a:pt x="1959025" y="122330"/>
+                    <a:pt x="1959025" y="164251"/>
+                  </a:cubicBezTo>
+                  <a:cubicBezTo>
+                    <a:pt x="1959025" y="205505"/>
+                    <a:pt x="1949314" y="239625"/>
+                    <a:pt x="1929891" y="266609"/>
+                  </a:cubicBezTo>
+                  <a:cubicBezTo>
+                    <a:pt x="1904665" y="301620"/>
+                    <a:pt x="1862807" y="319125"/>
+                    <a:pt x="1804318" y="319125"/>
+                  </a:cubicBezTo>
+                  <a:lnTo>
+                    <a:pt x="1729978" y="319125"/>
+                  </a:lnTo>
+                  <a:lnTo>
+                    <a:pt x="1729978" y="470818"/>
+                  </a:lnTo>
+                  <a:lnTo>
+                    <a:pt x="1611102" y="470818"/>
+                  </a:lnTo>
+                  <a:close/>
+                  <a:moveTo>
+                    <a:pt x="1039713" y="13730"/>
+                  </a:moveTo>
+                  <a:lnTo>
+                    <a:pt x="1157250" y="13730"/>
+                  </a:lnTo>
+                  <a:lnTo>
+                    <a:pt x="1249683" y="257510"/>
+                  </a:lnTo>
+                  <a:lnTo>
+                    <a:pt x="1347453" y="13730"/>
+                  </a:lnTo>
+                  <a:lnTo>
+                    <a:pt x="1465994" y="13730"/>
+                  </a:lnTo>
+                  <a:lnTo>
+                    <a:pt x="1534976" y="470818"/>
+                  </a:lnTo>
+                  <a:lnTo>
+                    <a:pt x="1416100" y="470818"/>
+                  </a:lnTo>
+                  <a:lnTo>
+                    <a:pt x="1382310" y="207616"/>
+                  </a:lnTo>
+                  <a:lnTo>
+                    <a:pt x="1271915" y="470818"/>
+                  </a:lnTo>
+                  <a:lnTo>
+                    <a:pt x="1224746" y="470818"/>
+                  </a:lnTo>
+                  <a:lnTo>
+                    <a:pt x="1119374" y="207616"/>
+                  </a:lnTo>
+                  <a:lnTo>
+                    <a:pt x="1080567" y="470818"/>
+                  </a:lnTo>
+                  <a:lnTo>
+                    <a:pt x="962025" y="470818"/>
+                  </a:lnTo>
+                  <a:close/>
+                  <a:moveTo>
+                    <a:pt x="242776" y="4019"/>
+                  </a:moveTo>
+                  <a:cubicBezTo>
+                    <a:pt x="274476" y="4019"/>
+                    <a:pt x="310083" y="11721"/>
+                    <a:pt x="349597" y="27124"/>
+                  </a:cubicBezTo>
+                  <a:lnTo>
+                    <a:pt x="349597" y="169441"/>
+                  </a:lnTo>
+                  <a:cubicBezTo>
+                    <a:pt x="338418" y="155733"/>
+                    <a:pt x="327015" y="145394"/>
+                    <a:pt x="315389" y="138424"/>
+                  </a:cubicBezTo>
+                  <a:cubicBezTo>
+                    <a:pt x="294149" y="125616"/>
+                    <a:pt x="271346" y="119212"/>
+                    <a:pt x="246977" y="119212"/>
+                  </a:cubicBezTo>
+                  <a:cubicBezTo>
+                    <a:pt x="216125" y="119212"/>
+                    <a:pt x="189295" y="128501"/>
+                    <a:pt x="166490" y="147079"/>
+                  </a:cubicBezTo>
+                  <a:cubicBezTo>
+                    <a:pt x="137650" y="170582"/>
+                    <a:pt x="123230" y="202816"/>
+                    <a:pt x="123230" y="243781"/>
+                  </a:cubicBezTo>
+                  <a:cubicBezTo>
+                    <a:pt x="123230" y="284522"/>
+                    <a:pt x="137650" y="316645"/>
+                    <a:pt x="166490" y="340148"/>
+                  </a:cubicBezTo>
+                  <a:cubicBezTo>
+                    <a:pt x="189295" y="358726"/>
+                    <a:pt x="216125" y="368015"/>
+                    <a:pt x="246977" y="368015"/>
+                  </a:cubicBezTo>
+                  <a:cubicBezTo>
+                    <a:pt x="271346" y="368015"/>
+                    <a:pt x="294149" y="361611"/>
+                    <a:pt x="315389" y="348802"/>
+                  </a:cubicBezTo>
+                  <a:cubicBezTo>
+                    <a:pt x="326792" y="342060"/>
+                    <a:pt x="338194" y="331721"/>
+                    <a:pt x="349597" y="317786"/>
+                  </a:cubicBezTo>
+                  <a:lnTo>
+                    <a:pt x="349597" y="460102"/>
+                  </a:lnTo>
+                  <a:cubicBezTo>
+                    <a:pt x="310753" y="475506"/>
+                    <a:pt x="274811" y="483208"/>
+                    <a:pt x="241771" y="483208"/>
+                  </a:cubicBezTo>
+                  <a:cubicBezTo>
+                    <a:pt x="184175" y="483208"/>
+                    <a:pt x="132606" y="464791"/>
+                    <a:pt x="87064" y="427956"/>
+                  </a:cubicBezTo>
+                  <a:cubicBezTo>
+                    <a:pt x="29021" y="380851"/>
+                    <a:pt x="0" y="319460"/>
+                    <a:pt x="0" y="243781"/>
+                  </a:cubicBezTo>
+                  <a:cubicBezTo>
+                    <a:pt x="0" y="167878"/>
+                    <a:pt x="29021" y="106375"/>
+                    <a:pt x="87064" y="59271"/>
+                  </a:cubicBezTo>
+                  <a:cubicBezTo>
+                    <a:pt x="132606" y="22436"/>
+                    <a:pt x="184510" y="4019"/>
+                    <a:pt x="242776" y="4019"/>
+                  </a:cubicBezTo>
+                  <a:close/>
+                  <a:moveTo>
+                    <a:pt x="652872" y="0"/>
+                  </a:moveTo>
+                  <a:cubicBezTo>
+                    <a:pt x="733239" y="0"/>
+                    <a:pt x="796974" y="26678"/>
+                    <a:pt x="844079" y="80033"/>
+                  </a:cubicBezTo>
+                  <a:cubicBezTo>
+                    <a:pt x="885378" y="126913"/>
+                    <a:pt x="906028" y="181496"/>
+                    <a:pt x="906028" y="243781"/>
+                  </a:cubicBezTo>
+                  <a:cubicBezTo>
+                    <a:pt x="906028" y="305842"/>
+                    <a:pt x="885378" y="360313"/>
+                    <a:pt x="844079" y="407194"/>
+                  </a:cubicBezTo>
+                  <a:cubicBezTo>
+                    <a:pt x="796974" y="460549"/>
+                    <a:pt x="733239" y="487226"/>
+                    <a:pt x="652872" y="487226"/>
+                  </a:cubicBezTo>
+                  <a:cubicBezTo>
+                    <a:pt x="572728" y="487226"/>
+                    <a:pt x="509104" y="460549"/>
+                    <a:pt x="462000" y="407194"/>
+                  </a:cubicBezTo>
+                  <a:cubicBezTo>
+                    <a:pt x="420700" y="360313"/>
+                    <a:pt x="400050" y="305842"/>
+                    <a:pt x="400050" y="243781"/>
+                  </a:cubicBezTo>
+                  <a:cubicBezTo>
+                    <a:pt x="400050" y="215429"/>
+                    <a:pt x="405631" y="186352"/>
+                    <a:pt x="416793" y="156549"/>
+                  </a:cubicBezTo>
+                  <a:cubicBezTo>
+                    <a:pt x="427955" y="126746"/>
+                    <a:pt x="442912" y="101241"/>
+                    <a:pt x="461665" y="80033"/>
+                  </a:cubicBezTo>
+                  <a:cubicBezTo>
+                    <a:pt x="508769" y="26678"/>
+                    <a:pt x="572505" y="0"/>
+                    <a:pt x="652872" y="0"/>
+                  </a:cubicBezTo>
+                  <a:close/>
+                </a:path>
+              </a:pathLst>
+            </a:custGeom>
+            <a:solidFill>
+              <a:schemeClr val="tx1"/>
+            </a:solidFill>
+            <a:ln>
+              <a:solidFill>
+                <a:schemeClr val="tx1"/>
+              </a:solidFill>
+            </a:ln>
+          </p:spPr>
+          <p:style>
+            <a:lnRef idx="2">
+              <a:schemeClr val="accent1">
+                <a:shade val="15000"/>
+              </a:schemeClr>
+            </a:lnRef>
+            <a:fillRef idx="1">
+              <a:schemeClr val="accent1"/>
+            </a:fillRef>
+            <a:effectRef idx="0">
+              <a:schemeClr val="accent1"/>
+            </a:effectRef>
+            <a:fontRef idx="minor">
+              <a:schemeClr val="lt1"/>
+            </a:fontRef>
+          </p:style>
+          <p:txBody>
+            <a:bodyPr wrap="square" rtlCol="0" anchor="ctr">
+              <a:noAutofit/>
+            </a:bodyPr>
+            <a:lstStyle/>
+            <a:p>
+              <a:pPr algn="ctr"/>
+              <a:endParaRPr lang="en-AU"/>
+            </a:p>
+          </p:txBody>
+        </p:sp>
+        <p:sp>
+          <p:nvSpPr>
+            <p:cNvPr id="31" name="Freeform: Shape 30">
+              <a:extLst>
+                <a:ext uri="{FF2B5EF4-FFF2-40B4-BE49-F238E27FC236}">
+                  <a16:creationId xmlns:a16="http://schemas.microsoft.com/office/drawing/2014/main" id="{DF8EC7FB-6A59-ED57-B466-06F28F660259}"/>
+                </a:ext>
+              </a:extLst>
+            </p:cNvPr>
+            <p:cNvSpPr/>
+            <p:nvPr/>
+          </p:nvSpPr>
+          <p:spPr>
+            <a:xfrm>
+              <a:off x="6168333" y="2182895"/>
+              <a:ext cx="1831516" cy="480529"/>
+            </a:xfrm>
+            <a:custGeom>
+              <a:avLst/>
+              <a:gdLst/>
+              <a:ahLst/>
+              <a:cxnLst/>
+              <a:rect l="l" t="t" r="r" b="b"/>
+              <a:pathLst>
+                <a:path w="1831516" h="480529">
+                  <a:moveTo>
+                    <a:pt x="962286" y="11051"/>
+                  </a:moveTo>
+                  <a:lnTo>
+                    <a:pt x="1081162" y="11051"/>
+                  </a:lnTo>
+                  <a:lnTo>
+                    <a:pt x="1299828" y="290662"/>
+                  </a:lnTo>
+                  <a:lnTo>
+                    <a:pt x="1299828" y="11051"/>
+                  </a:lnTo>
+                  <a:lnTo>
+                    <a:pt x="1418704" y="11051"/>
+                  </a:lnTo>
+                  <a:lnTo>
+                    <a:pt x="1418704" y="468139"/>
+                  </a:lnTo>
+                  <a:lnTo>
+                    <a:pt x="1299828" y="468139"/>
+                  </a:lnTo>
+                  <a:lnTo>
+                    <a:pt x="1081162" y="188193"/>
+                  </a:lnTo>
+                  <a:lnTo>
+                    <a:pt x="1081162" y="468139"/>
+                  </a:lnTo>
+                  <a:lnTo>
+                    <a:pt x="962286" y="468139"/>
+                  </a:lnTo>
+                  <a:close/>
+                  <a:moveTo>
+                    <a:pt x="743211" y="11051"/>
+                  </a:moveTo>
+                  <a:lnTo>
+                    <a:pt x="862087" y="11051"/>
+                  </a:lnTo>
+                  <a:lnTo>
+                    <a:pt x="862087" y="468139"/>
+                  </a:lnTo>
+                  <a:lnTo>
+                    <a:pt x="743211" y="468139"/>
+                  </a:lnTo>
+                  <a:close/>
+                  <a:moveTo>
+                    <a:pt x="0" y="11051"/>
+                  </a:moveTo>
+                  <a:lnTo>
+                    <a:pt x="124234" y="11051"/>
+                  </a:lnTo>
+                  <a:lnTo>
+                    <a:pt x="203597" y="306400"/>
+                  </a:lnTo>
+                  <a:lnTo>
+                    <a:pt x="300372" y="11051"/>
+                  </a:lnTo>
+                  <a:lnTo>
+                    <a:pt x="394804" y="11051"/>
+                  </a:lnTo>
+                  <a:lnTo>
+                    <a:pt x="484882" y="306400"/>
+                  </a:lnTo>
+                  <a:lnTo>
+                    <a:pt x="571277" y="11051"/>
+                  </a:lnTo>
+                  <a:lnTo>
+                    <a:pt x="695176" y="11051"/>
+                  </a:lnTo>
+                  <a:lnTo>
+                    <a:pt x="549176" y="468139"/>
+                  </a:lnTo>
+                  <a:lnTo>
+                    <a:pt x="427955" y="468139"/>
+                  </a:lnTo>
+                  <a:lnTo>
+                    <a:pt x="344575" y="203262"/>
+                  </a:lnTo>
+                  <a:lnTo>
+                    <a:pt x="257175" y="468139"/>
+                  </a:lnTo>
+                  <a:lnTo>
+                    <a:pt x="136290" y="468139"/>
+                  </a:lnTo>
+                  <a:close/>
+                  <a:moveTo>
+                    <a:pt x="1668103" y="0"/>
+                  </a:moveTo>
+                  <a:cubicBezTo>
+                    <a:pt x="1717440" y="0"/>
+                    <a:pt x="1765772" y="12390"/>
+                    <a:pt x="1813099" y="37170"/>
+                  </a:cubicBezTo>
+                  <a:lnTo>
+                    <a:pt x="1765548" y="129592"/>
+                  </a:lnTo>
+                  <a:cubicBezTo>
+                    <a:pt x="1739586" y="109277"/>
+                    <a:pt x="1713399" y="99120"/>
+                    <a:pt x="1686986" y="99120"/>
+                  </a:cubicBezTo>
+                  <a:cubicBezTo>
+                    <a:pt x="1674230" y="99120"/>
+                    <a:pt x="1662815" y="102369"/>
+                    <a:pt x="1652741" y="108867"/>
+                  </a:cubicBezTo>
+                  <a:cubicBezTo>
+                    <a:pt x="1641328" y="116262"/>
+                    <a:pt x="1635621" y="126122"/>
+                    <a:pt x="1635621" y="138445"/>
+                  </a:cubicBezTo>
+                  <a:cubicBezTo>
+                    <a:pt x="1635621" y="150542"/>
+                    <a:pt x="1643112" y="160960"/>
+                    <a:pt x="1658094" y="169697"/>
+                  </a:cubicBezTo>
+                  <a:cubicBezTo>
+                    <a:pt x="1664805" y="173733"/>
+                    <a:pt x="1684932" y="180680"/>
+                    <a:pt x="1718474" y="190537"/>
+                  </a:cubicBezTo>
+                  <a:cubicBezTo>
+                    <a:pt x="1760517" y="202830"/>
+                    <a:pt x="1790482" y="220264"/>
+                    <a:pt x="1808369" y="242839"/>
+                  </a:cubicBezTo>
+                  <a:cubicBezTo>
+                    <a:pt x="1823801" y="262059"/>
+                    <a:pt x="1831516" y="286755"/>
+                    <a:pt x="1831516" y="316927"/>
+                  </a:cubicBezTo>
+                  <a:cubicBezTo>
+                    <a:pt x="1831516" y="394256"/>
+                    <a:pt x="1797584" y="444655"/>
+                    <a:pt x="1729718" y="468123"/>
+                  </a:cubicBezTo>
+                  <a:cubicBezTo>
+                    <a:pt x="1706054" y="476394"/>
+                    <a:pt x="1680605" y="480529"/>
+                    <a:pt x="1653369" y="480529"/>
+                  </a:cubicBezTo>
+                  <a:cubicBezTo>
+                    <a:pt x="1596219" y="480529"/>
+                    <a:pt x="1543199" y="463228"/>
+                    <a:pt x="1494309" y="428625"/>
+                  </a:cubicBezTo>
+                  <a:lnTo>
+                    <a:pt x="1545208" y="332854"/>
+                  </a:lnTo>
+                  <a:cubicBezTo>
+                    <a:pt x="1581000" y="365225"/>
+                    <a:pt x="1616009" y="381410"/>
+                    <a:pt x="1650235" y="381410"/>
+                  </a:cubicBezTo>
+                  <a:cubicBezTo>
+                    <a:pt x="1665670" y="381410"/>
+                    <a:pt x="1678758" y="377801"/>
+                    <a:pt x="1689498" y="370584"/>
+                  </a:cubicBezTo>
+                  <a:cubicBezTo>
+                    <a:pt x="1702024" y="362467"/>
+                    <a:pt x="1708287" y="350967"/>
+                    <a:pt x="1708287" y="336083"/>
+                  </a:cubicBezTo>
+                  <a:cubicBezTo>
+                    <a:pt x="1708287" y="322552"/>
+                    <a:pt x="1701354" y="311277"/>
+                    <a:pt x="1687489" y="302256"/>
+                  </a:cubicBezTo>
+                  <a:cubicBezTo>
+                    <a:pt x="1677202" y="295489"/>
+                    <a:pt x="1659871" y="288611"/>
+                    <a:pt x="1635496" y="281620"/>
+                  </a:cubicBezTo>
+                  <a:cubicBezTo>
+                    <a:pt x="1605979" y="272924"/>
+                    <a:pt x="1587418" y="266904"/>
+                    <a:pt x="1579814" y="263559"/>
+                  </a:cubicBezTo>
+                  <a:cubicBezTo>
+                    <a:pt x="1567738" y="258431"/>
+                    <a:pt x="1557452" y="252410"/>
+                    <a:pt x="1548955" y="245497"/>
+                  </a:cubicBezTo>
+                  <a:cubicBezTo>
+                    <a:pt x="1524579" y="225430"/>
+                    <a:pt x="1512392" y="195105"/>
+                    <a:pt x="1512392" y="154524"/>
+                  </a:cubicBezTo>
+                  <a:cubicBezTo>
+                    <a:pt x="1512392" y="112157"/>
+                    <a:pt x="1525005" y="77038"/>
+                    <a:pt x="1550231" y="49168"/>
+                  </a:cubicBezTo>
+                  <a:cubicBezTo>
+                    <a:pt x="1579699" y="16389"/>
+                    <a:pt x="1618990" y="0"/>
+                    <a:pt x="1668103" y="0"/>
+                  </a:cubicBezTo>
+                  <a:close/>
+                </a:path>
+              </a:pathLst>
+            </a:custGeom>
+            <a:solidFill>
+              <a:schemeClr val="tx1"/>
+            </a:solidFill>
+            <a:ln>
+              <a:solidFill>
+                <a:schemeClr val="tx1"/>
+              </a:solidFill>
+            </a:ln>
+          </p:spPr>
+          <p:style>
+            <a:lnRef idx="2">
+              <a:schemeClr val="accent1">
+                <a:shade val="15000"/>
+              </a:schemeClr>
+            </a:lnRef>
+            <a:fillRef idx="1">
+              <a:schemeClr val="accent1"/>
+            </a:fillRef>
+            <a:effectRef idx="0">
+              <a:schemeClr val="accent1"/>
+            </a:effectRef>
+            <a:fontRef idx="minor">
+              <a:schemeClr val="lt1"/>
+            </a:fontRef>
+          </p:style>
+          <p:txBody>
+            <a:bodyPr wrap="square" rtlCol="0" anchor="ctr">
+              <a:noAutofit/>
+            </a:bodyPr>
+            <a:lstStyle/>
+            <a:p>
+              <a:pPr algn="ctr"/>
+              <a:endParaRPr lang="en-AU"/>
+            </a:p>
+          </p:txBody>
+        </p:sp>
+        <p:grpSp>
+          <p:nvGrpSpPr>
+            <p:cNvPr id="25" name="Group 24">
+              <a:extLst>
+                <a:ext uri="{FF2B5EF4-FFF2-40B4-BE49-F238E27FC236}">
+                  <a16:creationId xmlns:a16="http://schemas.microsoft.com/office/drawing/2014/main" id="{2E7E050A-B45F-9D05-1F34-618F713ECD94}"/>
+                </a:ext>
+              </a:extLst>
+            </p:cNvPr>
+            <p:cNvGrpSpPr/>
+            <p:nvPr/>
+          </p:nvGrpSpPr>
+          <p:grpSpPr>
+            <a:xfrm>
+              <a:off x="5273612" y="1074111"/>
+              <a:ext cx="1020319" cy="1558520"/>
+              <a:chOff x="5273612" y="2110431"/>
+              <a:chExt cx="1020319" cy="1558520"/>
+            </a:xfrm>
+          </p:grpSpPr>
+          <p:sp>
+            <p:nvSpPr>
+              <p:cNvPr id="10" name="Freeform: Shape 9">
+                <a:extLst>
+                  <a:ext uri="{FF2B5EF4-FFF2-40B4-BE49-F238E27FC236}">
+                    <a16:creationId xmlns:a16="http://schemas.microsoft.com/office/drawing/2014/main" id="{9E011353-C6EF-620D-94AF-51753B5D8F04}"/>
+                  </a:ext>
+                </a:extLst>
+              </p:cNvPr>
+              <p:cNvSpPr/>
+              <p:nvPr/>
+            </p:nvSpPr>
+            <p:spPr>
+              <a:xfrm>
+                <a:off x="5437895" y="2110431"/>
+                <a:ext cx="856036" cy="779896"/>
+              </a:xfrm>
+              <a:custGeom>
+                <a:avLst/>
+                <a:gdLst/>
+                <a:ahLst/>
+                <a:cxnLst/>
+                <a:rect l="l" t="t" r="r" b="b"/>
+                <a:pathLst>
+                  <a:path w="856036" h="779896">
+                    <a:moveTo>
+                      <a:pt x="773493" y="0"/>
+                    </a:moveTo>
+                    <a:lnTo>
+                      <a:pt x="856036" y="54792"/>
+                    </a:lnTo>
+                    <a:cubicBezTo>
+                      <a:pt x="794366" y="150144"/>
+                      <a:pt x="711941" y="224386"/>
+                      <a:pt x="608761" y="277518"/>
+                    </a:cubicBezTo>
+                    <a:cubicBezTo>
+                      <a:pt x="505581" y="330649"/>
+                      <a:pt x="368838" y="367414"/>
+                      <a:pt x="198532" y="387813"/>
+                    </a:cubicBezTo>
+                    <a:lnTo>
+                      <a:pt x="198532" y="395641"/>
+                    </a:lnTo>
+                    <a:cubicBezTo>
+                      <a:pt x="368364" y="412244"/>
+                      <a:pt x="504988" y="446756"/>
+                      <a:pt x="608405" y="499176"/>
+                    </a:cubicBezTo>
+                    <a:cubicBezTo>
+                      <a:pt x="711822" y="551596"/>
+                      <a:pt x="794366" y="626906"/>
+                      <a:pt x="856036" y="725104"/>
+                    </a:cubicBezTo>
+                    <a:lnTo>
+                      <a:pt x="773493" y="779896"/>
+                    </a:lnTo>
+                    <a:cubicBezTo>
+                      <a:pt x="707078" y="666517"/>
+                      <a:pt x="597968" y="583618"/>
+                      <a:pt x="446164" y="531197"/>
+                    </a:cubicBezTo>
+                    <a:cubicBezTo>
+                      <a:pt x="294359" y="478777"/>
+                      <a:pt x="148484" y="448298"/>
+                      <a:pt x="8539" y="439759"/>
+                    </a:cubicBezTo>
+                    <a:lnTo>
+                      <a:pt x="0" y="439759"/>
+                    </a:lnTo>
+                    <a:lnTo>
+                      <a:pt x="0" y="340137"/>
+                    </a:lnTo>
+                    <a:lnTo>
+                      <a:pt x="8539" y="340137"/>
+                    </a:lnTo>
+                    <a:cubicBezTo>
+                      <a:pt x="148484" y="331598"/>
+                      <a:pt x="294122" y="300407"/>
+                      <a:pt x="445452" y="246564"/>
+                    </a:cubicBezTo>
+                    <a:cubicBezTo>
+                      <a:pt x="596782" y="192720"/>
+                      <a:pt x="706129" y="110532"/>
+                      <a:pt x="773493" y="0"/>
+                    </a:cubicBezTo>
+                    <a:close/>
+                  </a:path>
+                </a:pathLst>
+              </a:custGeom>
+              <a:solidFill>
+                <a:srgbClr val="C00000"/>
+              </a:solidFill>
+              <a:ln>
+                <a:solidFill>
+                  <a:srgbClr val="000000"/>
+                </a:solidFill>
+              </a:ln>
+            </p:spPr>
+            <p:style>
+              <a:lnRef idx="2">
+                <a:schemeClr val="accent1">
+                  <a:shade val="15000"/>
+                </a:schemeClr>
+              </a:lnRef>
+              <a:fillRef idx="1">
+                <a:schemeClr val="accent1"/>
+              </a:fillRef>
+              <a:effectRef idx="0">
+                <a:schemeClr val="accent1"/>
+              </a:effectRef>
+              <a:fontRef idx="minor">
+                <a:schemeClr val="lt1"/>
+              </a:fontRef>
+            </p:style>
+            <p:txBody>
+              <a:bodyPr wrap="square" rtlCol="0" anchor="ctr">
+                <a:noAutofit/>
+              </a:bodyPr>
+              <a:lstStyle/>
+              <a:p>
+                <a:pPr algn="ctr"/>
+                <a:endParaRPr lang="en-AU" dirty="0"/>
+              </a:p>
+            </p:txBody>
+          </p:sp>
+          <p:sp>
+            <p:nvSpPr>
+              <p:cNvPr id="11" name="Freeform: Shape 10">
+                <a:extLst>
+                  <a:ext uri="{FF2B5EF4-FFF2-40B4-BE49-F238E27FC236}">
+                    <a16:creationId xmlns:a16="http://schemas.microsoft.com/office/drawing/2014/main" id="{1D62CDF0-DA37-43A0-B6E9-7C7FFE58F5A9}"/>
+                  </a:ext>
+                </a:extLst>
+              </p:cNvPr>
+              <p:cNvSpPr/>
+              <p:nvPr/>
+            </p:nvSpPr>
+            <p:spPr>
+              <a:xfrm>
+                <a:off x="5273612" y="2889055"/>
+                <a:ext cx="856036" cy="779896"/>
+              </a:xfrm>
+              <a:custGeom>
+                <a:avLst/>
+                <a:gdLst/>
+                <a:ahLst/>
+                <a:cxnLst/>
+                <a:rect l="l" t="t" r="r" b="b"/>
+                <a:pathLst>
+                  <a:path w="856036" h="779896">
+                    <a:moveTo>
+                      <a:pt x="82544" y="0"/>
+                    </a:moveTo>
+                    <a:cubicBezTo>
+                      <a:pt x="149907" y="110532"/>
+                      <a:pt x="259254" y="192720"/>
+                      <a:pt x="410585" y="246564"/>
+                    </a:cubicBezTo>
+                    <a:cubicBezTo>
+                      <a:pt x="561915" y="300407"/>
+                      <a:pt x="707552" y="331598"/>
+                      <a:pt x="847497" y="340137"/>
+                    </a:cubicBezTo>
+                    <a:lnTo>
+                      <a:pt x="856036" y="340137"/>
+                    </a:lnTo>
+                    <a:lnTo>
+                      <a:pt x="856036" y="439759"/>
+                    </a:lnTo>
+                    <a:lnTo>
+                      <a:pt x="847497" y="439759"/>
+                    </a:lnTo>
+                    <a:cubicBezTo>
+                      <a:pt x="707552" y="448298"/>
+                      <a:pt x="561678" y="478777"/>
+                      <a:pt x="409873" y="531197"/>
+                    </a:cubicBezTo>
+                    <a:cubicBezTo>
+                      <a:pt x="258068" y="583618"/>
+                      <a:pt x="148959" y="666517"/>
+                      <a:pt x="82544" y="779896"/>
+                    </a:cubicBezTo>
+                    <a:lnTo>
+                      <a:pt x="0" y="725104"/>
+                    </a:lnTo>
+                    <a:cubicBezTo>
+                      <a:pt x="61671" y="626906"/>
+                      <a:pt x="144215" y="551596"/>
+                      <a:pt x="247632" y="499176"/>
+                    </a:cubicBezTo>
+                    <a:cubicBezTo>
+                      <a:pt x="351049" y="446756"/>
+                      <a:pt x="487673" y="412244"/>
+                      <a:pt x="657504" y="395641"/>
+                    </a:cubicBezTo>
+                    <a:lnTo>
+                      <a:pt x="657504" y="387813"/>
+                    </a:lnTo>
+                    <a:cubicBezTo>
+                      <a:pt x="487198" y="367414"/>
+                      <a:pt x="350456" y="330649"/>
+                      <a:pt x="247276" y="277518"/>
+                    </a:cubicBezTo>
+                    <a:cubicBezTo>
+                      <a:pt x="144096" y="224386"/>
+                      <a:pt x="61671" y="150144"/>
+                      <a:pt x="0" y="54792"/>
+                    </a:cubicBezTo>
+                    <a:close/>
+                  </a:path>
+                </a:pathLst>
+              </a:custGeom>
+              <a:solidFill>
+                <a:schemeClr val="tx2">
+                  <a:lumMod val="75000"/>
+                  <a:lumOff val="25000"/>
+                </a:schemeClr>
+              </a:solidFill>
+              <a:ln>
+                <a:solidFill>
+                  <a:srgbClr val="000000"/>
+                </a:solidFill>
+              </a:ln>
+            </p:spPr>
+            <p:style>
+              <a:lnRef idx="2">
+                <a:schemeClr val="accent1">
+                  <a:shade val="15000"/>
+                </a:schemeClr>
+              </a:lnRef>
+              <a:fillRef idx="1">
+                <a:schemeClr val="accent1"/>
+              </a:fillRef>
+              <a:effectRef idx="0">
+                <a:schemeClr val="accent1"/>
+              </a:effectRef>
+              <a:fontRef idx="minor">
+                <a:schemeClr val="lt1"/>
+              </a:fontRef>
+            </p:style>
+            <p:txBody>
+              <a:bodyPr wrap="square" rtlCol="0" anchor="ctr">
+                <a:noAutofit/>
+              </a:bodyPr>
+              <a:lstStyle/>
+              <a:p>
+                <a:pPr algn="ctr"/>
+                <a:endParaRPr lang="en-AU"/>
+              </a:p>
+            </p:txBody>
+          </p:sp>
+          <p:sp>
+            <p:nvSpPr>
+              <p:cNvPr id="21" name="Freeform: Shape 20">
+                <a:extLst>
+                  <a:ext uri="{FF2B5EF4-FFF2-40B4-BE49-F238E27FC236}">
+                    <a16:creationId xmlns:a16="http://schemas.microsoft.com/office/drawing/2014/main" id="{7949D899-CFC4-7530-FD81-76BE9CE45E63}"/>
+                  </a:ext>
+                </a:extLst>
+              </p:cNvPr>
+              <p:cNvSpPr/>
+              <p:nvPr/>
+            </p:nvSpPr>
+            <p:spPr>
+              <a:xfrm>
+                <a:off x="5440687" y="2692547"/>
+                <a:ext cx="772781" cy="456860"/>
+              </a:xfrm>
+              <a:custGeom>
+                <a:avLst/>
+                <a:gdLst>
+                  <a:gd name="connsiteX0" fmla="*/ 0 w 772781"/>
+                  <a:gd name="connsiteY0" fmla="*/ 22 h 456860"/>
+                  <a:gd name="connsiteX1" fmla="*/ 458972 w 772781"/>
+                  <a:gd name="connsiteY1" fmla="*/ 92173 h 456860"/>
+                  <a:gd name="connsiteX2" fmla="*/ 772781 w 772781"/>
+                  <a:gd name="connsiteY2" fmla="*/ 397087 h 456860"/>
+                  <a:gd name="connsiteX3" fmla="*/ 692372 w 772781"/>
+                  <a:gd name="connsiteY3" fmla="*/ 456860 h 456860"/>
+                  <a:gd name="connsiteX4" fmla="*/ 426239 w 772781"/>
+                  <a:gd name="connsiteY4" fmla="*/ 185034 h 456860"/>
+                  <a:gd name="connsiteX5" fmla="*/ 0 w 772781"/>
+                  <a:gd name="connsiteY5" fmla="*/ 92528 h 456860"/>
+                </a:gdLst>
+                <a:ahLst/>
+                <a:cxnLst>
+                  <a:cxn ang="0">
+                    <a:pos x="connsiteX0" y="connsiteY0"/>
+                  </a:cxn>
+                  <a:cxn ang="0">
+                    <a:pos x="connsiteX1" y="connsiteY1"/>
+                  </a:cxn>
+                  <a:cxn ang="0">
+                    <a:pos x="connsiteX2" y="connsiteY2"/>
+                  </a:cxn>
+                  <a:cxn ang="0">
+                    <a:pos x="connsiteX3" y="connsiteY3"/>
+                  </a:cxn>
+                  <a:cxn ang="0">
+                    <a:pos x="connsiteX4" y="connsiteY4"/>
+                  </a:cxn>
+                  <a:cxn ang="0">
+                    <a:pos x="connsiteX5" y="connsiteY5"/>
+                  </a:cxn>
+                </a:cxnLst>
+                <a:rect l="l" t="t" r="r" b="b"/>
+                <a:pathLst>
+                  <a:path w="772781" h="456860">
+                    <a:moveTo>
+                      <a:pt x="0" y="22"/>
+                    </a:moveTo>
+                    <a:cubicBezTo>
+                      <a:pt x="185487" y="-926"/>
+                      <a:pt x="338477" y="29790"/>
+                      <a:pt x="458972" y="92173"/>
+                    </a:cubicBezTo>
+                    <a:cubicBezTo>
+                      <a:pt x="579467" y="154555"/>
+                      <a:pt x="684070" y="256193"/>
+                      <a:pt x="772781" y="397087"/>
+                    </a:cubicBezTo>
+                    <a:lnTo>
+                      <a:pt x="692372" y="456860"/>
+                    </a:lnTo>
+                    <a:cubicBezTo>
+                      <a:pt x="622162" y="337313"/>
+                      <a:pt x="533451" y="246705"/>
+                      <a:pt x="426239" y="185034"/>
+                    </a:cubicBezTo>
+                    <a:cubicBezTo>
+                      <a:pt x="319027" y="123364"/>
+                      <a:pt x="176948" y="92528"/>
+                      <a:pt x="0" y="92528"/>
+                    </a:cubicBezTo>
+                    <a:close/>
+                  </a:path>
+                </a:pathLst>
+              </a:custGeom>
+              <a:solidFill>
+                <a:srgbClr val="000000"/>
+              </a:solidFill>
+              <a:ln>
+                <a:solidFill>
+                  <a:srgbClr val="000000"/>
+                </a:solidFill>
+              </a:ln>
+            </p:spPr>
+            <p:style>
+              <a:lnRef idx="2">
+                <a:schemeClr val="accent1">
+                  <a:shade val="15000"/>
+                </a:schemeClr>
+              </a:lnRef>
+              <a:fillRef idx="1">
+                <a:schemeClr val="accent1"/>
+              </a:fillRef>
+              <a:effectRef idx="0">
+                <a:schemeClr val="accent1"/>
+              </a:effectRef>
+              <a:fontRef idx="minor">
+                <a:schemeClr val="lt1"/>
+              </a:fontRef>
+            </p:style>
+            <p:txBody>
+              <a:bodyPr wrap="square" rtlCol="0" anchor="ctr">
+                <a:noAutofit/>
+              </a:bodyPr>
+              <a:lstStyle/>
+              <a:p>
+                <a:pPr algn="ctr"/>
+                <a:endParaRPr lang="en-AU"/>
+              </a:p>
+            </p:txBody>
+          </p:sp>
+        </p:grpSp>
+      </p:grpSp>
+      <p:sp>
+        <p:nvSpPr>
+          <p:cNvPr id="47" name="Freeform: Shape 46">
+            <a:extLst>
+              <a:ext uri="{FF2B5EF4-FFF2-40B4-BE49-F238E27FC236}">
+                <a16:creationId xmlns:a16="http://schemas.microsoft.com/office/drawing/2014/main" id="{339C8520-2828-D326-DA73-35A0C716C093}"/>
+              </a:ext>
+            </a:extLst>
+          </p:cNvPr>
+          <p:cNvSpPr/>
+          <p:nvPr/>
+        </p:nvSpPr>
+        <p:spPr>
+          <a:xfrm>
+            <a:off x="9311878" y="4152684"/>
+            <a:ext cx="856036" cy="779896"/>
+          </a:xfrm>
+          <a:custGeom>
+            <a:avLst/>
+            <a:gdLst/>
+            <a:ahLst/>
+            <a:cxnLst/>
+            <a:rect l="l" t="t" r="r" b="b"/>
+            <a:pathLst>
+              <a:path w="856036" h="779896">
+                <a:moveTo>
+                  <a:pt x="773493" y="0"/>
+                </a:moveTo>
+                <a:lnTo>
+                  <a:pt x="856036" y="54792"/>
+                </a:lnTo>
+                <a:cubicBezTo>
+                  <a:pt x="794366" y="150144"/>
+                  <a:pt x="711941" y="224386"/>
+                  <a:pt x="608761" y="277518"/>
+                </a:cubicBezTo>
+                <a:cubicBezTo>
+                  <a:pt x="505581" y="330649"/>
+                  <a:pt x="368838" y="367414"/>
+                  <a:pt x="198532" y="387813"/>
+                </a:cubicBezTo>
+                <a:lnTo>
+                  <a:pt x="198532" y="395641"/>
+                </a:lnTo>
+                <a:cubicBezTo>
+                  <a:pt x="368364" y="412244"/>
+                  <a:pt x="504988" y="446756"/>
+                  <a:pt x="608405" y="499176"/>
+                </a:cubicBezTo>
+                <a:cubicBezTo>
+                  <a:pt x="711822" y="551596"/>
+                  <a:pt x="794366" y="626906"/>
+                  <a:pt x="856036" y="725104"/>
+                </a:cubicBezTo>
+                <a:lnTo>
+                  <a:pt x="773493" y="779896"/>
+                </a:lnTo>
+                <a:cubicBezTo>
+                  <a:pt x="707078" y="666517"/>
+                  <a:pt x="597968" y="583618"/>
+                  <a:pt x="446164" y="531197"/>
+                </a:cubicBezTo>
+                <a:cubicBezTo>
+                  <a:pt x="294359" y="478777"/>
+                  <a:pt x="148484" y="448298"/>
+                  <a:pt x="8539" y="439759"/>
+                </a:cubicBezTo>
+                <a:lnTo>
+                  <a:pt x="0" y="439759"/>
+                </a:lnTo>
+                <a:lnTo>
+                  <a:pt x="0" y="340137"/>
+                </a:lnTo>
+                <a:lnTo>
+                  <a:pt x="8539" y="340137"/>
+                </a:lnTo>
+                <a:cubicBezTo>
+                  <a:pt x="148484" y="331598"/>
+                  <a:pt x="294122" y="300407"/>
+                  <a:pt x="445452" y="246564"/>
+                </a:cubicBezTo>
+                <a:cubicBezTo>
+                  <a:pt x="596782" y="192720"/>
+                  <a:pt x="706129" y="110532"/>
+                  <a:pt x="773493" y="0"/>
+                </a:cubicBezTo>
+                <a:close/>
+              </a:path>
+            </a:pathLst>
+          </a:custGeom>
+          <a:solidFill>
+            <a:srgbClr val="000000"/>
+          </a:solidFill>
+          <a:ln w="342900">
+            <a:solidFill>
+              <a:srgbClr val="000000"/>
+            </a:solidFill>
+          </a:ln>
+        </p:spPr>
+        <p:style>
+          <a:lnRef idx="2">
+            <a:schemeClr val="accent1">
+              <a:shade val="15000"/>
+            </a:schemeClr>
+          </a:lnRef>
+          <a:fillRef idx="1">
+            <a:schemeClr val="accent1"/>
+          </a:fillRef>
+          <a:effectRef idx="0">
+            <a:schemeClr val="accent1"/>
+          </a:effectRef>
+          <a:fontRef idx="minor">
+            <a:schemeClr val="lt1"/>
+          </a:fontRef>
+        </p:style>
+        <p:txBody>
+          <a:bodyPr wrap="square" rtlCol="0" anchor="ctr">
+            <a:noAutofit/>
+          </a:bodyPr>
+          <a:lstStyle/>
+          <a:p>
+            <a:pPr algn="ctr"/>
+            <a:endParaRPr lang="en-AU" dirty="0"/>
+          </a:p>
+        </p:txBody>
+      </p:sp>
+      <p:sp>
+        <p:nvSpPr>
+          <p:cNvPr id="48" name="Freeform: Shape 47">
+            <a:extLst>
+              <a:ext uri="{FF2B5EF4-FFF2-40B4-BE49-F238E27FC236}">
+                <a16:creationId xmlns:a16="http://schemas.microsoft.com/office/drawing/2014/main" id="{55F0EA58-1499-DA00-DC6F-894EC1E746A9}"/>
+              </a:ext>
+            </a:extLst>
+          </p:cNvPr>
+          <p:cNvSpPr/>
+          <p:nvPr/>
+        </p:nvSpPr>
+        <p:spPr>
+          <a:xfrm>
+            <a:off x="9311878" y="4734800"/>
+            <a:ext cx="772781" cy="456860"/>
+          </a:xfrm>
+          <a:custGeom>
+            <a:avLst/>
+            <a:gdLst>
+              <a:gd name="connsiteX0" fmla="*/ 0 w 772781"/>
+              <a:gd name="connsiteY0" fmla="*/ 22 h 456860"/>
+              <a:gd name="connsiteX1" fmla="*/ 458972 w 772781"/>
+              <a:gd name="connsiteY1" fmla="*/ 92173 h 456860"/>
+              <a:gd name="connsiteX2" fmla="*/ 772781 w 772781"/>
+              <a:gd name="connsiteY2" fmla="*/ 397087 h 456860"/>
+              <a:gd name="connsiteX3" fmla="*/ 692372 w 772781"/>
+              <a:gd name="connsiteY3" fmla="*/ 456860 h 456860"/>
+              <a:gd name="connsiteX4" fmla="*/ 426239 w 772781"/>
+              <a:gd name="connsiteY4" fmla="*/ 185034 h 456860"/>
+              <a:gd name="connsiteX5" fmla="*/ 0 w 772781"/>
+              <a:gd name="connsiteY5" fmla="*/ 92528 h 456860"/>
+            </a:gdLst>
+            <a:ahLst/>
+            <a:cxnLst>
+              <a:cxn ang="0">
+                <a:pos x="connsiteX0" y="connsiteY0"/>
+              </a:cxn>
+              <a:cxn ang="0">
+                <a:pos x="connsiteX1" y="connsiteY1"/>
+              </a:cxn>
+              <a:cxn ang="0">
+                <a:pos x="connsiteX2" y="connsiteY2"/>
+              </a:cxn>
+              <a:cxn ang="0">
+                <a:pos x="connsiteX3" y="connsiteY3"/>
+              </a:cxn>
+              <a:cxn ang="0">
+                <a:pos x="connsiteX4" y="connsiteY4"/>
+              </a:cxn>
+              <a:cxn ang="0">
+                <a:pos x="connsiteX5" y="connsiteY5"/>
+              </a:cxn>
+            </a:cxnLst>
+            <a:rect l="l" t="t" r="r" b="b"/>
+            <a:pathLst>
+              <a:path w="772781" h="456860">
+                <a:moveTo>
+                  <a:pt x="0" y="22"/>
+                </a:moveTo>
+                <a:cubicBezTo>
+                  <a:pt x="185487" y="-926"/>
+                  <a:pt x="338477" y="29790"/>
+                  <a:pt x="458972" y="92173"/>
+                </a:cubicBezTo>
+                <a:cubicBezTo>
+                  <a:pt x="579467" y="154555"/>
+                  <a:pt x="684070" y="256193"/>
+                  <a:pt x="772781" y="397087"/>
+                </a:cubicBezTo>
+                <a:lnTo>
+                  <a:pt x="692372" y="456860"/>
+                </a:lnTo>
+                <a:cubicBezTo>
+                  <a:pt x="622162" y="337313"/>
+                  <a:pt x="533451" y="246705"/>
+                  <a:pt x="426239" y="185034"/>
+                </a:cubicBezTo>
+                <a:cubicBezTo>
+                  <a:pt x="319027" y="123364"/>
+                  <a:pt x="176948" y="92528"/>
+                  <a:pt x="0" y="92528"/>
+                </a:cubicBezTo>
+                <a:close/>
+              </a:path>
+            </a:pathLst>
+          </a:custGeom>
+          <a:solidFill>
+            <a:srgbClr val="000000"/>
+          </a:solidFill>
+          <a:ln w="342900">
+            <a:solidFill>
+              <a:srgbClr val="000000"/>
+            </a:solidFill>
+          </a:ln>
+        </p:spPr>
+        <p:style>
+          <a:lnRef idx="2">
+            <a:schemeClr val="accent1">
+              <a:shade val="15000"/>
+            </a:schemeClr>
+          </a:lnRef>
+          <a:fillRef idx="1">
+            <a:schemeClr val="accent1"/>
+          </a:fillRef>
+          <a:effectRef idx="0">
+            <a:schemeClr val="accent1"/>
+          </a:effectRef>
+          <a:fontRef idx="minor">
+            <a:schemeClr val="lt1"/>
+          </a:fontRef>
+        </p:style>
+        <p:txBody>
+          <a:bodyPr wrap="square" rtlCol="0" anchor="ctr">
+            <a:noAutofit/>
+          </a:bodyPr>
+          <a:lstStyle/>
+          <a:p>
+            <a:pPr algn="ctr"/>
+            <a:endParaRPr lang="en-AU"/>
+          </a:p>
+        </p:txBody>
+      </p:sp>
+      <p:sp>
+        <p:nvSpPr>
+          <p:cNvPr id="49" name="Freeform: Shape 48">
+            <a:extLst>
+              <a:ext uri="{FF2B5EF4-FFF2-40B4-BE49-F238E27FC236}">
+                <a16:creationId xmlns:a16="http://schemas.microsoft.com/office/drawing/2014/main" id="{99AC2F5F-B269-F265-B69B-51286CE96EEC}"/>
+              </a:ext>
+            </a:extLst>
+          </p:cNvPr>
+          <p:cNvSpPr/>
+          <p:nvPr/>
+        </p:nvSpPr>
+        <p:spPr>
+          <a:xfrm>
+            <a:off x="9311878" y="4152684"/>
+            <a:ext cx="856036" cy="779896"/>
+          </a:xfrm>
+          <a:custGeom>
+            <a:avLst/>
+            <a:gdLst/>
+            <a:ahLst/>
+            <a:cxnLst/>
+            <a:rect l="l" t="t" r="r" b="b"/>
+            <a:pathLst>
+              <a:path w="856036" h="779896">
+                <a:moveTo>
+                  <a:pt x="773493" y="0"/>
+                </a:moveTo>
+                <a:lnTo>
+                  <a:pt x="856036" y="54792"/>
+                </a:lnTo>
+                <a:cubicBezTo>
+                  <a:pt x="794366" y="150144"/>
+                  <a:pt x="711941" y="224386"/>
+                  <a:pt x="608761" y="277518"/>
+                </a:cubicBezTo>
+                <a:cubicBezTo>
+                  <a:pt x="505581" y="330649"/>
+                  <a:pt x="368838" y="367414"/>
+                  <a:pt x="198532" y="387813"/>
+                </a:cubicBezTo>
+                <a:lnTo>
+                  <a:pt x="198532" y="395641"/>
+                </a:lnTo>
+                <a:cubicBezTo>
+                  <a:pt x="368364" y="412244"/>
+                  <a:pt x="504988" y="446756"/>
+                  <a:pt x="608405" y="499176"/>
+                </a:cubicBezTo>
+                <a:cubicBezTo>
+                  <a:pt x="711822" y="551596"/>
+                  <a:pt x="794366" y="626906"/>
+                  <a:pt x="856036" y="725104"/>
+                </a:cubicBezTo>
+                <a:lnTo>
+                  <a:pt x="773493" y="779896"/>
+                </a:lnTo>
+                <a:cubicBezTo>
+                  <a:pt x="707078" y="666517"/>
+                  <a:pt x="597968" y="583618"/>
+                  <a:pt x="446164" y="531197"/>
+                </a:cubicBezTo>
+                <a:cubicBezTo>
+                  <a:pt x="294359" y="478777"/>
+                  <a:pt x="148484" y="448298"/>
+                  <a:pt x="8539" y="439759"/>
+                </a:cubicBezTo>
+                <a:lnTo>
+                  <a:pt x="0" y="439759"/>
+                </a:lnTo>
+                <a:lnTo>
+                  <a:pt x="0" y="340137"/>
+                </a:lnTo>
+                <a:lnTo>
+                  <a:pt x="8539" y="340137"/>
+                </a:lnTo>
+                <a:cubicBezTo>
+                  <a:pt x="148484" y="331598"/>
+                  <a:pt x="294122" y="300407"/>
+                  <a:pt x="445452" y="246564"/>
+                </a:cubicBezTo>
+                <a:cubicBezTo>
+                  <a:pt x="596782" y="192720"/>
+                  <a:pt x="706129" y="110532"/>
+                  <a:pt x="773493" y="0"/>
+                </a:cubicBezTo>
+                <a:close/>
+              </a:path>
+            </a:pathLst>
+          </a:custGeom>
+          <a:solidFill>
+            <a:srgbClr val="C00000"/>
+          </a:solidFill>
+          <a:ln w="50800">
+            <a:solidFill>
+              <a:srgbClr val="C00000"/>
+            </a:solidFill>
+          </a:ln>
+        </p:spPr>
+        <p:style>
+          <a:lnRef idx="2">
+            <a:schemeClr val="accent1">
+              <a:shade val="15000"/>
+            </a:schemeClr>
+          </a:lnRef>
+          <a:fillRef idx="1">
+            <a:schemeClr val="accent1"/>
+          </a:fillRef>
+          <a:effectRef idx="0">
+            <a:schemeClr val="accent1"/>
+          </a:effectRef>
+          <a:fontRef idx="minor">
+            <a:schemeClr val="lt1"/>
+          </a:fontRef>
+        </p:style>
+        <p:txBody>
+          <a:bodyPr wrap="square" rtlCol="0" anchor="ctr">
+            <a:noAutofit/>
+          </a:bodyPr>
+          <a:lstStyle/>
+          <a:p>
+            <a:pPr algn="ctr"/>
+            <a:endParaRPr lang="en-AU" dirty="0"/>
+          </a:p>
+        </p:txBody>
+      </p:sp>
+      <p:grpSp>
+        <p:nvGrpSpPr>
+          <p:cNvPr id="50" name="Group 49">
+            <a:extLst>
+              <a:ext uri="{FF2B5EF4-FFF2-40B4-BE49-F238E27FC236}">
+                <a16:creationId xmlns:a16="http://schemas.microsoft.com/office/drawing/2014/main" id="{F581AA17-7C28-A1AA-7D22-67C689F69D65}"/>
+              </a:ext>
+            </a:extLst>
+          </p:cNvPr>
+          <p:cNvGrpSpPr/>
+          <p:nvPr/>
+        </p:nvGrpSpPr>
+        <p:grpSpPr>
+          <a:xfrm>
+            <a:off x="9078615" y="4940639"/>
+            <a:ext cx="856036" cy="779896"/>
+            <a:chOff x="2184214" y="3793954"/>
+            <a:chExt cx="856036" cy="779896"/>
+          </a:xfrm>
+          <a:solidFill>
+            <a:schemeClr val="tx2">
+              <a:lumMod val="75000"/>
+              <a:lumOff val="25000"/>
+            </a:schemeClr>
+          </a:solidFill>
+        </p:grpSpPr>
+        <p:sp>
+          <p:nvSpPr>
+            <p:cNvPr id="51" name="Freeform: Shape 50">
+              <a:extLst>
+                <a:ext uri="{FF2B5EF4-FFF2-40B4-BE49-F238E27FC236}">
+                  <a16:creationId xmlns:a16="http://schemas.microsoft.com/office/drawing/2014/main" id="{1FDCF1AE-B371-6DFC-9094-6F6701E8D653}"/>
+                </a:ext>
+              </a:extLst>
+            </p:cNvPr>
+            <p:cNvSpPr/>
+            <p:nvPr/>
+          </p:nvSpPr>
+          <p:spPr>
+            <a:xfrm>
+              <a:off x="2184214" y="3793954"/>
+              <a:ext cx="856036" cy="779896"/>
+            </a:xfrm>
+            <a:custGeom>
+              <a:avLst/>
+              <a:gdLst/>
+              <a:ahLst/>
+              <a:cxnLst/>
+              <a:rect l="l" t="t" r="r" b="b"/>
+              <a:pathLst>
+                <a:path w="856036" h="779896">
+                  <a:moveTo>
+                    <a:pt x="82544" y="0"/>
+                  </a:moveTo>
+                  <a:cubicBezTo>
+                    <a:pt x="149907" y="110532"/>
+                    <a:pt x="259254" y="192720"/>
+                    <a:pt x="410585" y="246564"/>
+                  </a:cubicBezTo>
+                  <a:cubicBezTo>
+                    <a:pt x="561915" y="300407"/>
+                    <a:pt x="707552" y="331598"/>
+                    <a:pt x="847497" y="340137"/>
+                  </a:cubicBezTo>
+                  <a:lnTo>
+                    <a:pt x="856036" y="340137"/>
+                  </a:lnTo>
+                  <a:lnTo>
+                    <a:pt x="856036" y="439759"/>
+                  </a:lnTo>
+                  <a:lnTo>
+                    <a:pt x="847497" y="439759"/>
+                  </a:lnTo>
+                  <a:cubicBezTo>
+                    <a:pt x="707552" y="448298"/>
+                    <a:pt x="561678" y="478777"/>
+                    <a:pt x="409873" y="531197"/>
+                  </a:cubicBezTo>
+                  <a:cubicBezTo>
+                    <a:pt x="258068" y="583618"/>
+                    <a:pt x="148959" y="666517"/>
+                    <a:pt x="82544" y="779896"/>
+                  </a:cubicBezTo>
+                  <a:lnTo>
+                    <a:pt x="0" y="725104"/>
+                  </a:lnTo>
+                  <a:cubicBezTo>
+                    <a:pt x="61671" y="626906"/>
+                    <a:pt x="144215" y="551596"/>
+                    <a:pt x="247632" y="499176"/>
+                  </a:cubicBezTo>
+                  <a:cubicBezTo>
+                    <a:pt x="351049" y="446756"/>
+                    <a:pt x="487673" y="412244"/>
+                    <a:pt x="657504" y="395641"/>
+                  </a:cubicBezTo>
+                  <a:lnTo>
+                    <a:pt x="657504" y="387813"/>
+                  </a:lnTo>
+                  <a:cubicBezTo>
+                    <a:pt x="487198" y="367414"/>
+                    <a:pt x="350456" y="330649"/>
+                    <a:pt x="247276" y="277518"/>
+                  </a:cubicBezTo>
+                  <a:cubicBezTo>
+                    <a:pt x="144096" y="224386"/>
+                    <a:pt x="61671" y="150144"/>
+                    <a:pt x="0" y="54792"/>
+                  </a:cubicBezTo>
+                  <a:close/>
+                </a:path>
+              </a:pathLst>
+            </a:custGeom>
+            <a:grpFill/>
+            <a:ln w="342900">
+              <a:solidFill>
+                <a:srgbClr val="000000"/>
+              </a:solidFill>
+            </a:ln>
+          </p:spPr>
+          <p:style>
+            <a:lnRef idx="2">
+              <a:schemeClr val="accent1">
+                <a:shade val="15000"/>
+              </a:schemeClr>
+            </a:lnRef>
+            <a:fillRef idx="1">
+              <a:schemeClr val="accent1"/>
+            </a:fillRef>
+            <a:effectRef idx="0">
+              <a:schemeClr val="accent1"/>
+            </a:effectRef>
+            <a:fontRef idx="minor">
+              <a:schemeClr val="lt1"/>
+            </a:fontRef>
+          </p:style>
+          <p:txBody>
+            <a:bodyPr wrap="square" rtlCol="0" anchor="ctr">
+              <a:noAutofit/>
+            </a:bodyPr>
+            <a:lstStyle/>
+            <a:p>
+              <a:pPr algn="ctr"/>
+              <a:endParaRPr lang="en-AU"/>
+            </a:p>
+          </p:txBody>
+        </p:sp>
+        <p:sp>
+          <p:nvSpPr>
+            <p:cNvPr id="52" name="Freeform: Shape 51">
+              <a:extLst>
+                <a:ext uri="{FF2B5EF4-FFF2-40B4-BE49-F238E27FC236}">
+                  <a16:creationId xmlns:a16="http://schemas.microsoft.com/office/drawing/2014/main" id="{E563067C-82DF-5429-7EC4-66C11CF619BE}"/>
+                </a:ext>
+              </a:extLst>
+            </p:cNvPr>
+            <p:cNvSpPr/>
+            <p:nvPr/>
+          </p:nvSpPr>
+          <p:spPr>
+            <a:xfrm>
+              <a:off x="2184214" y="3793954"/>
+              <a:ext cx="856036" cy="779896"/>
+            </a:xfrm>
+            <a:custGeom>
+              <a:avLst/>
+              <a:gdLst/>
+              <a:ahLst/>
+              <a:cxnLst/>
+              <a:rect l="l" t="t" r="r" b="b"/>
+              <a:pathLst>
+                <a:path w="856036" h="779896">
+                  <a:moveTo>
+                    <a:pt x="82544" y="0"/>
+                  </a:moveTo>
+                  <a:cubicBezTo>
+                    <a:pt x="149907" y="110532"/>
+                    <a:pt x="259254" y="192720"/>
+                    <a:pt x="410585" y="246564"/>
+                  </a:cubicBezTo>
+                  <a:cubicBezTo>
+                    <a:pt x="561915" y="300407"/>
+                    <a:pt x="707552" y="331598"/>
+                    <a:pt x="847497" y="340137"/>
+                  </a:cubicBezTo>
+                  <a:lnTo>
+                    <a:pt x="856036" y="340137"/>
+                  </a:lnTo>
+                  <a:lnTo>
+                    <a:pt x="856036" y="439759"/>
+                  </a:lnTo>
+                  <a:lnTo>
+                    <a:pt x="847497" y="439759"/>
+                  </a:lnTo>
+                  <a:cubicBezTo>
+                    <a:pt x="707552" y="448298"/>
+                    <a:pt x="561678" y="478777"/>
+                    <a:pt x="409873" y="531197"/>
+                  </a:cubicBezTo>
+                  <a:cubicBezTo>
+                    <a:pt x="258068" y="583618"/>
+                    <a:pt x="148959" y="666517"/>
+                    <a:pt x="82544" y="779896"/>
+                  </a:cubicBezTo>
+                  <a:lnTo>
+                    <a:pt x="0" y="725104"/>
+                  </a:lnTo>
+                  <a:cubicBezTo>
+                    <a:pt x="61671" y="626906"/>
+                    <a:pt x="144215" y="551596"/>
+                    <a:pt x="247632" y="499176"/>
+                  </a:cubicBezTo>
+                  <a:cubicBezTo>
+                    <a:pt x="351049" y="446756"/>
+                    <a:pt x="487673" y="412244"/>
+                    <a:pt x="657504" y="395641"/>
+                  </a:cubicBezTo>
+                  <a:lnTo>
+                    <a:pt x="657504" y="387813"/>
+                  </a:lnTo>
+                  <a:cubicBezTo>
+                    <a:pt x="487198" y="367414"/>
+                    <a:pt x="350456" y="330649"/>
+                    <a:pt x="247276" y="277518"/>
+                  </a:cubicBezTo>
+                  <a:cubicBezTo>
+                    <a:pt x="144096" y="224386"/>
+                    <a:pt x="61671" y="150144"/>
+                    <a:pt x="0" y="54792"/>
+                  </a:cubicBezTo>
+                  <a:close/>
+                </a:path>
+              </a:pathLst>
+            </a:custGeom>
+            <a:grpFill/>
+            <a:ln w="50800">
+              <a:solidFill>
+                <a:schemeClr val="tx2">
+                  <a:lumMod val="75000"/>
+                  <a:lumOff val="25000"/>
+                </a:schemeClr>
+              </a:solidFill>
+            </a:ln>
+          </p:spPr>
+          <p:style>
+            <a:lnRef idx="2">
+              <a:schemeClr val="accent1">
+                <a:shade val="15000"/>
+              </a:schemeClr>
+            </a:lnRef>
+            <a:fillRef idx="1">
+              <a:schemeClr val="accent1"/>
+            </a:fillRef>
+            <a:effectRef idx="0">
+              <a:schemeClr val="accent1"/>
+            </a:effectRef>
+            <a:fontRef idx="minor">
+              <a:schemeClr val="lt1"/>
+            </a:fontRef>
+          </p:style>
+          <p:txBody>
+            <a:bodyPr wrap="square" rtlCol="0" anchor="ctr">
+              <a:noAutofit/>
+            </a:bodyPr>
+            <a:lstStyle/>
+            <a:p>
+              <a:pPr algn="ctr"/>
+              <a:endParaRPr lang="en-AU"/>
+            </a:p>
+          </p:txBody>
+        </p:sp>
+      </p:grpSp>
+      <p:sp>
+        <p:nvSpPr>
+          <p:cNvPr id="53" name="Freeform: Shape 52">
+            <a:extLst>
+              <a:ext uri="{FF2B5EF4-FFF2-40B4-BE49-F238E27FC236}">
+                <a16:creationId xmlns:a16="http://schemas.microsoft.com/office/drawing/2014/main" id="{007E3B97-255A-90D2-5366-C5C31427C955}"/>
+              </a:ext>
+            </a:extLst>
+          </p:cNvPr>
+          <p:cNvSpPr/>
+          <p:nvPr/>
+        </p:nvSpPr>
+        <p:spPr>
+          <a:xfrm>
+            <a:off x="9311878" y="4734800"/>
+            <a:ext cx="772781" cy="456860"/>
+          </a:xfrm>
+          <a:custGeom>
+            <a:avLst/>
+            <a:gdLst>
+              <a:gd name="connsiteX0" fmla="*/ 0 w 772781"/>
+              <a:gd name="connsiteY0" fmla="*/ 22 h 456860"/>
+              <a:gd name="connsiteX1" fmla="*/ 458972 w 772781"/>
+              <a:gd name="connsiteY1" fmla="*/ 92173 h 456860"/>
+              <a:gd name="connsiteX2" fmla="*/ 772781 w 772781"/>
+              <a:gd name="connsiteY2" fmla="*/ 397087 h 456860"/>
+              <a:gd name="connsiteX3" fmla="*/ 692372 w 772781"/>
+              <a:gd name="connsiteY3" fmla="*/ 456860 h 456860"/>
+              <a:gd name="connsiteX4" fmla="*/ 426239 w 772781"/>
+              <a:gd name="connsiteY4" fmla="*/ 185034 h 456860"/>
+              <a:gd name="connsiteX5" fmla="*/ 0 w 772781"/>
+              <a:gd name="connsiteY5" fmla="*/ 92528 h 456860"/>
+            </a:gdLst>
+            <a:ahLst/>
+            <a:cxnLst>
+              <a:cxn ang="0">
+                <a:pos x="connsiteX0" y="connsiteY0"/>
+              </a:cxn>
+              <a:cxn ang="0">
+                <a:pos x="connsiteX1" y="connsiteY1"/>
+              </a:cxn>
+              <a:cxn ang="0">
+                <a:pos x="connsiteX2" y="connsiteY2"/>
+              </a:cxn>
+              <a:cxn ang="0">
+                <a:pos x="connsiteX3" y="connsiteY3"/>
+              </a:cxn>
+              <a:cxn ang="0">
+                <a:pos x="connsiteX4" y="connsiteY4"/>
+              </a:cxn>
+              <a:cxn ang="0">
+                <a:pos x="connsiteX5" y="connsiteY5"/>
+              </a:cxn>
+            </a:cxnLst>
+            <a:rect l="l" t="t" r="r" b="b"/>
+            <a:pathLst>
+              <a:path w="772781" h="456860">
+                <a:moveTo>
+                  <a:pt x="0" y="22"/>
+                </a:moveTo>
+                <a:cubicBezTo>
+                  <a:pt x="185487" y="-926"/>
+                  <a:pt x="338477" y="29790"/>
+                  <a:pt x="458972" y="92173"/>
+                </a:cubicBezTo>
+                <a:cubicBezTo>
+                  <a:pt x="579467" y="154555"/>
+                  <a:pt x="684070" y="256193"/>
+                  <a:pt x="772781" y="397087"/>
+                </a:cubicBezTo>
+                <a:lnTo>
+                  <a:pt x="692372" y="456860"/>
+                </a:lnTo>
+                <a:cubicBezTo>
+                  <a:pt x="622162" y="337313"/>
+                  <a:pt x="533451" y="246705"/>
+                  <a:pt x="426239" y="185034"/>
+                </a:cubicBezTo>
+                <a:cubicBezTo>
+                  <a:pt x="319027" y="123364"/>
+                  <a:pt x="176948" y="92528"/>
+                  <a:pt x="0" y="92528"/>
+                </a:cubicBezTo>
+                <a:close/>
+              </a:path>
+            </a:pathLst>
+          </a:custGeom>
+          <a:solidFill>
+            <a:schemeClr val="bg1"/>
+          </a:solidFill>
+          <a:ln w="50800">
+            <a:solidFill>
+              <a:schemeClr val="bg1"/>
+            </a:solidFill>
+          </a:ln>
+        </p:spPr>
+        <p:style>
+          <a:lnRef idx="2">
+            <a:schemeClr val="accent1">
+              <a:shade val="15000"/>
+            </a:schemeClr>
+          </a:lnRef>
+          <a:fillRef idx="1">
+            <a:schemeClr val="accent1"/>
+          </a:fillRef>
+          <a:effectRef idx="0">
+            <a:schemeClr val="accent1"/>
+          </a:effectRef>
+          <a:fontRef idx="minor">
+            <a:schemeClr val="lt1"/>
+          </a:fontRef>
+        </p:style>
+        <p:txBody>
+          <a:bodyPr wrap="square" rtlCol="0" anchor="ctr">
+            <a:noAutofit/>
+          </a:bodyPr>
+          <a:lstStyle/>
+          <a:p>
+            <a:pPr algn="ctr"/>
+            <a:endParaRPr lang="en-AU"/>
+          </a:p>
+        </p:txBody>
+      </p:sp>
+      <p:sp>
+        <p:nvSpPr>
+          <p:cNvPr id="73" name="Freeform: Shape 72">
+            <a:extLst>
+              <a:ext uri="{FF2B5EF4-FFF2-40B4-BE49-F238E27FC236}">
+                <a16:creationId xmlns:a16="http://schemas.microsoft.com/office/drawing/2014/main" id="{24B66E33-9F52-3643-70AD-F5ADC7C554D3}"/>
+              </a:ext>
+            </a:extLst>
+          </p:cNvPr>
+          <p:cNvSpPr/>
+          <p:nvPr/>
+        </p:nvSpPr>
+        <p:spPr>
+          <a:xfrm>
+            <a:off x="6045730" y="2764853"/>
+            <a:ext cx="3195265" cy="487226"/>
+          </a:xfrm>
+          <a:custGeom>
+            <a:avLst/>
+            <a:gdLst/>
+            <a:ahLst/>
+            <a:cxnLst/>
+            <a:rect l="l" t="t" r="r" b="b"/>
+            <a:pathLst>
+              <a:path w="3195265" h="487226">
+                <a:moveTo>
+                  <a:pt x="2217241" y="155042"/>
+                </a:moveTo>
+                <a:lnTo>
+                  <a:pt x="2167347" y="300708"/>
+                </a:lnTo>
+                <a:lnTo>
+                  <a:pt x="2266466" y="300708"/>
+                </a:lnTo>
+                <a:close/>
+                <a:moveTo>
+                  <a:pt x="652872" y="115193"/>
+                </a:moveTo>
+                <a:cubicBezTo>
+                  <a:pt x="625566" y="115193"/>
+                  <a:pt x="600835" y="122859"/>
+                  <a:pt x="578676" y="138192"/>
+                </a:cubicBezTo>
+                <a:cubicBezTo>
+                  <a:pt x="556517" y="153524"/>
+                  <a:pt x="540738" y="173948"/>
+                  <a:pt x="531337" y="199464"/>
+                </a:cubicBezTo>
+                <a:cubicBezTo>
+                  <a:pt x="525966" y="214013"/>
+                  <a:pt x="523280" y="228785"/>
+                  <a:pt x="523280" y="243781"/>
+                </a:cubicBezTo>
+                <a:cubicBezTo>
+                  <a:pt x="523280" y="274668"/>
+                  <a:pt x="533575" y="302310"/>
+                  <a:pt x="554166" y="326707"/>
+                </a:cubicBezTo>
+                <a:cubicBezTo>
+                  <a:pt x="579681" y="356924"/>
+                  <a:pt x="612583" y="372033"/>
+                  <a:pt x="652872" y="372033"/>
+                </a:cubicBezTo>
+                <a:cubicBezTo>
+                  <a:pt x="693160" y="372033"/>
+                  <a:pt x="726174" y="357038"/>
+                  <a:pt x="751913" y="327047"/>
+                </a:cubicBezTo>
+                <a:cubicBezTo>
+                  <a:pt x="772503" y="303097"/>
+                  <a:pt x="782799" y="275342"/>
+                  <a:pt x="782799" y="243781"/>
+                </a:cubicBezTo>
+                <a:cubicBezTo>
+                  <a:pt x="782799" y="211550"/>
+                  <a:pt x="772503" y="183683"/>
+                  <a:pt x="751913" y="160180"/>
+                </a:cubicBezTo>
+                <a:cubicBezTo>
+                  <a:pt x="725500" y="130189"/>
+                  <a:pt x="692487" y="115193"/>
+                  <a:pt x="652872" y="115193"/>
+                </a:cubicBezTo>
+                <a:close/>
+                <a:moveTo>
+                  <a:pt x="1729978" y="109501"/>
+                </a:moveTo>
+                <a:lnTo>
+                  <a:pt x="1729978" y="223354"/>
+                </a:lnTo>
+                <a:lnTo>
+                  <a:pt x="1769618" y="223354"/>
+                </a:lnTo>
+                <a:cubicBezTo>
+                  <a:pt x="1795371" y="223354"/>
+                  <a:pt x="1813063" y="217757"/>
+                  <a:pt x="1822693" y="206564"/>
+                </a:cubicBezTo>
+                <a:cubicBezTo>
+                  <a:pt x="1831428" y="196487"/>
+                  <a:pt x="1835795" y="182829"/>
+                  <a:pt x="1835795" y="165590"/>
+                </a:cubicBezTo>
+                <a:cubicBezTo>
+                  <a:pt x="1835795" y="148571"/>
+                  <a:pt x="1830812" y="134969"/>
+                  <a:pt x="1820846" y="124781"/>
+                </a:cubicBezTo>
+                <a:cubicBezTo>
+                  <a:pt x="1810881" y="114594"/>
+                  <a:pt x="1793916" y="109501"/>
+                  <a:pt x="1769952" y="109501"/>
+                </a:cubicBezTo>
+                <a:close/>
+                <a:moveTo>
+                  <a:pt x="2625328" y="104143"/>
+                </a:moveTo>
+                <a:lnTo>
+                  <a:pt x="2625328" y="217996"/>
+                </a:lnTo>
+                <a:lnTo>
+                  <a:pt x="2647508" y="217996"/>
+                </a:lnTo>
+                <a:cubicBezTo>
+                  <a:pt x="2672601" y="217996"/>
+                  <a:pt x="2690637" y="212766"/>
+                  <a:pt x="2701614" y="202305"/>
+                </a:cubicBezTo>
+                <a:cubicBezTo>
+                  <a:pt x="2713488" y="190951"/>
+                  <a:pt x="2719425" y="177150"/>
+                  <a:pt x="2719425" y="160902"/>
+                </a:cubicBezTo>
+                <a:cubicBezTo>
+                  <a:pt x="2719425" y="144654"/>
+                  <a:pt x="2713488" y="130965"/>
+                  <a:pt x="2701614" y="119834"/>
+                </a:cubicBezTo>
+                <a:cubicBezTo>
+                  <a:pt x="2690410" y="109373"/>
+                  <a:pt x="2672375" y="104143"/>
+                  <a:pt x="2647508" y="104143"/>
+                </a:cubicBezTo>
+                <a:close/>
+                <a:moveTo>
+                  <a:pt x="2935077" y="13730"/>
+                </a:moveTo>
+                <a:lnTo>
+                  <a:pt x="3195265" y="13730"/>
+                </a:lnTo>
+                <a:lnTo>
+                  <a:pt x="3195265" y="112849"/>
+                </a:lnTo>
+                <a:lnTo>
+                  <a:pt x="3053953" y="112849"/>
+                </a:lnTo>
+                <a:lnTo>
+                  <a:pt x="3053953" y="190872"/>
+                </a:lnTo>
+                <a:lnTo>
+                  <a:pt x="3187564" y="190872"/>
+                </a:lnTo>
+                <a:lnTo>
+                  <a:pt x="3187564" y="289992"/>
+                </a:lnTo>
+                <a:lnTo>
+                  <a:pt x="3053953" y="289992"/>
+                </a:lnTo>
+                <a:lnTo>
+                  <a:pt x="3053953" y="371699"/>
+                </a:lnTo>
+                <a:lnTo>
+                  <a:pt x="3195265" y="371699"/>
+                </a:lnTo>
+                <a:lnTo>
+                  <a:pt x="3195265" y="470818"/>
+                </a:lnTo>
+                <a:lnTo>
+                  <a:pt x="2935077" y="470818"/>
+                </a:lnTo>
+                <a:close/>
+                <a:moveTo>
+                  <a:pt x="2506452" y="13730"/>
+                </a:moveTo>
+                <a:lnTo>
+                  <a:pt x="2691296" y="13730"/>
+                </a:lnTo>
+                <a:cubicBezTo>
+                  <a:pt x="2745321" y="13730"/>
+                  <a:pt x="2785281" y="29915"/>
+                  <a:pt x="2811177" y="62285"/>
+                </a:cubicBezTo>
+                <a:cubicBezTo>
+                  <a:pt x="2832162" y="88404"/>
+                  <a:pt x="2842654" y="119100"/>
+                  <a:pt x="2842654" y="154372"/>
+                </a:cubicBezTo>
+                <a:cubicBezTo>
+                  <a:pt x="2842654" y="194779"/>
+                  <a:pt x="2830599" y="227038"/>
+                  <a:pt x="2806489" y="251148"/>
+                </a:cubicBezTo>
+                <a:cubicBezTo>
+                  <a:pt x="2791085" y="266551"/>
+                  <a:pt x="2769877" y="277267"/>
+                  <a:pt x="2742865" y="283295"/>
+                </a:cubicBezTo>
+                <a:lnTo>
+                  <a:pt x="2886521" y="470818"/>
+                </a:lnTo>
+                <a:lnTo>
+                  <a:pt x="2738847" y="470818"/>
+                </a:lnTo>
+                <a:lnTo>
+                  <a:pt x="2625328" y="295350"/>
+                </a:lnTo>
+                <a:lnTo>
+                  <a:pt x="2625328" y="470818"/>
+                </a:lnTo>
+                <a:lnTo>
+                  <a:pt x="2506452" y="470818"/>
+                </a:lnTo>
+                <a:close/>
+                <a:moveTo>
+                  <a:pt x="2153282" y="13730"/>
+                </a:moveTo>
+                <a:lnTo>
+                  <a:pt x="2282875" y="13730"/>
+                </a:lnTo>
+                <a:lnTo>
+                  <a:pt x="2454994" y="470818"/>
+                </a:lnTo>
+                <a:lnTo>
+                  <a:pt x="2328081" y="470818"/>
+                </a:lnTo>
+                <a:lnTo>
+                  <a:pt x="2298613" y="391121"/>
+                </a:lnTo>
+                <a:lnTo>
+                  <a:pt x="2134530" y="391121"/>
+                </a:lnTo>
+                <a:lnTo>
+                  <a:pt x="2103053" y="470818"/>
+                </a:lnTo>
+                <a:lnTo>
+                  <a:pt x="1977479" y="470818"/>
+                </a:lnTo>
+                <a:close/>
+                <a:moveTo>
+                  <a:pt x="1611102" y="13730"/>
+                </a:moveTo>
+                <a:lnTo>
+                  <a:pt x="1800299" y="13730"/>
+                </a:lnTo>
+                <a:cubicBezTo>
+                  <a:pt x="1854101" y="13730"/>
+                  <a:pt x="1894954" y="29451"/>
+                  <a:pt x="1922859" y="60893"/>
+                </a:cubicBezTo>
+                <a:cubicBezTo>
+                  <a:pt x="1946970" y="87877"/>
+                  <a:pt x="1959025" y="122330"/>
+                  <a:pt x="1959025" y="164251"/>
+                </a:cubicBezTo>
+                <a:cubicBezTo>
+                  <a:pt x="1959025" y="205505"/>
+                  <a:pt x="1949314" y="239625"/>
+                  <a:pt x="1929891" y="266609"/>
+                </a:cubicBezTo>
+                <a:cubicBezTo>
+                  <a:pt x="1904665" y="301620"/>
+                  <a:pt x="1862807" y="319125"/>
+                  <a:pt x="1804318" y="319125"/>
+                </a:cubicBezTo>
+                <a:lnTo>
+                  <a:pt x="1729978" y="319125"/>
+                </a:lnTo>
+                <a:lnTo>
+                  <a:pt x="1729978" y="470818"/>
+                </a:lnTo>
+                <a:lnTo>
+                  <a:pt x="1611102" y="470818"/>
+                </a:lnTo>
+                <a:close/>
+                <a:moveTo>
+                  <a:pt x="1039713" y="13730"/>
+                </a:moveTo>
+                <a:lnTo>
+                  <a:pt x="1157250" y="13730"/>
+                </a:lnTo>
+                <a:lnTo>
+                  <a:pt x="1249683" y="257510"/>
+                </a:lnTo>
+                <a:lnTo>
+                  <a:pt x="1347453" y="13730"/>
+                </a:lnTo>
+                <a:lnTo>
+                  <a:pt x="1465994" y="13730"/>
+                </a:lnTo>
+                <a:lnTo>
+                  <a:pt x="1534976" y="470818"/>
+                </a:lnTo>
+                <a:lnTo>
+                  <a:pt x="1416100" y="470818"/>
+                </a:lnTo>
+                <a:lnTo>
+                  <a:pt x="1382310" y="207616"/>
+                </a:lnTo>
+                <a:lnTo>
+                  <a:pt x="1271915" y="470818"/>
+                </a:lnTo>
+                <a:lnTo>
+                  <a:pt x="1224746" y="470818"/>
+                </a:lnTo>
+                <a:lnTo>
+                  <a:pt x="1119374" y="207616"/>
+                </a:lnTo>
+                <a:lnTo>
+                  <a:pt x="1080567" y="470818"/>
+                </a:lnTo>
+                <a:lnTo>
+                  <a:pt x="962025" y="470818"/>
+                </a:lnTo>
+                <a:close/>
+                <a:moveTo>
+                  <a:pt x="242776" y="4019"/>
+                </a:moveTo>
+                <a:cubicBezTo>
+                  <a:pt x="274476" y="4019"/>
+                  <a:pt x="310083" y="11721"/>
+                  <a:pt x="349597" y="27124"/>
+                </a:cubicBezTo>
+                <a:lnTo>
+                  <a:pt x="349597" y="169441"/>
+                </a:lnTo>
+                <a:cubicBezTo>
+                  <a:pt x="338418" y="155733"/>
+                  <a:pt x="327015" y="145394"/>
+                  <a:pt x="315389" y="138424"/>
+                </a:cubicBezTo>
+                <a:cubicBezTo>
+                  <a:pt x="294149" y="125616"/>
+                  <a:pt x="271346" y="119212"/>
+                  <a:pt x="246977" y="119212"/>
+                </a:cubicBezTo>
+                <a:cubicBezTo>
+                  <a:pt x="216125" y="119212"/>
+                  <a:pt x="189295" y="128501"/>
+                  <a:pt x="166490" y="147079"/>
+                </a:cubicBezTo>
+                <a:cubicBezTo>
+                  <a:pt x="137650" y="170582"/>
+                  <a:pt x="123230" y="202816"/>
+                  <a:pt x="123230" y="243781"/>
+                </a:cubicBezTo>
+                <a:cubicBezTo>
+                  <a:pt x="123230" y="284522"/>
+                  <a:pt x="137650" y="316645"/>
+                  <a:pt x="166490" y="340148"/>
+                </a:cubicBezTo>
+                <a:cubicBezTo>
+                  <a:pt x="189295" y="358726"/>
+                  <a:pt x="216125" y="368015"/>
+                  <a:pt x="246977" y="368015"/>
+                </a:cubicBezTo>
+                <a:cubicBezTo>
+                  <a:pt x="271346" y="368015"/>
+                  <a:pt x="294149" y="361611"/>
+                  <a:pt x="315389" y="348802"/>
+                </a:cubicBezTo>
+                <a:cubicBezTo>
+                  <a:pt x="326792" y="342060"/>
+                  <a:pt x="338194" y="331721"/>
+                  <a:pt x="349597" y="317786"/>
+                </a:cubicBezTo>
+                <a:lnTo>
+                  <a:pt x="349597" y="460102"/>
+                </a:lnTo>
+                <a:cubicBezTo>
+                  <a:pt x="310753" y="475506"/>
+                  <a:pt x="274811" y="483208"/>
+                  <a:pt x="241771" y="483208"/>
+                </a:cubicBezTo>
+                <a:cubicBezTo>
+                  <a:pt x="184175" y="483208"/>
+                  <a:pt x="132606" y="464791"/>
+                  <a:pt x="87064" y="427956"/>
+                </a:cubicBezTo>
+                <a:cubicBezTo>
+                  <a:pt x="29021" y="380851"/>
+                  <a:pt x="0" y="319460"/>
+                  <a:pt x="0" y="243781"/>
+                </a:cubicBezTo>
+                <a:cubicBezTo>
+                  <a:pt x="0" y="167878"/>
+                  <a:pt x="29021" y="106375"/>
+                  <a:pt x="87064" y="59271"/>
+                </a:cubicBezTo>
+                <a:cubicBezTo>
+                  <a:pt x="132606" y="22436"/>
+                  <a:pt x="184510" y="4019"/>
+                  <a:pt x="242776" y="4019"/>
+                </a:cubicBezTo>
+                <a:close/>
+                <a:moveTo>
+                  <a:pt x="652872" y="0"/>
+                </a:moveTo>
+                <a:cubicBezTo>
+                  <a:pt x="733239" y="0"/>
+                  <a:pt x="796974" y="26678"/>
+                  <a:pt x="844079" y="80033"/>
+                </a:cubicBezTo>
+                <a:cubicBezTo>
+                  <a:pt x="885378" y="126913"/>
+                  <a:pt x="906028" y="181496"/>
+                  <a:pt x="906028" y="243781"/>
+                </a:cubicBezTo>
+                <a:cubicBezTo>
+                  <a:pt x="906028" y="305842"/>
+                  <a:pt x="885378" y="360313"/>
+                  <a:pt x="844079" y="407194"/>
+                </a:cubicBezTo>
+                <a:cubicBezTo>
+                  <a:pt x="796974" y="460549"/>
+                  <a:pt x="733239" y="487226"/>
+                  <a:pt x="652872" y="487226"/>
+                </a:cubicBezTo>
+                <a:cubicBezTo>
+                  <a:pt x="572728" y="487226"/>
+                  <a:pt x="509104" y="460549"/>
+                  <a:pt x="462000" y="407194"/>
+                </a:cubicBezTo>
+                <a:cubicBezTo>
+                  <a:pt x="420700" y="360313"/>
+                  <a:pt x="400050" y="305842"/>
+                  <a:pt x="400050" y="243781"/>
+                </a:cubicBezTo>
+                <a:cubicBezTo>
+                  <a:pt x="400050" y="215429"/>
+                  <a:pt x="405631" y="186352"/>
+                  <a:pt x="416793" y="156549"/>
+                </a:cubicBezTo>
+                <a:cubicBezTo>
+                  <a:pt x="427955" y="126746"/>
+                  <a:pt x="442912" y="101241"/>
+                  <a:pt x="461665" y="80033"/>
+                </a:cubicBezTo>
+                <a:cubicBezTo>
+                  <a:pt x="508769" y="26678"/>
+                  <a:pt x="572505" y="0"/>
+                  <a:pt x="652872" y="0"/>
+                </a:cubicBezTo>
+                <a:close/>
+              </a:path>
+            </a:pathLst>
+          </a:custGeom>
+          <a:solidFill>
+            <a:schemeClr val="tx1"/>
+          </a:solidFill>
+          <a:ln>
+            <a:solidFill>
+              <a:schemeClr val="tx1"/>
+            </a:solidFill>
+          </a:ln>
+        </p:spPr>
+        <p:style>
+          <a:lnRef idx="2">
+            <a:schemeClr val="accent1">
+              <a:shade val="15000"/>
+            </a:schemeClr>
+          </a:lnRef>
+          <a:fillRef idx="1">
+            <a:schemeClr val="accent1"/>
+          </a:fillRef>
+          <a:effectRef idx="0">
+            <a:schemeClr val="accent1"/>
+          </a:effectRef>
+          <a:fontRef idx="minor">
+            <a:schemeClr val="lt1"/>
+          </a:fontRef>
+        </p:style>
+        <p:txBody>
+          <a:bodyPr wrap="square" rtlCol="0" anchor="ctr">
+            <a:noAutofit/>
+          </a:bodyPr>
+          <a:lstStyle/>
+          <a:p>
+            <a:pPr algn="ctr"/>
+            <a:endParaRPr lang="en-AU" dirty="0"/>
+          </a:p>
+        </p:txBody>
+      </p:sp>
+      <p:grpSp>
+        <p:nvGrpSpPr>
+          <p:cNvPr id="75" name="Group 74">
+            <a:extLst>
+              <a:ext uri="{FF2B5EF4-FFF2-40B4-BE49-F238E27FC236}">
+                <a16:creationId xmlns:a16="http://schemas.microsoft.com/office/drawing/2014/main" id="{879D66E6-9195-E88A-9F89-2DA648D122FE}"/>
+              </a:ext>
+            </a:extLst>
+          </p:cNvPr>
+          <p:cNvGrpSpPr/>
+          <p:nvPr/>
+        </p:nvGrpSpPr>
+        <p:grpSpPr>
+          <a:xfrm>
+            <a:off x="708430" y="1206333"/>
+            <a:ext cx="1020319" cy="1558520"/>
+            <a:chOff x="5273612" y="2110431"/>
+            <a:chExt cx="1020319" cy="1558520"/>
+          </a:xfrm>
+        </p:grpSpPr>
+        <p:sp>
+          <p:nvSpPr>
+            <p:cNvPr id="76" name="Freeform: Shape 75">
+              <a:extLst>
+                <a:ext uri="{FF2B5EF4-FFF2-40B4-BE49-F238E27FC236}">
+                  <a16:creationId xmlns:a16="http://schemas.microsoft.com/office/drawing/2014/main" id="{E4CED9DA-433E-375A-FF76-9B41F9522018}"/>
+                </a:ext>
+              </a:extLst>
+            </p:cNvPr>
+            <p:cNvSpPr/>
+            <p:nvPr/>
+          </p:nvSpPr>
+          <p:spPr>
+            <a:xfrm>
+              <a:off x="5437895" y="2110431"/>
+              <a:ext cx="856036" cy="779896"/>
+            </a:xfrm>
+            <a:custGeom>
+              <a:avLst/>
+              <a:gdLst/>
+              <a:ahLst/>
+              <a:cxnLst/>
+              <a:rect l="l" t="t" r="r" b="b"/>
+              <a:pathLst>
+                <a:path w="856036" h="779896">
+                  <a:moveTo>
+                    <a:pt x="773493" y="0"/>
+                  </a:moveTo>
+                  <a:lnTo>
+                    <a:pt x="856036" y="54792"/>
+                  </a:lnTo>
+                  <a:cubicBezTo>
+                    <a:pt x="794366" y="150144"/>
+                    <a:pt x="711941" y="224386"/>
+                    <a:pt x="608761" y="277518"/>
+                  </a:cubicBezTo>
+                  <a:cubicBezTo>
+                    <a:pt x="505581" y="330649"/>
+                    <a:pt x="368838" y="367414"/>
+                    <a:pt x="198532" y="387813"/>
+                  </a:cubicBezTo>
+                  <a:lnTo>
+                    <a:pt x="198532" y="395641"/>
+                  </a:lnTo>
+                  <a:cubicBezTo>
+                    <a:pt x="368364" y="412244"/>
+                    <a:pt x="504988" y="446756"/>
+                    <a:pt x="608405" y="499176"/>
+                  </a:cubicBezTo>
+                  <a:cubicBezTo>
+                    <a:pt x="711822" y="551596"/>
+                    <a:pt x="794366" y="626906"/>
+                    <a:pt x="856036" y="725104"/>
+                  </a:cubicBezTo>
+                  <a:lnTo>
+                    <a:pt x="773493" y="779896"/>
+                  </a:lnTo>
+                  <a:cubicBezTo>
+                    <a:pt x="707078" y="666517"/>
+                    <a:pt x="597968" y="583618"/>
+                    <a:pt x="446164" y="531197"/>
+                  </a:cubicBezTo>
+                  <a:cubicBezTo>
+                    <a:pt x="294359" y="478777"/>
+                    <a:pt x="148484" y="448298"/>
+                    <a:pt x="8539" y="439759"/>
+                  </a:cubicBezTo>
+                  <a:lnTo>
+                    <a:pt x="0" y="439759"/>
+                  </a:lnTo>
+                  <a:lnTo>
+                    <a:pt x="0" y="340137"/>
+                  </a:lnTo>
+                  <a:lnTo>
+                    <a:pt x="8539" y="340137"/>
+                  </a:lnTo>
+                  <a:cubicBezTo>
+                    <a:pt x="148484" y="331598"/>
+                    <a:pt x="294122" y="300407"/>
+                    <a:pt x="445452" y="246564"/>
+                  </a:cubicBezTo>
+                  <a:cubicBezTo>
+                    <a:pt x="596782" y="192720"/>
+                    <a:pt x="706129" y="110532"/>
+                    <a:pt x="773493" y="0"/>
+                  </a:cubicBezTo>
+                  <a:close/>
+                </a:path>
+              </a:pathLst>
+            </a:custGeom>
+            <a:solidFill>
+              <a:srgbClr val="C00000"/>
+            </a:solidFill>
+            <a:ln>
+              <a:solidFill>
+                <a:srgbClr val="000000"/>
+              </a:solidFill>
+            </a:ln>
+          </p:spPr>
+          <p:style>
+            <a:lnRef idx="2">
+              <a:schemeClr val="accent1">
+                <a:shade val="15000"/>
+              </a:schemeClr>
+            </a:lnRef>
+            <a:fillRef idx="1">
+              <a:schemeClr val="accent1"/>
+            </a:fillRef>
+            <a:effectRef idx="0">
+              <a:schemeClr val="accent1"/>
+            </a:effectRef>
+            <a:fontRef idx="minor">
+              <a:schemeClr val="lt1"/>
+            </a:fontRef>
+          </p:style>
+          <p:txBody>
+            <a:bodyPr wrap="square" rtlCol="0" anchor="ctr">
+              <a:noAutofit/>
+            </a:bodyPr>
+            <a:lstStyle/>
+            <a:p>
+              <a:pPr algn="ctr"/>
+              <a:endParaRPr lang="en-AU" dirty="0"/>
+            </a:p>
+          </p:txBody>
+        </p:sp>
+        <p:sp>
+          <p:nvSpPr>
+            <p:cNvPr id="77" name="Freeform: Shape 76">
+              <a:extLst>
+                <a:ext uri="{FF2B5EF4-FFF2-40B4-BE49-F238E27FC236}">
+                  <a16:creationId xmlns:a16="http://schemas.microsoft.com/office/drawing/2014/main" id="{A9534EA5-4F6C-659E-8B68-DCA30CFB5FD9}"/>
+                </a:ext>
+              </a:extLst>
+            </p:cNvPr>
+            <p:cNvSpPr/>
+            <p:nvPr/>
+          </p:nvSpPr>
+          <p:spPr>
+            <a:xfrm>
+              <a:off x="5273612" y="2889055"/>
+              <a:ext cx="856036" cy="779896"/>
+            </a:xfrm>
+            <a:custGeom>
+              <a:avLst/>
+              <a:gdLst/>
+              <a:ahLst/>
+              <a:cxnLst/>
+              <a:rect l="l" t="t" r="r" b="b"/>
+              <a:pathLst>
+                <a:path w="856036" h="779896">
+                  <a:moveTo>
+                    <a:pt x="82544" y="0"/>
+                  </a:moveTo>
+                  <a:cubicBezTo>
+                    <a:pt x="149907" y="110532"/>
+                    <a:pt x="259254" y="192720"/>
+                    <a:pt x="410585" y="246564"/>
+                  </a:cubicBezTo>
+                  <a:cubicBezTo>
+                    <a:pt x="561915" y="300407"/>
+                    <a:pt x="707552" y="331598"/>
+                    <a:pt x="847497" y="340137"/>
+                  </a:cubicBezTo>
+                  <a:lnTo>
+                    <a:pt x="856036" y="340137"/>
+                  </a:lnTo>
+                  <a:lnTo>
+                    <a:pt x="856036" y="439759"/>
+                  </a:lnTo>
+                  <a:lnTo>
+                    <a:pt x="847497" y="439759"/>
+                  </a:lnTo>
+                  <a:cubicBezTo>
+                    <a:pt x="707552" y="448298"/>
+                    <a:pt x="561678" y="478777"/>
+                    <a:pt x="409873" y="531197"/>
+                  </a:cubicBezTo>
+                  <a:cubicBezTo>
+                    <a:pt x="258068" y="583618"/>
+                    <a:pt x="148959" y="666517"/>
+                    <a:pt x="82544" y="779896"/>
+                  </a:cubicBezTo>
+                  <a:lnTo>
+                    <a:pt x="0" y="725104"/>
+                  </a:lnTo>
+                  <a:cubicBezTo>
+                    <a:pt x="61671" y="626906"/>
+                    <a:pt x="144215" y="551596"/>
+                    <a:pt x="247632" y="499176"/>
+                  </a:cubicBezTo>
+                  <a:cubicBezTo>
+                    <a:pt x="351049" y="446756"/>
+                    <a:pt x="487673" y="412244"/>
+                    <a:pt x="657504" y="395641"/>
+                  </a:cubicBezTo>
+                  <a:lnTo>
+                    <a:pt x="657504" y="387813"/>
+                  </a:lnTo>
+                  <a:cubicBezTo>
+                    <a:pt x="487198" y="367414"/>
+                    <a:pt x="350456" y="330649"/>
+                    <a:pt x="247276" y="277518"/>
+                  </a:cubicBezTo>
+                  <a:cubicBezTo>
+                    <a:pt x="144096" y="224386"/>
+                    <a:pt x="61671" y="150144"/>
+                    <a:pt x="0" y="54792"/>
+                  </a:cubicBezTo>
+                  <a:close/>
+                </a:path>
+              </a:pathLst>
+            </a:custGeom>
+            <a:solidFill>
+              <a:schemeClr val="tx2">
+                <a:lumMod val="75000"/>
+                <a:lumOff val="25000"/>
+              </a:schemeClr>
+            </a:solidFill>
+            <a:ln>
+              <a:solidFill>
+                <a:srgbClr val="000000"/>
+              </a:solidFill>
+            </a:ln>
+          </p:spPr>
+          <p:style>
+            <a:lnRef idx="2">
+              <a:schemeClr val="accent1">
+                <a:shade val="15000"/>
+              </a:schemeClr>
+            </a:lnRef>
+            <a:fillRef idx="1">
+              <a:schemeClr val="accent1"/>
+            </a:fillRef>
+            <a:effectRef idx="0">
+              <a:schemeClr val="accent1"/>
+            </a:effectRef>
+            <a:fontRef idx="minor">
+              <a:schemeClr val="lt1"/>
+            </a:fontRef>
+          </p:style>
+          <p:txBody>
+            <a:bodyPr wrap="square" rtlCol="0" anchor="ctr">
+              <a:noAutofit/>
+            </a:bodyPr>
+            <a:lstStyle/>
+            <a:p>
+              <a:pPr algn="ctr"/>
+              <a:endParaRPr lang="en-AU" dirty="0"/>
+            </a:p>
+          </p:txBody>
+        </p:sp>
+        <p:sp>
+          <p:nvSpPr>
+            <p:cNvPr id="78" name="Freeform: Shape 77">
+              <a:extLst>
+                <a:ext uri="{FF2B5EF4-FFF2-40B4-BE49-F238E27FC236}">
+                  <a16:creationId xmlns:a16="http://schemas.microsoft.com/office/drawing/2014/main" id="{7AEE9307-6146-BB49-1BD0-47578B829A6C}"/>
+                </a:ext>
+              </a:extLst>
+            </p:cNvPr>
+            <p:cNvSpPr/>
+            <p:nvPr/>
+          </p:nvSpPr>
+          <p:spPr>
+            <a:xfrm>
+              <a:off x="5440687" y="2692547"/>
+              <a:ext cx="772781" cy="456860"/>
+            </a:xfrm>
+            <a:custGeom>
+              <a:avLst/>
+              <a:gdLst>
+                <a:gd name="connsiteX0" fmla="*/ 0 w 772781"/>
+                <a:gd name="connsiteY0" fmla="*/ 22 h 456860"/>
+                <a:gd name="connsiteX1" fmla="*/ 458972 w 772781"/>
+                <a:gd name="connsiteY1" fmla="*/ 92173 h 456860"/>
+                <a:gd name="connsiteX2" fmla="*/ 772781 w 772781"/>
+                <a:gd name="connsiteY2" fmla="*/ 397087 h 456860"/>
+                <a:gd name="connsiteX3" fmla="*/ 692372 w 772781"/>
+                <a:gd name="connsiteY3" fmla="*/ 456860 h 456860"/>
+                <a:gd name="connsiteX4" fmla="*/ 426239 w 772781"/>
+                <a:gd name="connsiteY4" fmla="*/ 185034 h 456860"/>
+                <a:gd name="connsiteX5" fmla="*/ 0 w 772781"/>
+                <a:gd name="connsiteY5" fmla="*/ 92528 h 456860"/>
+              </a:gdLst>
+              <a:ahLst/>
+              <a:cxnLst>
+                <a:cxn ang="0">
+                  <a:pos x="connsiteX0" y="connsiteY0"/>
+                </a:cxn>
+                <a:cxn ang="0">
+                  <a:pos x="connsiteX1" y="connsiteY1"/>
+                </a:cxn>
+                <a:cxn ang="0">
+                  <a:pos x="connsiteX2" y="connsiteY2"/>
+                </a:cxn>
+                <a:cxn ang="0">
+                  <a:pos x="connsiteX3" y="connsiteY3"/>
+                </a:cxn>
+                <a:cxn ang="0">
+                  <a:pos x="connsiteX4" y="connsiteY4"/>
+                </a:cxn>
+                <a:cxn ang="0">
+                  <a:pos x="connsiteX5" y="connsiteY5"/>
+                </a:cxn>
+              </a:cxnLst>
+              <a:rect l="l" t="t" r="r" b="b"/>
+              <a:pathLst>
+                <a:path w="772781" h="456860">
+                  <a:moveTo>
+                    <a:pt x="0" y="22"/>
+                  </a:moveTo>
+                  <a:cubicBezTo>
+                    <a:pt x="185487" y="-926"/>
+                    <a:pt x="338477" y="29790"/>
+                    <a:pt x="458972" y="92173"/>
+                  </a:cubicBezTo>
+                  <a:cubicBezTo>
+                    <a:pt x="579467" y="154555"/>
+                    <a:pt x="684070" y="256193"/>
+                    <a:pt x="772781" y="397087"/>
+                  </a:cubicBezTo>
+                  <a:lnTo>
+                    <a:pt x="692372" y="456860"/>
+                  </a:lnTo>
+                  <a:cubicBezTo>
+                    <a:pt x="622162" y="337313"/>
+                    <a:pt x="533451" y="246705"/>
+                    <a:pt x="426239" y="185034"/>
+                  </a:cubicBezTo>
+                  <a:cubicBezTo>
+                    <a:pt x="319027" y="123364"/>
+                    <a:pt x="176948" y="92528"/>
+                    <a:pt x="0" y="92528"/>
+                  </a:cubicBezTo>
+                  <a:close/>
+                </a:path>
+              </a:pathLst>
+            </a:custGeom>
+            <a:solidFill>
+              <a:srgbClr val="000000"/>
+            </a:solidFill>
+            <a:ln>
+              <a:solidFill>
+                <a:srgbClr val="000000"/>
+              </a:solidFill>
+            </a:ln>
+          </p:spPr>
+          <p:style>
+            <a:lnRef idx="2">
+              <a:schemeClr val="accent1">
+                <a:shade val="15000"/>
+              </a:schemeClr>
+            </a:lnRef>
+            <a:fillRef idx="1">
+              <a:schemeClr val="accent1"/>
+            </a:fillRef>
+            <a:effectRef idx="0">
+              <a:schemeClr val="accent1"/>
+            </a:effectRef>
+            <a:fontRef idx="minor">
+              <a:schemeClr val="lt1"/>
+            </a:fontRef>
+          </p:style>
+          <p:txBody>
+            <a:bodyPr wrap="square" rtlCol="0" anchor="ctr">
+              <a:noAutofit/>
+            </a:bodyPr>
+            <a:lstStyle/>
+            <a:p>
+              <a:pPr algn="ctr"/>
+              <a:endParaRPr lang="en-AU"/>
+            </a:p>
+          </p:txBody>
+        </p:sp>
+      </p:grpSp>
+      <p:grpSp>
+        <p:nvGrpSpPr>
+          <p:cNvPr id="99" name="Group 98">
+            <a:extLst>
+              <a:ext uri="{FF2B5EF4-FFF2-40B4-BE49-F238E27FC236}">
+                <a16:creationId xmlns:a16="http://schemas.microsoft.com/office/drawing/2014/main" id="{8BE97984-84AD-F9B5-ABFE-7D60A7BEE87A}"/>
+              </a:ext>
+            </a:extLst>
+          </p:cNvPr>
+          <p:cNvGrpSpPr/>
+          <p:nvPr/>
+        </p:nvGrpSpPr>
+        <p:grpSpPr>
+          <a:xfrm>
+            <a:off x="6113228" y="475739"/>
+            <a:ext cx="5976839" cy="1638395"/>
+            <a:chOff x="6045730" y="165012"/>
+            <a:chExt cx="5976839" cy="1638395"/>
+          </a:xfrm>
+        </p:grpSpPr>
+        <p:sp>
+          <p:nvSpPr>
+            <p:cNvPr id="74" name="Freeform: Shape 73">
+              <a:extLst>
+                <a:ext uri="{FF2B5EF4-FFF2-40B4-BE49-F238E27FC236}">
+                  <a16:creationId xmlns:a16="http://schemas.microsoft.com/office/drawing/2014/main" id="{356AD0C5-AFA8-D938-AD4A-421A6820B67D}"/>
+                </a:ext>
+              </a:extLst>
+            </p:cNvPr>
+            <p:cNvSpPr/>
+            <p:nvPr/>
+          </p:nvSpPr>
+          <p:spPr>
+            <a:xfrm>
+              <a:off x="10191053" y="1322878"/>
+              <a:ext cx="1831516" cy="480529"/>
+            </a:xfrm>
+            <a:custGeom>
+              <a:avLst/>
+              <a:gdLst/>
+              <a:ahLst/>
+              <a:cxnLst/>
+              <a:rect l="l" t="t" r="r" b="b"/>
+              <a:pathLst>
+                <a:path w="1831516" h="480529">
+                  <a:moveTo>
+                    <a:pt x="962286" y="11051"/>
+                  </a:moveTo>
+                  <a:lnTo>
+                    <a:pt x="1081162" y="11051"/>
+                  </a:lnTo>
+                  <a:lnTo>
+                    <a:pt x="1299828" y="290662"/>
+                  </a:lnTo>
+                  <a:lnTo>
+                    <a:pt x="1299828" y="11051"/>
+                  </a:lnTo>
+                  <a:lnTo>
+                    <a:pt x="1418704" y="11051"/>
+                  </a:lnTo>
+                  <a:lnTo>
+                    <a:pt x="1418704" y="468139"/>
+                  </a:lnTo>
+                  <a:lnTo>
+                    <a:pt x="1299828" y="468139"/>
+                  </a:lnTo>
+                  <a:lnTo>
+                    <a:pt x="1081162" y="188193"/>
+                  </a:lnTo>
+                  <a:lnTo>
+                    <a:pt x="1081162" y="468139"/>
+                  </a:lnTo>
+                  <a:lnTo>
+                    <a:pt x="962286" y="468139"/>
+                  </a:lnTo>
+                  <a:close/>
+                  <a:moveTo>
+                    <a:pt x="743211" y="11051"/>
+                  </a:moveTo>
+                  <a:lnTo>
+                    <a:pt x="862087" y="11051"/>
+                  </a:lnTo>
+                  <a:lnTo>
+                    <a:pt x="862087" y="468139"/>
+                  </a:lnTo>
+                  <a:lnTo>
+                    <a:pt x="743211" y="468139"/>
+                  </a:lnTo>
+                  <a:close/>
+                  <a:moveTo>
+                    <a:pt x="0" y="11051"/>
+                  </a:moveTo>
+                  <a:lnTo>
+                    <a:pt x="124234" y="11051"/>
+                  </a:lnTo>
+                  <a:lnTo>
+                    <a:pt x="203597" y="306400"/>
+                  </a:lnTo>
+                  <a:lnTo>
+                    <a:pt x="300372" y="11051"/>
+                  </a:lnTo>
+                  <a:lnTo>
+                    <a:pt x="394804" y="11051"/>
+                  </a:lnTo>
+                  <a:lnTo>
+                    <a:pt x="484882" y="306400"/>
+                  </a:lnTo>
+                  <a:lnTo>
+                    <a:pt x="571277" y="11051"/>
+                  </a:lnTo>
+                  <a:lnTo>
+                    <a:pt x="695176" y="11051"/>
+                  </a:lnTo>
+                  <a:lnTo>
+                    <a:pt x="549176" y="468139"/>
+                  </a:lnTo>
+                  <a:lnTo>
+                    <a:pt x="427955" y="468139"/>
+                  </a:lnTo>
+                  <a:lnTo>
+                    <a:pt x="344575" y="203262"/>
+                  </a:lnTo>
+                  <a:lnTo>
+                    <a:pt x="257175" y="468139"/>
+                  </a:lnTo>
+                  <a:lnTo>
+                    <a:pt x="136290" y="468139"/>
+                  </a:lnTo>
+                  <a:close/>
+                  <a:moveTo>
+                    <a:pt x="1668103" y="0"/>
+                  </a:moveTo>
+                  <a:cubicBezTo>
+                    <a:pt x="1717440" y="0"/>
+                    <a:pt x="1765772" y="12390"/>
+                    <a:pt x="1813099" y="37170"/>
+                  </a:cubicBezTo>
+                  <a:lnTo>
+                    <a:pt x="1765548" y="129592"/>
+                  </a:lnTo>
+                  <a:cubicBezTo>
+                    <a:pt x="1739586" y="109277"/>
+                    <a:pt x="1713399" y="99120"/>
+                    <a:pt x="1686986" y="99120"/>
+                  </a:cubicBezTo>
+                  <a:cubicBezTo>
+                    <a:pt x="1674230" y="99120"/>
+                    <a:pt x="1662815" y="102369"/>
+                    <a:pt x="1652741" y="108867"/>
+                  </a:cubicBezTo>
+                  <a:cubicBezTo>
+                    <a:pt x="1641328" y="116262"/>
+                    <a:pt x="1635621" y="126122"/>
+                    <a:pt x="1635621" y="138445"/>
+                  </a:cubicBezTo>
+                  <a:cubicBezTo>
+                    <a:pt x="1635621" y="150542"/>
+                    <a:pt x="1643112" y="160960"/>
+                    <a:pt x="1658094" y="169697"/>
+                  </a:cubicBezTo>
+                  <a:cubicBezTo>
+                    <a:pt x="1664805" y="173733"/>
+                    <a:pt x="1684932" y="180680"/>
+                    <a:pt x="1718474" y="190537"/>
+                  </a:cubicBezTo>
+                  <a:cubicBezTo>
+                    <a:pt x="1760517" y="202830"/>
+                    <a:pt x="1790482" y="220264"/>
+                    <a:pt x="1808369" y="242839"/>
+                  </a:cubicBezTo>
+                  <a:cubicBezTo>
+                    <a:pt x="1823801" y="262059"/>
+                    <a:pt x="1831516" y="286755"/>
+                    <a:pt x="1831516" y="316927"/>
+                  </a:cubicBezTo>
+                  <a:cubicBezTo>
+                    <a:pt x="1831516" y="394256"/>
+                    <a:pt x="1797584" y="444655"/>
+                    <a:pt x="1729718" y="468123"/>
+                  </a:cubicBezTo>
+                  <a:cubicBezTo>
+                    <a:pt x="1706054" y="476394"/>
+                    <a:pt x="1680605" y="480529"/>
+                    <a:pt x="1653369" y="480529"/>
+                  </a:cubicBezTo>
+                  <a:cubicBezTo>
+                    <a:pt x="1596219" y="480529"/>
+                    <a:pt x="1543199" y="463228"/>
+                    <a:pt x="1494309" y="428625"/>
+                  </a:cubicBezTo>
+                  <a:lnTo>
+                    <a:pt x="1545208" y="332854"/>
+                  </a:lnTo>
+                  <a:cubicBezTo>
+                    <a:pt x="1581000" y="365225"/>
+                    <a:pt x="1616009" y="381410"/>
+                    <a:pt x="1650235" y="381410"/>
+                  </a:cubicBezTo>
+                  <a:cubicBezTo>
+                    <a:pt x="1665670" y="381410"/>
+                    <a:pt x="1678758" y="377801"/>
+                    <a:pt x="1689498" y="370584"/>
+                  </a:cubicBezTo>
+                  <a:cubicBezTo>
+                    <a:pt x="1702024" y="362467"/>
+                    <a:pt x="1708287" y="350967"/>
+                    <a:pt x="1708287" y="336083"/>
+                  </a:cubicBezTo>
+                  <a:cubicBezTo>
+                    <a:pt x="1708287" y="322552"/>
+                    <a:pt x="1701354" y="311277"/>
+                    <a:pt x="1687489" y="302256"/>
+                  </a:cubicBezTo>
+                  <a:cubicBezTo>
+                    <a:pt x="1677202" y="295489"/>
+                    <a:pt x="1659871" y="288611"/>
+                    <a:pt x="1635496" y="281620"/>
+                  </a:cubicBezTo>
+                  <a:cubicBezTo>
+                    <a:pt x="1605979" y="272924"/>
+                    <a:pt x="1587418" y="266904"/>
+                    <a:pt x="1579814" y="263559"/>
+                  </a:cubicBezTo>
+                  <a:cubicBezTo>
+                    <a:pt x="1567738" y="258431"/>
+                    <a:pt x="1557452" y="252410"/>
+                    <a:pt x="1548955" y="245497"/>
+                  </a:cubicBezTo>
+                  <a:cubicBezTo>
+                    <a:pt x="1524579" y="225430"/>
+                    <a:pt x="1512392" y="195105"/>
+                    <a:pt x="1512392" y="154524"/>
+                  </a:cubicBezTo>
+                  <a:cubicBezTo>
+                    <a:pt x="1512392" y="112157"/>
+                    <a:pt x="1525005" y="77038"/>
+                    <a:pt x="1550231" y="49168"/>
+                  </a:cubicBezTo>
+                  <a:cubicBezTo>
+                    <a:pt x="1579699" y="16389"/>
+                    <a:pt x="1618990" y="0"/>
+                    <a:pt x="1668103" y="0"/>
+                  </a:cubicBezTo>
+                  <a:close/>
+                </a:path>
+              </a:pathLst>
+            </a:custGeom>
+            <a:solidFill>
+              <a:schemeClr val="tx1"/>
+            </a:solidFill>
+            <a:ln>
+              <a:solidFill>
+                <a:schemeClr val="tx1"/>
+              </a:solidFill>
+            </a:ln>
+          </p:spPr>
+          <p:style>
+            <a:lnRef idx="2">
+              <a:schemeClr val="accent1">
+                <a:shade val="15000"/>
+              </a:schemeClr>
+            </a:lnRef>
+            <a:fillRef idx="1">
+              <a:schemeClr val="accent1"/>
+            </a:fillRef>
+            <a:effectRef idx="0">
+              <a:schemeClr val="accent1"/>
+            </a:effectRef>
+            <a:fontRef idx="minor">
+              <a:schemeClr val="lt1"/>
+            </a:fontRef>
+          </p:style>
+          <p:txBody>
+            <a:bodyPr wrap="square" rtlCol="0" anchor="ctr">
+              <a:noAutofit/>
+            </a:bodyPr>
+            <a:lstStyle/>
+            <a:p>
+              <a:pPr algn="ctr"/>
+              <a:endParaRPr lang="en-AU"/>
+            </a:p>
+          </p:txBody>
+        </p:sp>
+        <p:sp>
+          <p:nvSpPr>
+            <p:cNvPr id="79" name="Freeform: Shape 78">
+              <a:extLst>
+                <a:ext uri="{FF2B5EF4-FFF2-40B4-BE49-F238E27FC236}">
+                  <a16:creationId xmlns:a16="http://schemas.microsoft.com/office/drawing/2014/main" id="{D7967A8C-DA83-B583-DD39-B1919E8930A6}"/>
+                </a:ext>
+              </a:extLst>
+            </p:cNvPr>
+            <p:cNvSpPr/>
+            <p:nvPr/>
+          </p:nvSpPr>
+          <p:spPr>
+            <a:xfrm>
+              <a:off x="9418272" y="165012"/>
+              <a:ext cx="856036" cy="779896"/>
+            </a:xfrm>
+            <a:custGeom>
+              <a:avLst/>
+              <a:gdLst/>
+              <a:ahLst/>
+              <a:cxnLst/>
+              <a:rect l="l" t="t" r="r" b="b"/>
+              <a:pathLst>
+                <a:path w="856036" h="779896">
+                  <a:moveTo>
+                    <a:pt x="773493" y="0"/>
+                  </a:moveTo>
+                  <a:lnTo>
+                    <a:pt x="856036" y="54792"/>
+                  </a:lnTo>
+                  <a:cubicBezTo>
+                    <a:pt x="794366" y="150144"/>
+                    <a:pt x="711941" y="224386"/>
+                    <a:pt x="608761" y="277518"/>
+                  </a:cubicBezTo>
+                  <a:cubicBezTo>
+                    <a:pt x="505581" y="330649"/>
+                    <a:pt x="368838" y="367414"/>
+                    <a:pt x="198532" y="387813"/>
+                  </a:cubicBezTo>
+                  <a:lnTo>
+                    <a:pt x="198532" y="395641"/>
+                  </a:lnTo>
+                  <a:cubicBezTo>
+                    <a:pt x="368364" y="412244"/>
+                    <a:pt x="504988" y="446756"/>
+                    <a:pt x="608405" y="499176"/>
+                  </a:cubicBezTo>
+                  <a:cubicBezTo>
+                    <a:pt x="711822" y="551596"/>
+                    <a:pt x="794366" y="626906"/>
+                    <a:pt x="856036" y="725104"/>
+                  </a:cubicBezTo>
+                  <a:lnTo>
+                    <a:pt x="773493" y="779896"/>
+                  </a:lnTo>
+                  <a:cubicBezTo>
+                    <a:pt x="707078" y="666517"/>
+                    <a:pt x="597968" y="583618"/>
+                    <a:pt x="446164" y="531197"/>
+                  </a:cubicBezTo>
+                  <a:cubicBezTo>
+                    <a:pt x="294359" y="478777"/>
+                    <a:pt x="148484" y="448298"/>
+                    <a:pt x="8539" y="439759"/>
+                  </a:cubicBezTo>
+                  <a:lnTo>
+                    <a:pt x="0" y="439759"/>
+                  </a:lnTo>
+                  <a:lnTo>
+                    <a:pt x="0" y="340137"/>
+                  </a:lnTo>
+                  <a:lnTo>
+                    <a:pt x="8539" y="340137"/>
+                  </a:lnTo>
+                  <a:cubicBezTo>
+                    <a:pt x="148484" y="331598"/>
+                    <a:pt x="294122" y="300407"/>
+                    <a:pt x="445452" y="246564"/>
+                  </a:cubicBezTo>
+                  <a:cubicBezTo>
+                    <a:pt x="596782" y="192720"/>
+                    <a:pt x="706129" y="110532"/>
+                    <a:pt x="773493" y="0"/>
+                  </a:cubicBezTo>
+                  <a:close/>
+                </a:path>
+              </a:pathLst>
+            </a:custGeom>
+            <a:solidFill>
+              <a:srgbClr val="000000"/>
+            </a:solidFill>
+            <a:ln w="177800">
+              <a:solidFill>
+                <a:srgbClr val="000000"/>
+              </a:solidFill>
+            </a:ln>
+          </p:spPr>
+          <p:style>
+            <a:lnRef idx="2">
+              <a:schemeClr val="accent1">
+                <a:shade val="15000"/>
+              </a:schemeClr>
+            </a:lnRef>
+            <a:fillRef idx="1">
+              <a:schemeClr val="accent1"/>
+            </a:fillRef>
+            <a:effectRef idx="0">
+              <a:schemeClr val="accent1"/>
+            </a:effectRef>
+            <a:fontRef idx="minor">
+              <a:schemeClr val="lt1"/>
+            </a:fontRef>
+          </p:style>
+          <p:txBody>
+            <a:bodyPr wrap="square" rtlCol="0" anchor="ctr">
+              <a:noAutofit/>
+            </a:bodyPr>
+            <a:lstStyle/>
+            <a:p>
+              <a:pPr algn="ctr"/>
+              <a:endParaRPr lang="en-AU" dirty="0"/>
+            </a:p>
+          </p:txBody>
+        </p:sp>
+        <p:sp>
+          <p:nvSpPr>
+            <p:cNvPr id="80" name="Freeform: Shape 79">
+              <a:extLst>
+                <a:ext uri="{FF2B5EF4-FFF2-40B4-BE49-F238E27FC236}">
+                  <a16:creationId xmlns:a16="http://schemas.microsoft.com/office/drawing/2014/main" id="{54220ACE-95D5-0AA1-3C34-5131663B6257}"/>
+                </a:ext>
+              </a:extLst>
+            </p:cNvPr>
+            <p:cNvSpPr/>
+            <p:nvPr/>
+          </p:nvSpPr>
+          <p:spPr>
+            <a:xfrm>
+              <a:off x="9418272" y="747128"/>
+              <a:ext cx="772781" cy="456860"/>
+            </a:xfrm>
+            <a:custGeom>
+              <a:avLst/>
+              <a:gdLst>
+                <a:gd name="connsiteX0" fmla="*/ 0 w 772781"/>
+                <a:gd name="connsiteY0" fmla="*/ 22 h 456860"/>
+                <a:gd name="connsiteX1" fmla="*/ 458972 w 772781"/>
+                <a:gd name="connsiteY1" fmla="*/ 92173 h 456860"/>
+                <a:gd name="connsiteX2" fmla="*/ 772781 w 772781"/>
+                <a:gd name="connsiteY2" fmla="*/ 397087 h 456860"/>
+                <a:gd name="connsiteX3" fmla="*/ 692372 w 772781"/>
+                <a:gd name="connsiteY3" fmla="*/ 456860 h 456860"/>
+                <a:gd name="connsiteX4" fmla="*/ 426239 w 772781"/>
+                <a:gd name="connsiteY4" fmla="*/ 185034 h 456860"/>
+                <a:gd name="connsiteX5" fmla="*/ 0 w 772781"/>
+                <a:gd name="connsiteY5" fmla="*/ 92528 h 456860"/>
+              </a:gdLst>
+              <a:ahLst/>
+              <a:cxnLst>
+                <a:cxn ang="0">
+                  <a:pos x="connsiteX0" y="connsiteY0"/>
+                </a:cxn>
+                <a:cxn ang="0">
+                  <a:pos x="connsiteX1" y="connsiteY1"/>
+                </a:cxn>
+                <a:cxn ang="0">
+                  <a:pos x="connsiteX2" y="connsiteY2"/>
+                </a:cxn>
+                <a:cxn ang="0">
+                  <a:pos x="connsiteX3" y="connsiteY3"/>
+                </a:cxn>
+                <a:cxn ang="0">
+                  <a:pos x="connsiteX4" y="connsiteY4"/>
+                </a:cxn>
+                <a:cxn ang="0">
+                  <a:pos x="connsiteX5" y="connsiteY5"/>
+                </a:cxn>
+              </a:cxnLst>
+              <a:rect l="l" t="t" r="r" b="b"/>
+              <a:pathLst>
+                <a:path w="772781" h="456860">
+                  <a:moveTo>
+                    <a:pt x="0" y="22"/>
+                  </a:moveTo>
+                  <a:cubicBezTo>
+                    <a:pt x="185487" y="-926"/>
+                    <a:pt x="338477" y="29790"/>
+                    <a:pt x="458972" y="92173"/>
+                  </a:cubicBezTo>
+                  <a:cubicBezTo>
+                    <a:pt x="579467" y="154555"/>
+                    <a:pt x="684070" y="256193"/>
+                    <a:pt x="772781" y="397087"/>
+                  </a:cubicBezTo>
+                  <a:lnTo>
+                    <a:pt x="692372" y="456860"/>
+                  </a:lnTo>
+                  <a:cubicBezTo>
+                    <a:pt x="622162" y="337313"/>
+                    <a:pt x="533451" y="246705"/>
+                    <a:pt x="426239" y="185034"/>
+                  </a:cubicBezTo>
+                  <a:cubicBezTo>
+                    <a:pt x="319027" y="123364"/>
+                    <a:pt x="176948" y="92528"/>
+                    <a:pt x="0" y="92528"/>
+                  </a:cubicBezTo>
+                  <a:close/>
+                </a:path>
+              </a:pathLst>
+            </a:custGeom>
+            <a:solidFill>
+              <a:srgbClr val="000000"/>
+            </a:solidFill>
+            <a:ln w="177800">
+              <a:solidFill>
+                <a:srgbClr val="000000"/>
+              </a:solidFill>
+            </a:ln>
+          </p:spPr>
+          <p:style>
+            <a:lnRef idx="2">
+              <a:schemeClr val="accent1">
+                <a:shade val="15000"/>
+              </a:schemeClr>
+            </a:lnRef>
+            <a:fillRef idx="1">
+              <a:schemeClr val="accent1"/>
+            </a:fillRef>
+            <a:effectRef idx="0">
+              <a:schemeClr val="accent1"/>
+            </a:effectRef>
+            <a:fontRef idx="minor">
+              <a:schemeClr val="lt1"/>
+            </a:fontRef>
+          </p:style>
+          <p:txBody>
+            <a:bodyPr wrap="square" rtlCol="0" anchor="ctr">
+              <a:noAutofit/>
+            </a:bodyPr>
+            <a:lstStyle/>
+            <a:p>
+              <a:pPr algn="ctr"/>
+              <a:endParaRPr lang="en-AU"/>
+            </a:p>
+          </p:txBody>
+        </p:sp>
+        <p:sp>
+          <p:nvSpPr>
+            <p:cNvPr id="81" name="Freeform: Shape 80">
+              <a:extLst>
+                <a:ext uri="{FF2B5EF4-FFF2-40B4-BE49-F238E27FC236}">
+                  <a16:creationId xmlns:a16="http://schemas.microsoft.com/office/drawing/2014/main" id="{6ED73EDD-0C17-9278-EE98-85D7A497B5CF}"/>
+                </a:ext>
+              </a:extLst>
+            </p:cNvPr>
+            <p:cNvSpPr/>
+            <p:nvPr/>
+          </p:nvSpPr>
+          <p:spPr>
+            <a:xfrm>
+              <a:off x="9418272" y="165012"/>
+              <a:ext cx="856036" cy="779896"/>
+            </a:xfrm>
+            <a:custGeom>
+              <a:avLst/>
+              <a:gdLst/>
+              <a:ahLst/>
+              <a:cxnLst/>
+              <a:rect l="l" t="t" r="r" b="b"/>
+              <a:pathLst>
+                <a:path w="856036" h="779896">
+                  <a:moveTo>
+                    <a:pt x="773493" y="0"/>
+                  </a:moveTo>
+                  <a:lnTo>
+                    <a:pt x="856036" y="54792"/>
+                  </a:lnTo>
+                  <a:cubicBezTo>
+                    <a:pt x="794366" y="150144"/>
+                    <a:pt x="711941" y="224386"/>
+                    <a:pt x="608761" y="277518"/>
+                  </a:cubicBezTo>
+                  <a:cubicBezTo>
+                    <a:pt x="505581" y="330649"/>
+                    <a:pt x="368838" y="367414"/>
+                    <a:pt x="198532" y="387813"/>
+                  </a:cubicBezTo>
+                  <a:lnTo>
+                    <a:pt x="198532" y="395641"/>
+                  </a:lnTo>
+                  <a:cubicBezTo>
+                    <a:pt x="368364" y="412244"/>
+                    <a:pt x="504988" y="446756"/>
+                    <a:pt x="608405" y="499176"/>
+                  </a:cubicBezTo>
+                  <a:cubicBezTo>
+                    <a:pt x="711822" y="551596"/>
+                    <a:pt x="794366" y="626906"/>
+                    <a:pt x="856036" y="725104"/>
+                  </a:cubicBezTo>
+                  <a:lnTo>
+                    <a:pt x="773493" y="779896"/>
+                  </a:lnTo>
+                  <a:cubicBezTo>
+                    <a:pt x="707078" y="666517"/>
+                    <a:pt x="597968" y="583618"/>
+                    <a:pt x="446164" y="531197"/>
+                  </a:cubicBezTo>
+                  <a:cubicBezTo>
+                    <a:pt x="294359" y="478777"/>
+                    <a:pt x="148484" y="448298"/>
+                    <a:pt x="8539" y="439759"/>
+                  </a:cubicBezTo>
+                  <a:lnTo>
+                    <a:pt x="0" y="439759"/>
+                  </a:lnTo>
+                  <a:lnTo>
+                    <a:pt x="0" y="340137"/>
+                  </a:lnTo>
+                  <a:lnTo>
+                    <a:pt x="8539" y="340137"/>
+                  </a:lnTo>
+                  <a:cubicBezTo>
+                    <a:pt x="148484" y="331598"/>
+                    <a:pt x="294122" y="300407"/>
+                    <a:pt x="445452" y="246564"/>
+                  </a:cubicBezTo>
+                  <a:cubicBezTo>
+                    <a:pt x="596782" y="192720"/>
+                    <a:pt x="706129" y="110532"/>
+                    <a:pt x="773493" y="0"/>
+                  </a:cubicBezTo>
+                  <a:close/>
+                </a:path>
+              </a:pathLst>
+            </a:custGeom>
+            <a:solidFill>
+              <a:srgbClr val="C00000"/>
+            </a:solidFill>
+            <a:ln w="50800">
+              <a:solidFill>
+                <a:srgbClr val="C00000"/>
+              </a:solidFill>
+            </a:ln>
+          </p:spPr>
+          <p:style>
+            <a:lnRef idx="2">
+              <a:schemeClr val="accent1">
+                <a:shade val="15000"/>
+              </a:schemeClr>
+            </a:lnRef>
+            <a:fillRef idx="1">
+              <a:schemeClr val="accent1"/>
+            </a:fillRef>
+            <a:effectRef idx="0">
+              <a:schemeClr val="accent1"/>
+            </a:effectRef>
+            <a:fontRef idx="minor">
+              <a:schemeClr val="lt1"/>
+            </a:fontRef>
+          </p:style>
+          <p:txBody>
+            <a:bodyPr wrap="square" rtlCol="0" anchor="ctr">
+              <a:noAutofit/>
+            </a:bodyPr>
+            <a:lstStyle/>
+            <a:p>
+              <a:pPr algn="ctr"/>
+              <a:endParaRPr lang="en-AU" dirty="0"/>
+            </a:p>
+          </p:txBody>
+        </p:sp>
+        <p:sp>
+          <p:nvSpPr>
+            <p:cNvPr id="83" name="Freeform: Shape 82">
+              <a:extLst>
+                <a:ext uri="{FF2B5EF4-FFF2-40B4-BE49-F238E27FC236}">
+                  <a16:creationId xmlns:a16="http://schemas.microsoft.com/office/drawing/2014/main" id="{3710F67E-367E-DABA-EAE6-19F1895A1959}"/>
+                </a:ext>
+              </a:extLst>
+            </p:cNvPr>
+            <p:cNvSpPr/>
+            <p:nvPr/>
+          </p:nvSpPr>
+          <p:spPr>
+            <a:xfrm>
+              <a:off x="9231664" y="990291"/>
+              <a:ext cx="856036" cy="779896"/>
+            </a:xfrm>
+            <a:custGeom>
+              <a:avLst/>
+              <a:gdLst/>
+              <a:ahLst/>
+              <a:cxnLst/>
+              <a:rect l="l" t="t" r="r" b="b"/>
+              <a:pathLst>
+                <a:path w="856036" h="779896">
+                  <a:moveTo>
+                    <a:pt x="82544" y="0"/>
+                  </a:moveTo>
+                  <a:cubicBezTo>
+                    <a:pt x="149907" y="110532"/>
+                    <a:pt x="259254" y="192720"/>
+                    <a:pt x="410585" y="246564"/>
+                  </a:cubicBezTo>
+                  <a:cubicBezTo>
+                    <a:pt x="561915" y="300407"/>
+                    <a:pt x="707552" y="331598"/>
+                    <a:pt x="847497" y="340137"/>
+                  </a:cubicBezTo>
+                  <a:lnTo>
+                    <a:pt x="856036" y="340137"/>
+                  </a:lnTo>
+                  <a:lnTo>
+                    <a:pt x="856036" y="439759"/>
+                  </a:lnTo>
+                  <a:lnTo>
+                    <a:pt x="847497" y="439759"/>
+                  </a:lnTo>
+                  <a:cubicBezTo>
+                    <a:pt x="707552" y="448298"/>
+                    <a:pt x="561678" y="478777"/>
+                    <a:pt x="409873" y="531197"/>
+                  </a:cubicBezTo>
+                  <a:cubicBezTo>
+                    <a:pt x="258068" y="583618"/>
+                    <a:pt x="148959" y="666517"/>
+                    <a:pt x="82544" y="779896"/>
+                  </a:cubicBezTo>
+                  <a:lnTo>
+                    <a:pt x="0" y="725104"/>
+                  </a:lnTo>
+                  <a:cubicBezTo>
+                    <a:pt x="61671" y="626906"/>
+                    <a:pt x="144215" y="551596"/>
+                    <a:pt x="247632" y="499176"/>
+                  </a:cubicBezTo>
+                  <a:cubicBezTo>
+                    <a:pt x="351049" y="446756"/>
+                    <a:pt x="487673" y="412244"/>
+                    <a:pt x="657504" y="395641"/>
+                  </a:cubicBezTo>
+                  <a:lnTo>
+                    <a:pt x="657504" y="387813"/>
+                  </a:lnTo>
+                  <a:cubicBezTo>
+                    <a:pt x="487198" y="367414"/>
+                    <a:pt x="350456" y="330649"/>
+                    <a:pt x="247276" y="277518"/>
+                  </a:cubicBezTo>
+                  <a:cubicBezTo>
+                    <a:pt x="144096" y="224386"/>
+                    <a:pt x="61671" y="150144"/>
+                    <a:pt x="0" y="54792"/>
+                  </a:cubicBezTo>
+                  <a:close/>
+                </a:path>
+              </a:pathLst>
+            </a:custGeom>
+            <a:solidFill>
+              <a:srgbClr val="000000"/>
+            </a:solidFill>
+            <a:ln w="177800">
+              <a:solidFill>
+                <a:srgbClr val="000000"/>
+              </a:solidFill>
+            </a:ln>
+          </p:spPr>
+          <p:style>
+            <a:lnRef idx="2">
+              <a:schemeClr val="accent1">
+                <a:shade val="15000"/>
+              </a:schemeClr>
+            </a:lnRef>
+            <a:fillRef idx="1">
+              <a:schemeClr val="accent1"/>
+            </a:fillRef>
+            <a:effectRef idx="0">
+              <a:schemeClr val="accent1"/>
+            </a:effectRef>
+            <a:fontRef idx="minor">
+              <a:schemeClr val="lt1"/>
+            </a:fontRef>
+          </p:style>
+          <p:txBody>
+            <a:bodyPr wrap="square" rtlCol="0" anchor="ctr">
+              <a:noAutofit/>
+            </a:bodyPr>
+            <a:lstStyle/>
+            <a:p>
+              <a:pPr algn="ctr"/>
+              <a:endParaRPr lang="en-AU"/>
+            </a:p>
+          </p:txBody>
+        </p:sp>
+        <p:sp>
+          <p:nvSpPr>
+            <p:cNvPr id="84" name="Freeform: Shape 83">
+              <a:extLst>
+                <a:ext uri="{FF2B5EF4-FFF2-40B4-BE49-F238E27FC236}">
+                  <a16:creationId xmlns:a16="http://schemas.microsoft.com/office/drawing/2014/main" id="{A59A1A62-A51E-5822-A072-BC2BA07ADD7B}"/>
+                </a:ext>
+              </a:extLst>
+            </p:cNvPr>
+            <p:cNvSpPr/>
+            <p:nvPr/>
+          </p:nvSpPr>
+          <p:spPr>
+            <a:xfrm>
+              <a:off x="9231664" y="990291"/>
+              <a:ext cx="856036" cy="779896"/>
+            </a:xfrm>
+            <a:custGeom>
+              <a:avLst/>
+              <a:gdLst/>
+              <a:ahLst/>
+              <a:cxnLst/>
+              <a:rect l="l" t="t" r="r" b="b"/>
+              <a:pathLst>
+                <a:path w="856036" h="779896">
+                  <a:moveTo>
+                    <a:pt x="82544" y="0"/>
+                  </a:moveTo>
+                  <a:cubicBezTo>
+                    <a:pt x="149907" y="110532"/>
+                    <a:pt x="259254" y="192720"/>
+                    <a:pt x="410585" y="246564"/>
+                  </a:cubicBezTo>
+                  <a:cubicBezTo>
+                    <a:pt x="561915" y="300407"/>
+                    <a:pt x="707552" y="331598"/>
+                    <a:pt x="847497" y="340137"/>
+                  </a:cubicBezTo>
+                  <a:lnTo>
+                    <a:pt x="856036" y="340137"/>
+                  </a:lnTo>
+                  <a:lnTo>
+                    <a:pt x="856036" y="439759"/>
+                  </a:lnTo>
+                  <a:lnTo>
+                    <a:pt x="847497" y="439759"/>
+                  </a:lnTo>
+                  <a:cubicBezTo>
+                    <a:pt x="707552" y="448298"/>
+                    <a:pt x="561678" y="478777"/>
+                    <a:pt x="409873" y="531197"/>
+                  </a:cubicBezTo>
+                  <a:cubicBezTo>
+                    <a:pt x="258068" y="583618"/>
+                    <a:pt x="148959" y="666517"/>
+                    <a:pt x="82544" y="779896"/>
+                  </a:cubicBezTo>
+                  <a:lnTo>
+                    <a:pt x="0" y="725104"/>
+                  </a:lnTo>
+                  <a:cubicBezTo>
+                    <a:pt x="61671" y="626906"/>
+                    <a:pt x="144215" y="551596"/>
+                    <a:pt x="247632" y="499176"/>
+                  </a:cubicBezTo>
+                  <a:cubicBezTo>
+                    <a:pt x="351049" y="446756"/>
+                    <a:pt x="487673" y="412244"/>
+                    <a:pt x="657504" y="395641"/>
+                  </a:cubicBezTo>
+                  <a:lnTo>
+                    <a:pt x="657504" y="387813"/>
+                  </a:lnTo>
+                  <a:cubicBezTo>
+                    <a:pt x="487198" y="367414"/>
+                    <a:pt x="350456" y="330649"/>
+                    <a:pt x="247276" y="277518"/>
+                  </a:cubicBezTo>
+                  <a:cubicBezTo>
+                    <a:pt x="144096" y="224386"/>
+                    <a:pt x="61671" y="150144"/>
+                    <a:pt x="0" y="54792"/>
+                  </a:cubicBezTo>
+                  <a:close/>
+                </a:path>
+              </a:pathLst>
+            </a:custGeom>
+            <a:solidFill>
+              <a:schemeClr val="tx2">
+                <a:lumMod val="75000"/>
+                <a:lumOff val="25000"/>
+              </a:schemeClr>
+            </a:solidFill>
+            <a:ln w="50800">
+              <a:solidFill>
+                <a:schemeClr val="tx2">
+                  <a:lumMod val="75000"/>
+                  <a:lumOff val="25000"/>
+                </a:schemeClr>
+              </a:solidFill>
+            </a:ln>
+          </p:spPr>
+          <p:style>
+            <a:lnRef idx="2">
+              <a:schemeClr val="accent1">
+                <a:shade val="15000"/>
+              </a:schemeClr>
+            </a:lnRef>
+            <a:fillRef idx="1">
+              <a:schemeClr val="accent1"/>
+            </a:fillRef>
+            <a:effectRef idx="0">
+              <a:schemeClr val="accent1"/>
+            </a:effectRef>
+            <a:fontRef idx="minor">
+              <a:schemeClr val="lt1"/>
+            </a:fontRef>
+          </p:style>
+          <p:txBody>
+            <a:bodyPr wrap="square" rtlCol="0" anchor="ctr">
+              <a:noAutofit/>
+            </a:bodyPr>
+            <a:lstStyle/>
+            <a:p>
+              <a:pPr algn="ctr"/>
+              <a:endParaRPr lang="en-AU"/>
+            </a:p>
+          </p:txBody>
+        </p:sp>
+        <p:sp>
+          <p:nvSpPr>
+            <p:cNvPr id="85" name="Freeform: Shape 84">
+              <a:extLst>
+                <a:ext uri="{FF2B5EF4-FFF2-40B4-BE49-F238E27FC236}">
+                  <a16:creationId xmlns:a16="http://schemas.microsoft.com/office/drawing/2014/main" id="{79D00B63-21C7-79C5-10D7-3F5DF0C76E79}"/>
+                </a:ext>
+              </a:extLst>
+            </p:cNvPr>
+            <p:cNvSpPr/>
+            <p:nvPr/>
+          </p:nvSpPr>
+          <p:spPr>
+            <a:xfrm>
+              <a:off x="9418272" y="747128"/>
+              <a:ext cx="772781" cy="456860"/>
+            </a:xfrm>
+            <a:custGeom>
+              <a:avLst/>
+              <a:gdLst>
+                <a:gd name="connsiteX0" fmla="*/ 0 w 772781"/>
+                <a:gd name="connsiteY0" fmla="*/ 22 h 456860"/>
+                <a:gd name="connsiteX1" fmla="*/ 458972 w 772781"/>
+                <a:gd name="connsiteY1" fmla="*/ 92173 h 456860"/>
+                <a:gd name="connsiteX2" fmla="*/ 772781 w 772781"/>
+                <a:gd name="connsiteY2" fmla="*/ 397087 h 456860"/>
+                <a:gd name="connsiteX3" fmla="*/ 692372 w 772781"/>
+                <a:gd name="connsiteY3" fmla="*/ 456860 h 456860"/>
+                <a:gd name="connsiteX4" fmla="*/ 426239 w 772781"/>
+                <a:gd name="connsiteY4" fmla="*/ 185034 h 456860"/>
+                <a:gd name="connsiteX5" fmla="*/ 0 w 772781"/>
+                <a:gd name="connsiteY5" fmla="*/ 92528 h 456860"/>
+              </a:gdLst>
+              <a:ahLst/>
+              <a:cxnLst>
+                <a:cxn ang="0">
+                  <a:pos x="connsiteX0" y="connsiteY0"/>
+                </a:cxn>
+                <a:cxn ang="0">
+                  <a:pos x="connsiteX1" y="connsiteY1"/>
+                </a:cxn>
+                <a:cxn ang="0">
+                  <a:pos x="connsiteX2" y="connsiteY2"/>
+                </a:cxn>
+                <a:cxn ang="0">
+                  <a:pos x="connsiteX3" y="connsiteY3"/>
+                </a:cxn>
+                <a:cxn ang="0">
+                  <a:pos x="connsiteX4" y="connsiteY4"/>
+                </a:cxn>
+                <a:cxn ang="0">
+                  <a:pos x="connsiteX5" y="connsiteY5"/>
+                </a:cxn>
+              </a:cxnLst>
+              <a:rect l="l" t="t" r="r" b="b"/>
+              <a:pathLst>
+                <a:path w="772781" h="456860">
+                  <a:moveTo>
+                    <a:pt x="0" y="22"/>
+                  </a:moveTo>
+                  <a:cubicBezTo>
+                    <a:pt x="185487" y="-926"/>
+                    <a:pt x="338477" y="29790"/>
+                    <a:pt x="458972" y="92173"/>
+                  </a:cubicBezTo>
+                  <a:cubicBezTo>
+                    <a:pt x="579467" y="154555"/>
+                    <a:pt x="684070" y="256193"/>
+                    <a:pt x="772781" y="397087"/>
+                  </a:cubicBezTo>
+                  <a:lnTo>
+                    <a:pt x="692372" y="456860"/>
+                  </a:lnTo>
+                  <a:cubicBezTo>
+                    <a:pt x="622162" y="337313"/>
+                    <a:pt x="533451" y="246705"/>
+                    <a:pt x="426239" y="185034"/>
+                  </a:cubicBezTo>
+                  <a:cubicBezTo>
+                    <a:pt x="319027" y="123364"/>
+                    <a:pt x="176948" y="92528"/>
+                    <a:pt x="0" y="92528"/>
+                  </a:cubicBezTo>
+                  <a:close/>
+                </a:path>
+              </a:pathLst>
+            </a:custGeom>
+            <a:solidFill>
+              <a:schemeClr val="bg1"/>
+            </a:solidFill>
+            <a:ln w="50800">
+              <a:solidFill>
+                <a:schemeClr val="bg1"/>
+              </a:solidFill>
+            </a:ln>
+          </p:spPr>
+          <p:style>
+            <a:lnRef idx="2">
+              <a:schemeClr val="accent1">
+                <a:shade val="15000"/>
+              </a:schemeClr>
+            </a:lnRef>
+            <a:fillRef idx="1">
+              <a:schemeClr val="accent1"/>
+            </a:fillRef>
+            <a:effectRef idx="0">
+              <a:schemeClr val="accent1"/>
+            </a:effectRef>
+            <a:fontRef idx="minor">
+              <a:schemeClr val="lt1"/>
+            </a:fontRef>
+          </p:style>
+          <p:txBody>
+            <a:bodyPr wrap="square" rtlCol="0" anchor="ctr">
+              <a:noAutofit/>
+            </a:bodyPr>
+            <a:lstStyle/>
+            <a:p>
+              <a:pPr algn="ctr"/>
+              <a:endParaRPr lang="en-AU"/>
+            </a:p>
+          </p:txBody>
+        </p:sp>
+        <p:sp>
+          <p:nvSpPr>
+            <p:cNvPr id="86" name="Freeform: Shape 85">
+              <a:extLst>
+                <a:ext uri="{FF2B5EF4-FFF2-40B4-BE49-F238E27FC236}">
+                  <a16:creationId xmlns:a16="http://schemas.microsoft.com/office/drawing/2014/main" id="{3D129A30-BC8C-DA03-C2E1-B97C956DE198}"/>
+                </a:ext>
+              </a:extLst>
+            </p:cNvPr>
+            <p:cNvSpPr/>
+            <p:nvPr/>
+          </p:nvSpPr>
+          <p:spPr>
+            <a:xfrm>
+              <a:off x="6045730" y="416458"/>
+              <a:ext cx="3195265" cy="487226"/>
+            </a:xfrm>
+            <a:custGeom>
+              <a:avLst/>
+              <a:gdLst/>
+              <a:ahLst/>
+              <a:cxnLst/>
+              <a:rect l="l" t="t" r="r" b="b"/>
+              <a:pathLst>
+                <a:path w="3195265" h="487226">
+                  <a:moveTo>
+                    <a:pt x="2217241" y="155042"/>
+                  </a:moveTo>
+                  <a:lnTo>
+                    <a:pt x="2167347" y="300708"/>
+                  </a:lnTo>
+                  <a:lnTo>
+                    <a:pt x="2266466" y="300708"/>
+                  </a:lnTo>
+                  <a:close/>
+                  <a:moveTo>
+                    <a:pt x="652872" y="115193"/>
+                  </a:moveTo>
+                  <a:cubicBezTo>
+                    <a:pt x="625566" y="115193"/>
+                    <a:pt x="600835" y="122859"/>
+                    <a:pt x="578676" y="138192"/>
+                  </a:cubicBezTo>
+                  <a:cubicBezTo>
+                    <a:pt x="556517" y="153524"/>
+                    <a:pt x="540738" y="173948"/>
+                    <a:pt x="531337" y="199464"/>
+                  </a:cubicBezTo>
+                  <a:cubicBezTo>
+                    <a:pt x="525966" y="214013"/>
+                    <a:pt x="523280" y="228785"/>
+                    <a:pt x="523280" y="243781"/>
+                  </a:cubicBezTo>
+                  <a:cubicBezTo>
+                    <a:pt x="523280" y="274668"/>
+                    <a:pt x="533575" y="302310"/>
+                    <a:pt x="554166" y="326707"/>
+                  </a:cubicBezTo>
+                  <a:cubicBezTo>
+                    <a:pt x="579681" y="356924"/>
+                    <a:pt x="612583" y="372033"/>
+                    <a:pt x="652872" y="372033"/>
+                  </a:cubicBezTo>
+                  <a:cubicBezTo>
+                    <a:pt x="693160" y="372033"/>
+                    <a:pt x="726174" y="357038"/>
+                    <a:pt x="751913" y="327047"/>
+                  </a:cubicBezTo>
+                  <a:cubicBezTo>
+                    <a:pt x="772503" y="303097"/>
+                    <a:pt x="782799" y="275342"/>
+                    <a:pt x="782799" y="243781"/>
+                  </a:cubicBezTo>
+                  <a:cubicBezTo>
+                    <a:pt x="782799" y="211550"/>
+                    <a:pt x="772503" y="183683"/>
+                    <a:pt x="751913" y="160180"/>
+                  </a:cubicBezTo>
+                  <a:cubicBezTo>
+                    <a:pt x="725500" y="130189"/>
+                    <a:pt x="692487" y="115193"/>
+                    <a:pt x="652872" y="115193"/>
+                  </a:cubicBezTo>
+                  <a:close/>
+                  <a:moveTo>
+                    <a:pt x="1729978" y="109501"/>
+                  </a:moveTo>
+                  <a:lnTo>
+                    <a:pt x="1729978" y="223354"/>
+                  </a:lnTo>
+                  <a:lnTo>
+                    <a:pt x="1769618" y="223354"/>
+                  </a:lnTo>
+                  <a:cubicBezTo>
+                    <a:pt x="1795371" y="223354"/>
+                    <a:pt x="1813063" y="217757"/>
+                    <a:pt x="1822693" y="206564"/>
+                  </a:cubicBezTo>
+                  <a:cubicBezTo>
+                    <a:pt x="1831428" y="196487"/>
+                    <a:pt x="1835795" y="182829"/>
+                    <a:pt x="1835795" y="165590"/>
+                  </a:cubicBezTo>
+                  <a:cubicBezTo>
+                    <a:pt x="1835795" y="148571"/>
+                    <a:pt x="1830812" y="134969"/>
+                    <a:pt x="1820846" y="124781"/>
+                  </a:cubicBezTo>
+                  <a:cubicBezTo>
+                    <a:pt x="1810881" y="114594"/>
+                    <a:pt x="1793916" y="109501"/>
+                    <a:pt x="1769952" y="109501"/>
+                  </a:cubicBezTo>
+                  <a:close/>
+                  <a:moveTo>
+                    <a:pt x="2625328" y="104143"/>
+                  </a:moveTo>
+                  <a:lnTo>
+                    <a:pt x="2625328" y="217996"/>
+                  </a:lnTo>
+                  <a:lnTo>
+                    <a:pt x="2647508" y="217996"/>
+                  </a:lnTo>
+                  <a:cubicBezTo>
+                    <a:pt x="2672601" y="217996"/>
+                    <a:pt x="2690637" y="212766"/>
+                    <a:pt x="2701614" y="202305"/>
+                  </a:cubicBezTo>
+                  <a:cubicBezTo>
+                    <a:pt x="2713488" y="190951"/>
+                    <a:pt x="2719425" y="177150"/>
+                    <a:pt x="2719425" y="160902"/>
+                  </a:cubicBezTo>
+                  <a:cubicBezTo>
+                    <a:pt x="2719425" y="144654"/>
+                    <a:pt x="2713488" y="130965"/>
+                    <a:pt x="2701614" y="119834"/>
+                  </a:cubicBezTo>
+                  <a:cubicBezTo>
+                    <a:pt x="2690410" y="109373"/>
+                    <a:pt x="2672375" y="104143"/>
+                    <a:pt x="2647508" y="104143"/>
+                  </a:cubicBezTo>
+                  <a:close/>
+                  <a:moveTo>
+                    <a:pt x="2935077" y="13730"/>
+                  </a:moveTo>
+                  <a:lnTo>
+                    <a:pt x="3195265" y="13730"/>
+                  </a:lnTo>
+                  <a:lnTo>
+                    <a:pt x="3195265" y="112849"/>
+                  </a:lnTo>
+                  <a:lnTo>
+                    <a:pt x="3053953" y="112849"/>
+                  </a:lnTo>
+                  <a:lnTo>
+                    <a:pt x="3053953" y="190872"/>
+                  </a:lnTo>
+                  <a:lnTo>
+                    <a:pt x="3187564" y="190872"/>
+                  </a:lnTo>
+                  <a:lnTo>
+                    <a:pt x="3187564" y="289992"/>
+                  </a:lnTo>
+                  <a:lnTo>
+                    <a:pt x="3053953" y="289992"/>
+                  </a:lnTo>
+                  <a:lnTo>
+                    <a:pt x="3053953" y="371699"/>
+                  </a:lnTo>
+                  <a:lnTo>
+                    <a:pt x="3195265" y="371699"/>
+                  </a:lnTo>
+                  <a:lnTo>
+                    <a:pt x="3195265" y="470818"/>
+                  </a:lnTo>
+                  <a:lnTo>
+                    <a:pt x="2935077" y="470818"/>
+                  </a:lnTo>
+                  <a:close/>
+                  <a:moveTo>
+                    <a:pt x="2506452" y="13730"/>
+                  </a:moveTo>
+                  <a:lnTo>
+                    <a:pt x="2691296" y="13730"/>
+                  </a:lnTo>
+                  <a:cubicBezTo>
+                    <a:pt x="2745321" y="13730"/>
+                    <a:pt x="2785281" y="29915"/>
+                    <a:pt x="2811177" y="62285"/>
+                  </a:cubicBezTo>
+                  <a:cubicBezTo>
+                    <a:pt x="2832162" y="88404"/>
+                    <a:pt x="2842654" y="119100"/>
+                    <a:pt x="2842654" y="154372"/>
+                  </a:cubicBezTo>
+                  <a:cubicBezTo>
+                    <a:pt x="2842654" y="194779"/>
+                    <a:pt x="2830599" y="227038"/>
+                    <a:pt x="2806489" y="251148"/>
+                  </a:cubicBezTo>
+                  <a:cubicBezTo>
+                    <a:pt x="2791085" y="266551"/>
+                    <a:pt x="2769877" y="277267"/>
+                    <a:pt x="2742865" y="283295"/>
+                  </a:cubicBezTo>
+                  <a:lnTo>
+                    <a:pt x="2886521" y="470818"/>
+                  </a:lnTo>
+                  <a:lnTo>
+                    <a:pt x="2738847" y="470818"/>
+                  </a:lnTo>
+                  <a:lnTo>
+                    <a:pt x="2625328" y="295350"/>
+                  </a:lnTo>
+                  <a:lnTo>
+                    <a:pt x="2625328" y="470818"/>
+                  </a:lnTo>
+                  <a:lnTo>
+                    <a:pt x="2506452" y="470818"/>
+                  </a:lnTo>
+                  <a:close/>
+                  <a:moveTo>
+                    <a:pt x="2153282" y="13730"/>
+                  </a:moveTo>
+                  <a:lnTo>
+                    <a:pt x="2282875" y="13730"/>
+                  </a:lnTo>
+                  <a:lnTo>
+                    <a:pt x="2454994" y="470818"/>
+                  </a:lnTo>
+                  <a:lnTo>
+                    <a:pt x="2328081" y="470818"/>
+                  </a:lnTo>
+                  <a:lnTo>
+                    <a:pt x="2298613" y="391121"/>
+                  </a:lnTo>
+                  <a:lnTo>
+                    <a:pt x="2134530" y="391121"/>
+                  </a:lnTo>
+                  <a:lnTo>
+                    <a:pt x="2103053" y="470818"/>
+                  </a:lnTo>
+                  <a:lnTo>
+                    <a:pt x="1977479" y="470818"/>
+                  </a:lnTo>
+                  <a:close/>
+                  <a:moveTo>
+                    <a:pt x="1611102" y="13730"/>
+                  </a:moveTo>
+                  <a:lnTo>
+                    <a:pt x="1800299" y="13730"/>
+                  </a:lnTo>
+                  <a:cubicBezTo>
+                    <a:pt x="1854101" y="13730"/>
+                    <a:pt x="1894954" y="29451"/>
+                    <a:pt x="1922859" y="60893"/>
+                  </a:cubicBezTo>
+                  <a:cubicBezTo>
+                    <a:pt x="1946970" y="87877"/>
+                    <a:pt x="1959025" y="122330"/>
+                    <a:pt x="1959025" y="164251"/>
+                  </a:cubicBezTo>
+                  <a:cubicBezTo>
+                    <a:pt x="1959025" y="205505"/>
+                    <a:pt x="1949314" y="239625"/>
+                    <a:pt x="1929891" y="266609"/>
+                  </a:cubicBezTo>
+                  <a:cubicBezTo>
+                    <a:pt x="1904665" y="301620"/>
+                    <a:pt x="1862807" y="319125"/>
+                    <a:pt x="1804318" y="319125"/>
+                  </a:cubicBezTo>
+                  <a:lnTo>
+                    <a:pt x="1729978" y="319125"/>
+                  </a:lnTo>
+                  <a:lnTo>
+                    <a:pt x="1729978" y="470818"/>
+                  </a:lnTo>
+                  <a:lnTo>
+                    <a:pt x="1611102" y="470818"/>
+                  </a:lnTo>
+                  <a:close/>
+                  <a:moveTo>
+                    <a:pt x="1039713" y="13730"/>
+                  </a:moveTo>
+                  <a:lnTo>
+                    <a:pt x="1157250" y="13730"/>
+                  </a:lnTo>
+                  <a:lnTo>
+                    <a:pt x="1249683" y="257510"/>
+                  </a:lnTo>
+                  <a:lnTo>
+                    <a:pt x="1347453" y="13730"/>
+                  </a:lnTo>
+                  <a:lnTo>
+                    <a:pt x="1465994" y="13730"/>
+                  </a:lnTo>
+                  <a:lnTo>
+                    <a:pt x="1534976" y="470818"/>
+                  </a:lnTo>
+                  <a:lnTo>
+                    <a:pt x="1416100" y="470818"/>
+                  </a:lnTo>
+                  <a:lnTo>
+                    <a:pt x="1382310" y="207616"/>
+                  </a:lnTo>
+                  <a:lnTo>
+                    <a:pt x="1271915" y="470818"/>
+                  </a:lnTo>
+                  <a:lnTo>
+                    <a:pt x="1224746" y="470818"/>
+                  </a:lnTo>
+                  <a:lnTo>
+                    <a:pt x="1119374" y="207616"/>
+                  </a:lnTo>
+                  <a:lnTo>
+                    <a:pt x="1080567" y="470818"/>
+                  </a:lnTo>
+                  <a:lnTo>
+                    <a:pt x="962025" y="470818"/>
+                  </a:lnTo>
+                  <a:close/>
+                  <a:moveTo>
+                    <a:pt x="242776" y="4019"/>
+                  </a:moveTo>
+                  <a:cubicBezTo>
+                    <a:pt x="274476" y="4019"/>
+                    <a:pt x="310083" y="11721"/>
+                    <a:pt x="349597" y="27124"/>
+                  </a:cubicBezTo>
+                  <a:lnTo>
+                    <a:pt x="349597" y="169441"/>
+                  </a:lnTo>
+                  <a:cubicBezTo>
+                    <a:pt x="338418" y="155733"/>
+                    <a:pt x="327015" y="145394"/>
+                    <a:pt x="315389" y="138424"/>
+                  </a:cubicBezTo>
+                  <a:cubicBezTo>
+                    <a:pt x="294149" y="125616"/>
+                    <a:pt x="271346" y="119212"/>
+                    <a:pt x="246977" y="119212"/>
+                  </a:cubicBezTo>
+                  <a:cubicBezTo>
+                    <a:pt x="216125" y="119212"/>
+                    <a:pt x="189295" y="128501"/>
+                    <a:pt x="166490" y="147079"/>
+                  </a:cubicBezTo>
+                  <a:cubicBezTo>
+                    <a:pt x="137650" y="170582"/>
+                    <a:pt x="123230" y="202816"/>
+                    <a:pt x="123230" y="243781"/>
+                  </a:cubicBezTo>
+                  <a:cubicBezTo>
+                    <a:pt x="123230" y="284522"/>
+                    <a:pt x="137650" y="316645"/>
+                    <a:pt x="166490" y="340148"/>
+                  </a:cubicBezTo>
+                  <a:cubicBezTo>
+                    <a:pt x="189295" y="358726"/>
+                    <a:pt x="216125" y="368015"/>
+                    <a:pt x="246977" y="368015"/>
+                  </a:cubicBezTo>
+                  <a:cubicBezTo>
+                    <a:pt x="271346" y="368015"/>
+                    <a:pt x="294149" y="361611"/>
+                    <a:pt x="315389" y="348802"/>
+                  </a:cubicBezTo>
+                  <a:cubicBezTo>
+                    <a:pt x="326792" y="342060"/>
+                    <a:pt x="338194" y="331721"/>
+                    <a:pt x="349597" y="317786"/>
+                  </a:cubicBezTo>
+                  <a:lnTo>
+                    <a:pt x="349597" y="460102"/>
+                  </a:lnTo>
+                  <a:cubicBezTo>
+                    <a:pt x="310753" y="475506"/>
+                    <a:pt x="274811" y="483208"/>
+                    <a:pt x="241771" y="483208"/>
+                  </a:cubicBezTo>
+                  <a:cubicBezTo>
+                    <a:pt x="184175" y="483208"/>
+                    <a:pt x="132606" y="464791"/>
+                    <a:pt x="87064" y="427956"/>
+                  </a:cubicBezTo>
+                  <a:cubicBezTo>
+                    <a:pt x="29021" y="380851"/>
+                    <a:pt x="0" y="319460"/>
+                    <a:pt x="0" y="243781"/>
+                  </a:cubicBezTo>
+                  <a:cubicBezTo>
+                    <a:pt x="0" y="167878"/>
+                    <a:pt x="29021" y="106375"/>
+                    <a:pt x="87064" y="59271"/>
+                  </a:cubicBezTo>
+                  <a:cubicBezTo>
+                    <a:pt x="132606" y="22436"/>
+                    <a:pt x="184510" y="4019"/>
+                    <a:pt x="242776" y="4019"/>
+                  </a:cubicBezTo>
+                  <a:close/>
+                  <a:moveTo>
+                    <a:pt x="652872" y="0"/>
+                  </a:moveTo>
+                  <a:cubicBezTo>
+                    <a:pt x="733239" y="0"/>
+                    <a:pt x="796974" y="26678"/>
+                    <a:pt x="844079" y="80033"/>
+                  </a:cubicBezTo>
+                  <a:cubicBezTo>
+                    <a:pt x="885378" y="126913"/>
+                    <a:pt x="906028" y="181496"/>
+                    <a:pt x="906028" y="243781"/>
+                  </a:cubicBezTo>
+                  <a:cubicBezTo>
+                    <a:pt x="906028" y="305842"/>
+                    <a:pt x="885378" y="360313"/>
+                    <a:pt x="844079" y="407194"/>
+                  </a:cubicBezTo>
+                  <a:cubicBezTo>
+                    <a:pt x="796974" y="460549"/>
+                    <a:pt x="733239" y="487226"/>
+                    <a:pt x="652872" y="487226"/>
+                  </a:cubicBezTo>
+                  <a:cubicBezTo>
+                    <a:pt x="572728" y="487226"/>
+                    <a:pt x="509104" y="460549"/>
+                    <a:pt x="462000" y="407194"/>
+                  </a:cubicBezTo>
+                  <a:cubicBezTo>
+                    <a:pt x="420700" y="360313"/>
+                    <a:pt x="400050" y="305842"/>
+                    <a:pt x="400050" y="243781"/>
+                  </a:cubicBezTo>
+                  <a:cubicBezTo>
+                    <a:pt x="400050" y="215429"/>
+                    <a:pt x="405631" y="186352"/>
+                    <a:pt x="416793" y="156549"/>
+                  </a:cubicBezTo>
+                  <a:cubicBezTo>
+                    <a:pt x="427955" y="126746"/>
+                    <a:pt x="442912" y="101241"/>
+                    <a:pt x="461665" y="80033"/>
+                  </a:cubicBezTo>
+                  <a:cubicBezTo>
+                    <a:pt x="508769" y="26678"/>
+                    <a:pt x="572505" y="0"/>
+                    <a:pt x="652872" y="0"/>
+                  </a:cubicBezTo>
+                  <a:close/>
+                </a:path>
+              </a:pathLst>
+            </a:custGeom>
+            <a:solidFill>
+              <a:schemeClr val="tx1"/>
+            </a:solidFill>
+            <a:ln>
+              <a:solidFill>
+                <a:schemeClr val="tx1"/>
+              </a:solidFill>
+            </a:ln>
+          </p:spPr>
+          <p:style>
+            <a:lnRef idx="2">
+              <a:schemeClr val="accent1">
+                <a:shade val="15000"/>
+              </a:schemeClr>
+            </a:lnRef>
+            <a:fillRef idx="1">
+              <a:schemeClr val="accent1"/>
+            </a:fillRef>
+            <a:effectRef idx="0">
+              <a:schemeClr val="accent1"/>
+            </a:effectRef>
+            <a:fontRef idx="minor">
+              <a:schemeClr val="lt1"/>
+            </a:fontRef>
+          </p:style>
+          <p:txBody>
+            <a:bodyPr wrap="square" rtlCol="0" anchor="ctr">
+              <a:noAutofit/>
+            </a:bodyPr>
+            <a:lstStyle/>
+            <a:p>
+              <a:pPr algn="ctr"/>
+              <a:endParaRPr lang="en-AU"/>
+            </a:p>
+          </p:txBody>
+        </p:sp>
+      </p:grpSp>
+      <p:sp>
+        <p:nvSpPr>
+          <p:cNvPr id="87" name="Freeform: Shape 86">
+            <a:extLst>
+              <a:ext uri="{FF2B5EF4-FFF2-40B4-BE49-F238E27FC236}">
+                <a16:creationId xmlns:a16="http://schemas.microsoft.com/office/drawing/2014/main" id="{C463DE1E-8BA5-8CEF-7B32-EA1FA342D9DE}"/>
+              </a:ext>
+            </a:extLst>
+          </p:cNvPr>
+          <p:cNvSpPr/>
+          <p:nvPr/>
+        </p:nvSpPr>
+        <p:spPr>
+          <a:xfrm>
+            <a:off x="9721275" y="2846876"/>
+            <a:ext cx="1831516" cy="480529"/>
+          </a:xfrm>
+          <a:custGeom>
+            <a:avLst/>
+            <a:gdLst/>
+            <a:ahLst/>
+            <a:cxnLst/>
+            <a:rect l="l" t="t" r="r" b="b"/>
+            <a:pathLst>
+              <a:path w="1831516" h="480529">
+                <a:moveTo>
+                  <a:pt x="962286" y="11051"/>
+                </a:moveTo>
+                <a:lnTo>
+                  <a:pt x="1081162" y="11051"/>
+                </a:lnTo>
+                <a:lnTo>
+                  <a:pt x="1299828" y="290662"/>
+                </a:lnTo>
+                <a:lnTo>
+                  <a:pt x="1299828" y="11051"/>
+                </a:lnTo>
+                <a:lnTo>
+                  <a:pt x="1418704" y="11051"/>
+                </a:lnTo>
+                <a:lnTo>
+                  <a:pt x="1418704" y="468139"/>
+                </a:lnTo>
+                <a:lnTo>
+                  <a:pt x="1299828" y="468139"/>
+                </a:lnTo>
+                <a:lnTo>
+                  <a:pt x="1081162" y="188193"/>
+                </a:lnTo>
+                <a:lnTo>
+                  <a:pt x="1081162" y="468139"/>
+                </a:lnTo>
+                <a:lnTo>
+                  <a:pt x="962286" y="468139"/>
+                </a:lnTo>
+                <a:close/>
+                <a:moveTo>
+                  <a:pt x="743211" y="11051"/>
+                </a:moveTo>
+                <a:lnTo>
+                  <a:pt x="862087" y="11051"/>
+                </a:lnTo>
+                <a:lnTo>
+                  <a:pt x="862087" y="468139"/>
+                </a:lnTo>
+                <a:lnTo>
+                  <a:pt x="743211" y="468139"/>
+                </a:lnTo>
+                <a:close/>
+                <a:moveTo>
+                  <a:pt x="0" y="11051"/>
+                </a:moveTo>
+                <a:lnTo>
+                  <a:pt x="124234" y="11051"/>
+                </a:lnTo>
+                <a:lnTo>
+                  <a:pt x="203597" y="306400"/>
+                </a:lnTo>
+                <a:lnTo>
+                  <a:pt x="300372" y="11051"/>
+                </a:lnTo>
+                <a:lnTo>
+                  <a:pt x="394804" y="11051"/>
+                </a:lnTo>
+                <a:lnTo>
+                  <a:pt x="484882" y="306400"/>
+                </a:lnTo>
+                <a:lnTo>
+                  <a:pt x="571277" y="11051"/>
+                </a:lnTo>
+                <a:lnTo>
+                  <a:pt x="695176" y="11051"/>
+                </a:lnTo>
+                <a:lnTo>
+                  <a:pt x="549176" y="468139"/>
+                </a:lnTo>
+                <a:lnTo>
+                  <a:pt x="427955" y="468139"/>
+                </a:lnTo>
+                <a:lnTo>
+                  <a:pt x="344575" y="203262"/>
+                </a:lnTo>
+                <a:lnTo>
+                  <a:pt x="257175" y="468139"/>
+                </a:lnTo>
+                <a:lnTo>
+                  <a:pt x="136290" y="468139"/>
+                </a:lnTo>
+                <a:close/>
+                <a:moveTo>
+                  <a:pt x="1668103" y="0"/>
+                </a:moveTo>
+                <a:cubicBezTo>
+                  <a:pt x="1717440" y="0"/>
+                  <a:pt x="1765772" y="12390"/>
+                  <a:pt x="1813099" y="37170"/>
+                </a:cubicBezTo>
+                <a:lnTo>
+                  <a:pt x="1765548" y="129592"/>
+                </a:lnTo>
+                <a:cubicBezTo>
+                  <a:pt x="1739586" y="109277"/>
+                  <a:pt x="1713399" y="99120"/>
+                  <a:pt x="1686986" y="99120"/>
+                </a:cubicBezTo>
+                <a:cubicBezTo>
+                  <a:pt x="1674230" y="99120"/>
+                  <a:pt x="1662815" y="102369"/>
+                  <a:pt x="1652741" y="108867"/>
+                </a:cubicBezTo>
+                <a:cubicBezTo>
+                  <a:pt x="1641328" y="116262"/>
+                  <a:pt x="1635621" y="126122"/>
+                  <a:pt x="1635621" y="138445"/>
+                </a:cubicBezTo>
+                <a:cubicBezTo>
+                  <a:pt x="1635621" y="150542"/>
+                  <a:pt x="1643112" y="160960"/>
+                  <a:pt x="1658094" y="169697"/>
+                </a:cubicBezTo>
+                <a:cubicBezTo>
+                  <a:pt x="1664805" y="173733"/>
+                  <a:pt x="1684932" y="180680"/>
+                  <a:pt x="1718474" y="190537"/>
+                </a:cubicBezTo>
+                <a:cubicBezTo>
+                  <a:pt x="1760517" y="202830"/>
+                  <a:pt x="1790482" y="220264"/>
+                  <a:pt x="1808369" y="242839"/>
+                </a:cubicBezTo>
+                <a:cubicBezTo>
+                  <a:pt x="1823801" y="262059"/>
+                  <a:pt x="1831516" y="286755"/>
+                  <a:pt x="1831516" y="316927"/>
+                </a:cubicBezTo>
+                <a:cubicBezTo>
+                  <a:pt x="1831516" y="394256"/>
+                  <a:pt x="1797584" y="444655"/>
+                  <a:pt x="1729718" y="468123"/>
+                </a:cubicBezTo>
+                <a:cubicBezTo>
+                  <a:pt x="1706054" y="476394"/>
+                  <a:pt x="1680605" y="480529"/>
+                  <a:pt x="1653369" y="480529"/>
+                </a:cubicBezTo>
+                <a:cubicBezTo>
+                  <a:pt x="1596219" y="480529"/>
+                  <a:pt x="1543199" y="463228"/>
+                  <a:pt x="1494309" y="428625"/>
+                </a:cubicBezTo>
+                <a:lnTo>
+                  <a:pt x="1545208" y="332854"/>
+                </a:lnTo>
+                <a:cubicBezTo>
+                  <a:pt x="1581000" y="365225"/>
+                  <a:pt x="1616009" y="381410"/>
+                  <a:pt x="1650235" y="381410"/>
+                </a:cubicBezTo>
+                <a:cubicBezTo>
+                  <a:pt x="1665670" y="381410"/>
+                  <a:pt x="1678758" y="377801"/>
+                  <a:pt x="1689498" y="370584"/>
+                </a:cubicBezTo>
+                <a:cubicBezTo>
+                  <a:pt x="1702024" y="362467"/>
+                  <a:pt x="1708287" y="350967"/>
+                  <a:pt x="1708287" y="336083"/>
+                </a:cubicBezTo>
+                <a:cubicBezTo>
+                  <a:pt x="1708287" y="322552"/>
+                  <a:pt x="1701354" y="311277"/>
+                  <a:pt x="1687489" y="302256"/>
+                </a:cubicBezTo>
+                <a:cubicBezTo>
+                  <a:pt x="1677202" y="295489"/>
+                  <a:pt x="1659871" y="288611"/>
+                  <a:pt x="1635496" y="281620"/>
+                </a:cubicBezTo>
+                <a:cubicBezTo>
+                  <a:pt x="1605979" y="272924"/>
+                  <a:pt x="1587418" y="266904"/>
+                  <a:pt x="1579814" y="263559"/>
+                </a:cubicBezTo>
+                <a:cubicBezTo>
+                  <a:pt x="1567738" y="258431"/>
+                  <a:pt x="1557452" y="252410"/>
+                  <a:pt x="1548955" y="245497"/>
+                </a:cubicBezTo>
+                <a:cubicBezTo>
+                  <a:pt x="1524579" y="225430"/>
+                  <a:pt x="1512392" y="195105"/>
+                  <a:pt x="1512392" y="154524"/>
+                </a:cubicBezTo>
+                <a:cubicBezTo>
+                  <a:pt x="1512392" y="112157"/>
+                  <a:pt x="1525005" y="77038"/>
+                  <a:pt x="1550231" y="49168"/>
+                </a:cubicBezTo>
+                <a:cubicBezTo>
+                  <a:pt x="1579699" y="16389"/>
+                  <a:pt x="1618990" y="0"/>
+                  <a:pt x="1668103" y="0"/>
+                </a:cubicBezTo>
+                <a:close/>
+              </a:path>
+            </a:pathLst>
+          </a:custGeom>
+          <a:solidFill>
+            <a:schemeClr val="tx1"/>
+          </a:solidFill>
+          <a:ln>
+            <a:solidFill>
+              <a:schemeClr val="tx1"/>
+            </a:solidFill>
+          </a:ln>
+        </p:spPr>
+        <p:style>
+          <a:lnRef idx="2">
+            <a:schemeClr val="accent1">
+              <a:shade val="15000"/>
+            </a:schemeClr>
+          </a:lnRef>
+          <a:fillRef idx="1">
+            <a:schemeClr val="accent1"/>
+          </a:fillRef>
+          <a:effectRef idx="0">
+            <a:schemeClr val="accent1"/>
+          </a:effectRef>
+          <a:fontRef idx="minor">
+            <a:schemeClr val="lt1"/>
+          </a:fontRef>
+        </p:style>
+        <p:txBody>
+          <a:bodyPr wrap="square" rtlCol="0" anchor="ctr">
+            <a:noAutofit/>
+          </a:bodyPr>
+          <a:lstStyle/>
+          <a:p>
+            <a:pPr algn="ctr"/>
+            <a:endParaRPr lang="en-AU"/>
+          </a:p>
+        </p:txBody>
+      </p:sp>
+      <p:sp>
+        <p:nvSpPr>
+          <p:cNvPr id="88" name="Freeform: Shape 87">
+            <a:extLst>
+              <a:ext uri="{FF2B5EF4-FFF2-40B4-BE49-F238E27FC236}">
+                <a16:creationId xmlns:a16="http://schemas.microsoft.com/office/drawing/2014/main" id="{CC9BF9F5-0899-ACD9-6DCE-5C9075DDDCF6}"/>
+              </a:ext>
+            </a:extLst>
+          </p:cNvPr>
+          <p:cNvSpPr/>
+          <p:nvPr/>
+        </p:nvSpPr>
+        <p:spPr>
+          <a:xfrm>
+            <a:off x="10051698" y="5284375"/>
+            <a:ext cx="1831516" cy="480529"/>
+          </a:xfrm>
+          <a:custGeom>
+            <a:avLst/>
+            <a:gdLst/>
+            <a:ahLst/>
+            <a:cxnLst/>
+            <a:rect l="l" t="t" r="r" b="b"/>
+            <a:pathLst>
+              <a:path w="1831516" h="480529">
+                <a:moveTo>
+                  <a:pt x="962286" y="11051"/>
+                </a:moveTo>
+                <a:lnTo>
+                  <a:pt x="1081162" y="11051"/>
+                </a:lnTo>
+                <a:lnTo>
+                  <a:pt x="1299828" y="290662"/>
+                </a:lnTo>
+                <a:lnTo>
+                  <a:pt x="1299828" y="11051"/>
+                </a:lnTo>
+                <a:lnTo>
+                  <a:pt x="1418704" y="11051"/>
+                </a:lnTo>
+                <a:lnTo>
+                  <a:pt x="1418704" y="468139"/>
+                </a:lnTo>
+                <a:lnTo>
+                  <a:pt x="1299828" y="468139"/>
+                </a:lnTo>
+                <a:lnTo>
+                  <a:pt x="1081162" y="188193"/>
+                </a:lnTo>
+                <a:lnTo>
+                  <a:pt x="1081162" y="468139"/>
+                </a:lnTo>
+                <a:lnTo>
+                  <a:pt x="962286" y="468139"/>
+                </a:lnTo>
+                <a:close/>
+                <a:moveTo>
+                  <a:pt x="743211" y="11051"/>
+                </a:moveTo>
+                <a:lnTo>
+                  <a:pt x="862087" y="11051"/>
+                </a:lnTo>
+                <a:lnTo>
+                  <a:pt x="862087" y="468139"/>
+                </a:lnTo>
+                <a:lnTo>
+                  <a:pt x="743211" y="468139"/>
+                </a:lnTo>
+                <a:close/>
+                <a:moveTo>
+                  <a:pt x="0" y="11051"/>
+                </a:moveTo>
+                <a:lnTo>
+                  <a:pt x="124234" y="11051"/>
+                </a:lnTo>
+                <a:lnTo>
+                  <a:pt x="203597" y="306400"/>
+                </a:lnTo>
+                <a:lnTo>
+                  <a:pt x="300372" y="11051"/>
+                </a:lnTo>
+                <a:lnTo>
+                  <a:pt x="394804" y="11051"/>
+                </a:lnTo>
+                <a:lnTo>
+                  <a:pt x="484882" y="306400"/>
+                </a:lnTo>
+                <a:lnTo>
+                  <a:pt x="571277" y="11051"/>
+                </a:lnTo>
+                <a:lnTo>
+                  <a:pt x="695176" y="11051"/>
+                </a:lnTo>
+                <a:lnTo>
+                  <a:pt x="549176" y="468139"/>
+                </a:lnTo>
+                <a:lnTo>
+                  <a:pt x="427955" y="468139"/>
+                </a:lnTo>
+                <a:lnTo>
+                  <a:pt x="344575" y="203262"/>
+                </a:lnTo>
+                <a:lnTo>
+                  <a:pt x="257175" y="468139"/>
+                </a:lnTo>
+                <a:lnTo>
+                  <a:pt x="136290" y="468139"/>
+                </a:lnTo>
+                <a:close/>
+                <a:moveTo>
+                  <a:pt x="1668103" y="0"/>
+                </a:moveTo>
+                <a:cubicBezTo>
+                  <a:pt x="1717440" y="0"/>
+                  <a:pt x="1765772" y="12390"/>
+                  <a:pt x="1813099" y="37170"/>
+                </a:cubicBezTo>
+                <a:lnTo>
+                  <a:pt x="1765548" y="129592"/>
+                </a:lnTo>
+                <a:cubicBezTo>
+                  <a:pt x="1739586" y="109277"/>
+                  <a:pt x="1713399" y="99120"/>
+                  <a:pt x="1686986" y="99120"/>
+                </a:cubicBezTo>
+                <a:cubicBezTo>
+                  <a:pt x="1674230" y="99120"/>
+                  <a:pt x="1662815" y="102369"/>
+                  <a:pt x="1652741" y="108867"/>
+                </a:cubicBezTo>
+                <a:cubicBezTo>
+                  <a:pt x="1641328" y="116262"/>
+                  <a:pt x="1635621" y="126122"/>
+                  <a:pt x="1635621" y="138445"/>
+                </a:cubicBezTo>
+                <a:cubicBezTo>
+                  <a:pt x="1635621" y="150542"/>
+                  <a:pt x="1643112" y="160960"/>
+                  <a:pt x="1658094" y="169697"/>
+                </a:cubicBezTo>
+                <a:cubicBezTo>
+                  <a:pt x="1664805" y="173733"/>
+                  <a:pt x="1684932" y="180680"/>
+                  <a:pt x="1718474" y="190537"/>
+                </a:cubicBezTo>
+                <a:cubicBezTo>
+                  <a:pt x="1760517" y="202830"/>
+                  <a:pt x="1790482" y="220264"/>
+                  <a:pt x="1808369" y="242839"/>
+                </a:cubicBezTo>
+                <a:cubicBezTo>
+                  <a:pt x="1823801" y="262059"/>
+                  <a:pt x="1831516" y="286755"/>
+                  <a:pt x="1831516" y="316927"/>
+                </a:cubicBezTo>
+                <a:cubicBezTo>
+                  <a:pt x="1831516" y="394256"/>
+                  <a:pt x="1797584" y="444655"/>
+                  <a:pt x="1729718" y="468123"/>
+                </a:cubicBezTo>
+                <a:cubicBezTo>
+                  <a:pt x="1706054" y="476394"/>
+                  <a:pt x="1680605" y="480529"/>
+                  <a:pt x="1653369" y="480529"/>
+                </a:cubicBezTo>
+                <a:cubicBezTo>
+                  <a:pt x="1596219" y="480529"/>
+                  <a:pt x="1543199" y="463228"/>
+                  <a:pt x="1494309" y="428625"/>
+                </a:cubicBezTo>
+                <a:lnTo>
+                  <a:pt x="1545208" y="332854"/>
+                </a:lnTo>
+                <a:cubicBezTo>
+                  <a:pt x="1581000" y="365225"/>
+                  <a:pt x="1616009" y="381410"/>
+                  <a:pt x="1650235" y="381410"/>
+                </a:cubicBezTo>
+                <a:cubicBezTo>
+                  <a:pt x="1665670" y="381410"/>
+                  <a:pt x="1678758" y="377801"/>
+                  <a:pt x="1689498" y="370584"/>
+                </a:cubicBezTo>
+                <a:cubicBezTo>
+                  <a:pt x="1702024" y="362467"/>
+                  <a:pt x="1708287" y="350967"/>
+                  <a:pt x="1708287" y="336083"/>
+                </a:cubicBezTo>
+                <a:cubicBezTo>
+                  <a:pt x="1708287" y="322552"/>
+                  <a:pt x="1701354" y="311277"/>
+                  <a:pt x="1687489" y="302256"/>
+                </a:cubicBezTo>
+                <a:cubicBezTo>
+                  <a:pt x="1677202" y="295489"/>
+                  <a:pt x="1659871" y="288611"/>
+                  <a:pt x="1635496" y="281620"/>
+                </a:cubicBezTo>
+                <a:cubicBezTo>
+                  <a:pt x="1605979" y="272924"/>
+                  <a:pt x="1587418" y="266904"/>
+                  <a:pt x="1579814" y="263559"/>
+                </a:cubicBezTo>
+                <a:cubicBezTo>
+                  <a:pt x="1567738" y="258431"/>
+                  <a:pt x="1557452" y="252410"/>
+                  <a:pt x="1548955" y="245497"/>
+                </a:cubicBezTo>
+                <a:cubicBezTo>
+                  <a:pt x="1524579" y="225430"/>
+                  <a:pt x="1512392" y="195105"/>
+                  <a:pt x="1512392" y="154524"/>
+                </a:cubicBezTo>
+                <a:cubicBezTo>
+                  <a:pt x="1512392" y="112157"/>
+                  <a:pt x="1525005" y="77038"/>
+                  <a:pt x="1550231" y="49168"/>
+                </a:cubicBezTo>
+                <a:cubicBezTo>
+                  <a:pt x="1579699" y="16389"/>
+                  <a:pt x="1618990" y="0"/>
+                  <a:pt x="1668103" y="0"/>
+                </a:cubicBezTo>
+                <a:close/>
+              </a:path>
+            </a:pathLst>
+          </a:custGeom>
+          <a:solidFill>
+            <a:schemeClr val="bg1"/>
+          </a:solidFill>
+          <a:ln>
+            <a:solidFill>
+              <a:schemeClr val="tx1"/>
+            </a:solidFill>
+          </a:ln>
+        </p:spPr>
+        <p:style>
+          <a:lnRef idx="2">
+            <a:schemeClr val="accent1">
+              <a:shade val="15000"/>
+            </a:schemeClr>
+          </a:lnRef>
+          <a:fillRef idx="1">
+            <a:schemeClr val="accent1"/>
+          </a:fillRef>
+          <a:effectRef idx="0">
+            <a:schemeClr val="accent1"/>
+          </a:effectRef>
+          <a:fontRef idx="minor">
+            <a:schemeClr val="lt1"/>
+          </a:fontRef>
+        </p:style>
+        <p:txBody>
+          <a:bodyPr wrap="square" rtlCol="0" anchor="ctr">
+            <a:noAutofit/>
+          </a:bodyPr>
+          <a:lstStyle/>
+          <a:p>
+            <a:pPr algn="ctr"/>
+            <a:endParaRPr lang="en-AU"/>
+          </a:p>
+        </p:txBody>
+      </p:sp>
+      <p:sp>
+        <p:nvSpPr>
+          <p:cNvPr id="89" name="Freeform: Shape 88">
+            <a:extLst>
+              <a:ext uri="{FF2B5EF4-FFF2-40B4-BE49-F238E27FC236}">
+                <a16:creationId xmlns:a16="http://schemas.microsoft.com/office/drawing/2014/main" id="{961F2137-750A-14C3-336D-C63BD56D221C}"/>
+              </a:ext>
+            </a:extLst>
+          </p:cNvPr>
+          <p:cNvSpPr/>
+          <p:nvPr/>
+        </p:nvSpPr>
+        <p:spPr>
+          <a:xfrm>
+            <a:off x="6008879" y="4391484"/>
+            <a:ext cx="3195265" cy="487226"/>
+          </a:xfrm>
+          <a:custGeom>
+            <a:avLst/>
+            <a:gdLst/>
+            <a:ahLst/>
+            <a:cxnLst/>
+            <a:rect l="l" t="t" r="r" b="b"/>
+            <a:pathLst>
+              <a:path w="3195265" h="487226">
+                <a:moveTo>
+                  <a:pt x="2217241" y="155042"/>
+                </a:moveTo>
+                <a:lnTo>
+                  <a:pt x="2167347" y="300708"/>
+                </a:lnTo>
+                <a:lnTo>
+                  <a:pt x="2266466" y="300708"/>
+                </a:lnTo>
+                <a:close/>
+                <a:moveTo>
+                  <a:pt x="652872" y="115193"/>
+                </a:moveTo>
+                <a:cubicBezTo>
+                  <a:pt x="625566" y="115193"/>
+                  <a:pt x="600835" y="122859"/>
+                  <a:pt x="578676" y="138192"/>
+                </a:cubicBezTo>
+                <a:cubicBezTo>
+                  <a:pt x="556517" y="153524"/>
+                  <a:pt x="540738" y="173948"/>
+                  <a:pt x="531337" y="199464"/>
+                </a:cubicBezTo>
+                <a:cubicBezTo>
+                  <a:pt x="525966" y="214013"/>
+                  <a:pt x="523280" y="228785"/>
+                  <a:pt x="523280" y="243781"/>
+                </a:cubicBezTo>
+                <a:cubicBezTo>
+                  <a:pt x="523280" y="274668"/>
+                  <a:pt x="533575" y="302310"/>
+                  <a:pt x="554166" y="326707"/>
+                </a:cubicBezTo>
+                <a:cubicBezTo>
+                  <a:pt x="579681" y="356924"/>
+                  <a:pt x="612583" y="372033"/>
+                  <a:pt x="652872" y="372033"/>
+                </a:cubicBezTo>
+                <a:cubicBezTo>
+                  <a:pt x="693160" y="372033"/>
+                  <a:pt x="726174" y="357038"/>
+                  <a:pt x="751913" y="327047"/>
+                </a:cubicBezTo>
+                <a:cubicBezTo>
+                  <a:pt x="772503" y="303097"/>
+                  <a:pt x="782799" y="275342"/>
+                  <a:pt x="782799" y="243781"/>
+                </a:cubicBezTo>
+                <a:cubicBezTo>
+                  <a:pt x="782799" y="211550"/>
+                  <a:pt x="772503" y="183683"/>
+                  <a:pt x="751913" y="160180"/>
+                </a:cubicBezTo>
+                <a:cubicBezTo>
+                  <a:pt x="725500" y="130189"/>
+                  <a:pt x="692487" y="115193"/>
+                  <a:pt x="652872" y="115193"/>
+                </a:cubicBezTo>
+                <a:close/>
+                <a:moveTo>
+                  <a:pt x="1729978" y="109501"/>
+                </a:moveTo>
+                <a:lnTo>
+                  <a:pt x="1729978" y="223354"/>
+                </a:lnTo>
+                <a:lnTo>
+                  <a:pt x="1769618" y="223354"/>
+                </a:lnTo>
+                <a:cubicBezTo>
+                  <a:pt x="1795371" y="223354"/>
+                  <a:pt x="1813063" y="217757"/>
+                  <a:pt x="1822693" y="206564"/>
+                </a:cubicBezTo>
+                <a:cubicBezTo>
+                  <a:pt x="1831428" y="196487"/>
+                  <a:pt x="1835795" y="182829"/>
+                  <a:pt x="1835795" y="165590"/>
+                </a:cubicBezTo>
+                <a:cubicBezTo>
+                  <a:pt x="1835795" y="148571"/>
+                  <a:pt x="1830812" y="134969"/>
+                  <a:pt x="1820846" y="124781"/>
+                </a:cubicBezTo>
+                <a:cubicBezTo>
+                  <a:pt x="1810881" y="114594"/>
+                  <a:pt x="1793916" y="109501"/>
+                  <a:pt x="1769952" y="109501"/>
+                </a:cubicBezTo>
+                <a:close/>
+                <a:moveTo>
+                  <a:pt x="2625328" y="104143"/>
+                </a:moveTo>
+                <a:lnTo>
+                  <a:pt x="2625328" y="217996"/>
+                </a:lnTo>
+                <a:lnTo>
+                  <a:pt x="2647508" y="217996"/>
+                </a:lnTo>
+                <a:cubicBezTo>
+                  <a:pt x="2672601" y="217996"/>
+                  <a:pt x="2690637" y="212766"/>
+                  <a:pt x="2701614" y="202305"/>
+                </a:cubicBezTo>
+                <a:cubicBezTo>
+                  <a:pt x="2713488" y="190951"/>
+                  <a:pt x="2719425" y="177150"/>
+                  <a:pt x="2719425" y="160902"/>
+                </a:cubicBezTo>
+                <a:cubicBezTo>
+                  <a:pt x="2719425" y="144654"/>
+                  <a:pt x="2713488" y="130965"/>
+                  <a:pt x="2701614" y="119834"/>
+                </a:cubicBezTo>
+                <a:cubicBezTo>
+                  <a:pt x="2690410" y="109373"/>
+                  <a:pt x="2672375" y="104143"/>
+                  <a:pt x="2647508" y="104143"/>
+                </a:cubicBezTo>
+                <a:close/>
+                <a:moveTo>
+                  <a:pt x="2935077" y="13730"/>
+                </a:moveTo>
+                <a:lnTo>
+                  <a:pt x="3195265" y="13730"/>
+                </a:lnTo>
+                <a:lnTo>
+                  <a:pt x="3195265" y="112849"/>
+                </a:lnTo>
+                <a:lnTo>
+                  <a:pt x="3053953" y="112849"/>
+                </a:lnTo>
+                <a:lnTo>
+                  <a:pt x="3053953" y="190872"/>
+                </a:lnTo>
+                <a:lnTo>
+                  <a:pt x="3187564" y="190872"/>
+                </a:lnTo>
+                <a:lnTo>
+                  <a:pt x="3187564" y="289992"/>
+                </a:lnTo>
+                <a:lnTo>
+                  <a:pt x="3053953" y="289992"/>
+                </a:lnTo>
+                <a:lnTo>
+                  <a:pt x="3053953" y="371699"/>
+                </a:lnTo>
+                <a:lnTo>
+                  <a:pt x="3195265" y="371699"/>
+                </a:lnTo>
+                <a:lnTo>
+                  <a:pt x="3195265" y="470818"/>
+                </a:lnTo>
+                <a:lnTo>
+                  <a:pt x="2935077" y="470818"/>
+                </a:lnTo>
+                <a:close/>
+                <a:moveTo>
+                  <a:pt x="2506452" y="13730"/>
+                </a:moveTo>
+                <a:lnTo>
+                  <a:pt x="2691296" y="13730"/>
+                </a:lnTo>
+                <a:cubicBezTo>
+                  <a:pt x="2745321" y="13730"/>
+                  <a:pt x="2785281" y="29915"/>
+                  <a:pt x="2811177" y="62285"/>
+                </a:cubicBezTo>
+                <a:cubicBezTo>
+                  <a:pt x="2832162" y="88404"/>
+                  <a:pt x="2842654" y="119100"/>
+                  <a:pt x="2842654" y="154372"/>
+                </a:cubicBezTo>
+                <a:cubicBezTo>
+                  <a:pt x="2842654" y="194779"/>
+                  <a:pt x="2830599" y="227038"/>
+                  <a:pt x="2806489" y="251148"/>
+                </a:cubicBezTo>
+                <a:cubicBezTo>
+                  <a:pt x="2791085" y="266551"/>
+                  <a:pt x="2769877" y="277267"/>
+                  <a:pt x="2742865" y="283295"/>
+                </a:cubicBezTo>
+                <a:lnTo>
+                  <a:pt x="2886521" y="470818"/>
+                </a:lnTo>
+                <a:lnTo>
+                  <a:pt x="2738847" y="470818"/>
+                </a:lnTo>
+                <a:lnTo>
+                  <a:pt x="2625328" y="295350"/>
+                </a:lnTo>
+                <a:lnTo>
+                  <a:pt x="2625328" y="470818"/>
+                </a:lnTo>
+                <a:lnTo>
+                  <a:pt x="2506452" y="470818"/>
+                </a:lnTo>
+                <a:close/>
+                <a:moveTo>
+                  <a:pt x="2153282" y="13730"/>
+                </a:moveTo>
+                <a:lnTo>
+                  <a:pt x="2282875" y="13730"/>
+                </a:lnTo>
+                <a:lnTo>
+                  <a:pt x="2454994" y="470818"/>
+                </a:lnTo>
+                <a:lnTo>
+                  <a:pt x="2328081" y="470818"/>
+                </a:lnTo>
+                <a:lnTo>
+                  <a:pt x="2298613" y="391121"/>
+                </a:lnTo>
+                <a:lnTo>
+                  <a:pt x="2134530" y="391121"/>
+                </a:lnTo>
+                <a:lnTo>
+                  <a:pt x="2103053" y="470818"/>
+                </a:lnTo>
+                <a:lnTo>
+                  <a:pt x="1977479" y="470818"/>
+                </a:lnTo>
+                <a:close/>
+                <a:moveTo>
+                  <a:pt x="1611102" y="13730"/>
+                </a:moveTo>
+                <a:lnTo>
+                  <a:pt x="1800299" y="13730"/>
+                </a:lnTo>
+                <a:cubicBezTo>
+                  <a:pt x="1854101" y="13730"/>
+                  <a:pt x="1894954" y="29451"/>
+                  <a:pt x="1922859" y="60893"/>
+                </a:cubicBezTo>
+                <a:cubicBezTo>
+                  <a:pt x="1946970" y="87877"/>
+                  <a:pt x="1959025" y="122330"/>
+                  <a:pt x="1959025" y="164251"/>
+                </a:cubicBezTo>
+                <a:cubicBezTo>
+                  <a:pt x="1959025" y="205505"/>
+                  <a:pt x="1949314" y="239625"/>
+                  <a:pt x="1929891" y="266609"/>
+                </a:cubicBezTo>
+                <a:cubicBezTo>
+                  <a:pt x="1904665" y="301620"/>
+                  <a:pt x="1862807" y="319125"/>
+                  <a:pt x="1804318" y="319125"/>
+                </a:cubicBezTo>
+                <a:lnTo>
+                  <a:pt x="1729978" y="319125"/>
+                </a:lnTo>
+                <a:lnTo>
+                  <a:pt x="1729978" y="470818"/>
+                </a:lnTo>
+                <a:lnTo>
+                  <a:pt x="1611102" y="470818"/>
+                </a:lnTo>
+                <a:close/>
+                <a:moveTo>
+                  <a:pt x="1039713" y="13730"/>
+                </a:moveTo>
+                <a:lnTo>
+                  <a:pt x="1157250" y="13730"/>
+                </a:lnTo>
+                <a:lnTo>
+                  <a:pt x="1249683" y="257510"/>
+                </a:lnTo>
+                <a:lnTo>
+                  <a:pt x="1347453" y="13730"/>
+                </a:lnTo>
+                <a:lnTo>
+                  <a:pt x="1465994" y="13730"/>
+                </a:lnTo>
+                <a:lnTo>
+                  <a:pt x="1534976" y="470818"/>
+                </a:lnTo>
+                <a:lnTo>
+                  <a:pt x="1416100" y="470818"/>
+                </a:lnTo>
+                <a:lnTo>
+                  <a:pt x="1382310" y="207616"/>
+                </a:lnTo>
+                <a:lnTo>
+                  <a:pt x="1271915" y="470818"/>
+                </a:lnTo>
+                <a:lnTo>
+                  <a:pt x="1224746" y="470818"/>
+                </a:lnTo>
+                <a:lnTo>
+                  <a:pt x="1119374" y="207616"/>
+                </a:lnTo>
+                <a:lnTo>
+                  <a:pt x="1080567" y="470818"/>
+                </a:lnTo>
+                <a:lnTo>
+                  <a:pt x="962025" y="470818"/>
+                </a:lnTo>
+                <a:close/>
+                <a:moveTo>
+                  <a:pt x="242776" y="4019"/>
+                </a:moveTo>
+                <a:cubicBezTo>
+                  <a:pt x="274476" y="4019"/>
+                  <a:pt x="310083" y="11721"/>
+                  <a:pt x="349597" y="27124"/>
+                </a:cubicBezTo>
+                <a:lnTo>
+                  <a:pt x="349597" y="169441"/>
+                </a:lnTo>
+                <a:cubicBezTo>
+                  <a:pt x="338418" y="155733"/>
+                  <a:pt x="327015" y="145394"/>
+                  <a:pt x="315389" y="138424"/>
+                </a:cubicBezTo>
+                <a:cubicBezTo>
+                  <a:pt x="294149" y="125616"/>
+                  <a:pt x="271346" y="119212"/>
+                  <a:pt x="246977" y="119212"/>
+                </a:cubicBezTo>
+                <a:cubicBezTo>
+                  <a:pt x="216125" y="119212"/>
+                  <a:pt x="189295" y="128501"/>
+                  <a:pt x="166490" y="147079"/>
+                </a:cubicBezTo>
+                <a:cubicBezTo>
+                  <a:pt x="137650" y="170582"/>
+                  <a:pt x="123230" y="202816"/>
+                  <a:pt x="123230" y="243781"/>
+                </a:cubicBezTo>
+                <a:cubicBezTo>
+                  <a:pt x="123230" y="284522"/>
+                  <a:pt x="137650" y="316645"/>
+                  <a:pt x="166490" y="340148"/>
+                </a:cubicBezTo>
+                <a:cubicBezTo>
+                  <a:pt x="189295" y="358726"/>
+                  <a:pt x="216125" y="368015"/>
+                  <a:pt x="246977" y="368015"/>
+                </a:cubicBezTo>
+                <a:cubicBezTo>
+                  <a:pt x="271346" y="368015"/>
+                  <a:pt x="294149" y="361611"/>
+                  <a:pt x="315389" y="348802"/>
+                </a:cubicBezTo>
+                <a:cubicBezTo>
+                  <a:pt x="326792" y="342060"/>
+                  <a:pt x="338194" y="331721"/>
+                  <a:pt x="349597" y="317786"/>
+                </a:cubicBezTo>
+                <a:lnTo>
+                  <a:pt x="349597" y="460102"/>
+                </a:lnTo>
+                <a:cubicBezTo>
+                  <a:pt x="310753" y="475506"/>
+                  <a:pt x="274811" y="483208"/>
+                  <a:pt x="241771" y="483208"/>
+                </a:cubicBezTo>
+                <a:cubicBezTo>
+                  <a:pt x="184175" y="483208"/>
+                  <a:pt x="132606" y="464791"/>
+                  <a:pt x="87064" y="427956"/>
+                </a:cubicBezTo>
+                <a:cubicBezTo>
+                  <a:pt x="29021" y="380851"/>
+                  <a:pt x="0" y="319460"/>
+                  <a:pt x="0" y="243781"/>
+                </a:cubicBezTo>
+                <a:cubicBezTo>
+                  <a:pt x="0" y="167878"/>
+                  <a:pt x="29021" y="106375"/>
+                  <a:pt x="87064" y="59271"/>
+                </a:cubicBezTo>
+                <a:cubicBezTo>
+                  <a:pt x="132606" y="22436"/>
+                  <a:pt x="184510" y="4019"/>
+                  <a:pt x="242776" y="4019"/>
+                </a:cubicBezTo>
+                <a:close/>
+                <a:moveTo>
+                  <a:pt x="652872" y="0"/>
+                </a:moveTo>
+                <a:cubicBezTo>
+                  <a:pt x="733239" y="0"/>
+                  <a:pt x="796974" y="26678"/>
+                  <a:pt x="844079" y="80033"/>
+                </a:cubicBezTo>
+                <a:cubicBezTo>
+                  <a:pt x="885378" y="126913"/>
+                  <a:pt x="906028" y="181496"/>
+                  <a:pt x="906028" y="243781"/>
+                </a:cubicBezTo>
+                <a:cubicBezTo>
+                  <a:pt x="906028" y="305842"/>
+                  <a:pt x="885378" y="360313"/>
+                  <a:pt x="844079" y="407194"/>
+                </a:cubicBezTo>
+                <a:cubicBezTo>
+                  <a:pt x="796974" y="460549"/>
+                  <a:pt x="733239" y="487226"/>
+                  <a:pt x="652872" y="487226"/>
+                </a:cubicBezTo>
+                <a:cubicBezTo>
+                  <a:pt x="572728" y="487226"/>
+                  <a:pt x="509104" y="460549"/>
+                  <a:pt x="462000" y="407194"/>
+                </a:cubicBezTo>
+                <a:cubicBezTo>
+                  <a:pt x="420700" y="360313"/>
+                  <a:pt x="400050" y="305842"/>
+                  <a:pt x="400050" y="243781"/>
+                </a:cubicBezTo>
+                <a:cubicBezTo>
+                  <a:pt x="400050" y="215429"/>
+                  <a:pt x="405631" y="186352"/>
+                  <a:pt x="416793" y="156549"/>
+                </a:cubicBezTo>
+                <a:cubicBezTo>
+                  <a:pt x="427955" y="126746"/>
+                  <a:pt x="442912" y="101241"/>
+                  <a:pt x="461665" y="80033"/>
+                </a:cubicBezTo>
+                <a:cubicBezTo>
+                  <a:pt x="508769" y="26678"/>
+                  <a:pt x="572505" y="0"/>
+                  <a:pt x="652872" y="0"/>
+                </a:cubicBezTo>
+                <a:close/>
+              </a:path>
+            </a:pathLst>
+          </a:custGeom>
+          <a:solidFill>
+            <a:schemeClr val="bg1"/>
+          </a:solidFill>
+          <a:ln>
+            <a:solidFill>
+              <a:schemeClr val="tx1"/>
+            </a:solidFill>
+          </a:ln>
+        </p:spPr>
+        <p:style>
+          <a:lnRef idx="2">
+            <a:schemeClr val="accent1">
+              <a:shade val="15000"/>
+            </a:schemeClr>
+          </a:lnRef>
+          <a:fillRef idx="1">
+            <a:schemeClr val="accent1"/>
+          </a:fillRef>
+          <a:effectRef idx="0">
+            <a:schemeClr val="accent1"/>
+          </a:effectRef>
+          <a:fontRef idx="minor">
+            <a:schemeClr val="lt1"/>
+          </a:fontRef>
+        </p:style>
+        <p:txBody>
+          <a:bodyPr wrap="square" rtlCol="0" anchor="ctr">
+            <a:noAutofit/>
+          </a:bodyPr>
+          <a:lstStyle/>
+          <a:p>
+            <a:pPr algn="ctr"/>
+            <a:endParaRPr lang="en-AU"/>
+          </a:p>
+        </p:txBody>
+      </p:sp>
+      <p:grpSp>
+        <p:nvGrpSpPr>
+          <p:cNvPr id="98" name="Group 97">
+            <a:extLst>
+              <a:ext uri="{FF2B5EF4-FFF2-40B4-BE49-F238E27FC236}">
+                <a16:creationId xmlns:a16="http://schemas.microsoft.com/office/drawing/2014/main" id="{067AF637-F6CC-F4E9-318E-1D6AE72E26F2}"/>
+              </a:ext>
+            </a:extLst>
+          </p:cNvPr>
+          <p:cNvGrpSpPr/>
+          <p:nvPr/>
+        </p:nvGrpSpPr>
+        <p:grpSpPr>
+          <a:xfrm>
+            <a:off x="553270" y="4542664"/>
+            <a:ext cx="2431078" cy="1849229"/>
+            <a:chOff x="1728749" y="3699588"/>
+            <a:chExt cx="2431078" cy="1849229"/>
+          </a:xfrm>
+        </p:grpSpPr>
+        <p:sp>
+          <p:nvSpPr>
+            <p:cNvPr id="43" name="Oval 42">
+              <a:extLst>
+                <a:ext uri="{FF2B5EF4-FFF2-40B4-BE49-F238E27FC236}">
+                  <a16:creationId xmlns:a16="http://schemas.microsoft.com/office/drawing/2014/main" id="{214FCBDA-3033-55C0-D621-F426B61F81B4}"/>
+                </a:ext>
+              </a:extLst>
+            </p:cNvPr>
+            <p:cNvSpPr/>
+            <p:nvPr/>
+          </p:nvSpPr>
+          <p:spPr>
+            <a:xfrm>
+              <a:off x="3188593" y="4591762"/>
+              <a:ext cx="971234" cy="957055"/>
+            </a:xfrm>
+            <a:prstGeom prst="ellipse">
+              <a:avLst/>
+            </a:prstGeom>
+            <a:solidFill>
+              <a:srgbClr val="000000"/>
+            </a:solidFill>
+            <a:ln>
+              <a:solidFill>
+                <a:srgbClr val="000000"/>
+              </a:solidFill>
+            </a:ln>
+          </p:spPr>
+          <p:style>
+            <a:lnRef idx="2">
+              <a:schemeClr val="accent1">
+                <a:shade val="15000"/>
+              </a:schemeClr>
+            </a:lnRef>
+            <a:fillRef idx="1">
+              <a:schemeClr val="accent1"/>
+            </a:fillRef>
+            <a:effectRef idx="0">
+              <a:schemeClr val="accent1"/>
+            </a:effectRef>
+            <a:fontRef idx="minor">
+              <a:schemeClr val="lt1"/>
+            </a:fontRef>
+          </p:style>
+          <p:txBody>
+            <a:bodyPr rtlCol="0" anchor="ctr"/>
+            <a:lstStyle/>
+            <a:p>
+              <a:pPr algn="ctr"/>
+              <a:endParaRPr lang="en-AU"/>
+            </a:p>
+          </p:txBody>
+        </p:sp>
+        <p:sp>
+          <p:nvSpPr>
+            <p:cNvPr id="42" name="Oval 41">
+              <a:extLst>
+                <a:ext uri="{FF2B5EF4-FFF2-40B4-BE49-F238E27FC236}">
+                  <a16:creationId xmlns:a16="http://schemas.microsoft.com/office/drawing/2014/main" id="{26AB70D4-C4E5-AB2D-B0F7-D8BC0BCA7887}"/>
+                </a:ext>
+              </a:extLst>
+            </p:cNvPr>
+            <p:cNvSpPr/>
+            <p:nvPr/>
+          </p:nvSpPr>
+          <p:spPr>
+            <a:xfrm>
+              <a:off x="1728749" y="3699588"/>
+              <a:ext cx="971234" cy="957055"/>
+            </a:xfrm>
+            <a:prstGeom prst="ellipse">
+              <a:avLst/>
+            </a:prstGeom>
+            <a:solidFill>
+              <a:srgbClr val="000000"/>
+            </a:solidFill>
+            <a:ln>
+              <a:solidFill>
+                <a:srgbClr val="000000"/>
+              </a:solidFill>
+            </a:ln>
+          </p:spPr>
+          <p:style>
+            <a:lnRef idx="2">
+              <a:schemeClr val="accent1">
+                <a:shade val="15000"/>
+              </a:schemeClr>
+            </a:lnRef>
+            <a:fillRef idx="1">
+              <a:schemeClr val="accent1"/>
+            </a:fillRef>
+            <a:effectRef idx="0">
+              <a:schemeClr val="accent1"/>
+            </a:effectRef>
+            <a:fontRef idx="minor">
+              <a:schemeClr val="lt1"/>
+            </a:fontRef>
+          </p:style>
+          <p:txBody>
+            <a:bodyPr rtlCol="0" anchor="ctr"/>
+            <a:lstStyle/>
+            <a:p>
+              <a:pPr algn="ctr"/>
+              <a:endParaRPr lang="en-AU"/>
+            </a:p>
+          </p:txBody>
+        </p:sp>
+        <p:sp>
+          <p:nvSpPr>
+            <p:cNvPr id="18" name="Freeform: Shape 17">
+              <a:extLst>
+                <a:ext uri="{FF2B5EF4-FFF2-40B4-BE49-F238E27FC236}">
+                  <a16:creationId xmlns:a16="http://schemas.microsoft.com/office/drawing/2014/main" id="{3F97A02C-DCF8-DD28-3849-0AA173DF2A19}"/>
+                </a:ext>
+              </a:extLst>
+            </p:cNvPr>
+            <p:cNvSpPr/>
+            <p:nvPr/>
+          </p:nvSpPr>
+          <p:spPr>
+            <a:xfrm>
+              <a:off x="2597637" y="3764446"/>
+              <a:ext cx="856036" cy="779896"/>
+            </a:xfrm>
+            <a:custGeom>
+              <a:avLst/>
+              <a:gdLst/>
+              <a:ahLst/>
+              <a:cxnLst/>
+              <a:rect l="l" t="t" r="r" b="b"/>
+              <a:pathLst>
+                <a:path w="856036" h="779896">
+                  <a:moveTo>
+                    <a:pt x="773493" y="0"/>
+                  </a:moveTo>
+                  <a:lnTo>
+                    <a:pt x="856036" y="54792"/>
+                  </a:lnTo>
+                  <a:cubicBezTo>
+                    <a:pt x="794366" y="150144"/>
+                    <a:pt x="711941" y="224386"/>
+                    <a:pt x="608761" y="277518"/>
+                  </a:cubicBezTo>
+                  <a:cubicBezTo>
+                    <a:pt x="505581" y="330649"/>
+                    <a:pt x="368838" y="367414"/>
+                    <a:pt x="198532" y="387813"/>
+                  </a:cubicBezTo>
+                  <a:lnTo>
+                    <a:pt x="198532" y="395641"/>
+                  </a:lnTo>
+                  <a:cubicBezTo>
+                    <a:pt x="368364" y="412244"/>
+                    <a:pt x="504988" y="446756"/>
+                    <a:pt x="608405" y="499176"/>
+                  </a:cubicBezTo>
+                  <a:cubicBezTo>
+                    <a:pt x="711822" y="551596"/>
+                    <a:pt x="794366" y="626906"/>
+                    <a:pt x="856036" y="725104"/>
+                  </a:cubicBezTo>
+                  <a:lnTo>
+                    <a:pt x="773493" y="779896"/>
+                  </a:lnTo>
+                  <a:cubicBezTo>
+                    <a:pt x="707078" y="666517"/>
+                    <a:pt x="597968" y="583618"/>
+                    <a:pt x="446164" y="531197"/>
+                  </a:cubicBezTo>
+                  <a:cubicBezTo>
+                    <a:pt x="294359" y="478777"/>
+                    <a:pt x="148484" y="448298"/>
+                    <a:pt x="8539" y="439759"/>
+                  </a:cubicBezTo>
+                  <a:lnTo>
+                    <a:pt x="0" y="439759"/>
+                  </a:lnTo>
+                  <a:lnTo>
+                    <a:pt x="0" y="340137"/>
+                  </a:lnTo>
+                  <a:lnTo>
+                    <a:pt x="8539" y="340137"/>
+                  </a:lnTo>
+                  <a:cubicBezTo>
+                    <a:pt x="148484" y="331598"/>
+                    <a:pt x="294122" y="300407"/>
+                    <a:pt x="445452" y="246564"/>
+                  </a:cubicBezTo>
+                  <a:cubicBezTo>
+                    <a:pt x="596782" y="192720"/>
+                    <a:pt x="706129" y="110532"/>
+                    <a:pt x="773493" y="0"/>
+                  </a:cubicBezTo>
+                  <a:close/>
+                </a:path>
+              </a:pathLst>
+            </a:custGeom>
+            <a:solidFill>
+              <a:srgbClr val="000000"/>
+            </a:solidFill>
+            <a:ln w="342900">
+              <a:solidFill>
+                <a:srgbClr val="000000"/>
+              </a:solidFill>
+            </a:ln>
+          </p:spPr>
+          <p:style>
+            <a:lnRef idx="2">
+              <a:schemeClr val="accent1">
+                <a:shade val="15000"/>
+              </a:schemeClr>
+            </a:lnRef>
+            <a:fillRef idx="1">
+              <a:schemeClr val="accent1"/>
+            </a:fillRef>
+            <a:effectRef idx="0">
+              <a:schemeClr val="accent1"/>
+            </a:effectRef>
+            <a:fontRef idx="minor">
+              <a:schemeClr val="lt1"/>
+            </a:fontRef>
+          </p:style>
+          <p:txBody>
+            <a:bodyPr wrap="square" rtlCol="0" anchor="ctr">
+              <a:noAutofit/>
+            </a:bodyPr>
+            <a:lstStyle/>
+            <a:p>
+              <a:pPr algn="ctr"/>
+              <a:endParaRPr lang="en-AU" dirty="0"/>
+            </a:p>
+          </p:txBody>
+        </p:sp>
+        <p:sp>
+          <p:nvSpPr>
+            <p:cNvPr id="20" name="Freeform: Shape 19">
+              <a:extLst>
+                <a:ext uri="{FF2B5EF4-FFF2-40B4-BE49-F238E27FC236}">
+                  <a16:creationId xmlns:a16="http://schemas.microsoft.com/office/drawing/2014/main" id="{1AADC3D3-E16B-3748-FCCC-75A9F6298F5E}"/>
+                </a:ext>
+              </a:extLst>
+            </p:cNvPr>
+            <p:cNvSpPr/>
+            <p:nvPr/>
+          </p:nvSpPr>
+          <p:spPr>
+            <a:xfrm>
+              <a:off x="2597637" y="4346562"/>
+              <a:ext cx="772781" cy="456860"/>
+            </a:xfrm>
+            <a:custGeom>
+              <a:avLst/>
+              <a:gdLst>
+                <a:gd name="connsiteX0" fmla="*/ 0 w 772781"/>
+                <a:gd name="connsiteY0" fmla="*/ 22 h 456860"/>
+                <a:gd name="connsiteX1" fmla="*/ 458972 w 772781"/>
+                <a:gd name="connsiteY1" fmla="*/ 92173 h 456860"/>
+                <a:gd name="connsiteX2" fmla="*/ 772781 w 772781"/>
+                <a:gd name="connsiteY2" fmla="*/ 397087 h 456860"/>
+                <a:gd name="connsiteX3" fmla="*/ 692372 w 772781"/>
+                <a:gd name="connsiteY3" fmla="*/ 456860 h 456860"/>
+                <a:gd name="connsiteX4" fmla="*/ 426239 w 772781"/>
+                <a:gd name="connsiteY4" fmla="*/ 185034 h 456860"/>
+                <a:gd name="connsiteX5" fmla="*/ 0 w 772781"/>
+                <a:gd name="connsiteY5" fmla="*/ 92528 h 456860"/>
+              </a:gdLst>
+              <a:ahLst/>
+              <a:cxnLst>
+                <a:cxn ang="0">
+                  <a:pos x="connsiteX0" y="connsiteY0"/>
+                </a:cxn>
+                <a:cxn ang="0">
+                  <a:pos x="connsiteX1" y="connsiteY1"/>
+                </a:cxn>
+                <a:cxn ang="0">
+                  <a:pos x="connsiteX2" y="connsiteY2"/>
+                </a:cxn>
+                <a:cxn ang="0">
+                  <a:pos x="connsiteX3" y="connsiteY3"/>
+                </a:cxn>
+                <a:cxn ang="0">
+                  <a:pos x="connsiteX4" y="connsiteY4"/>
+                </a:cxn>
+                <a:cxn ang="0">
+                  <a:pos x="connsiteX5" y="connsiteY5"/>
+                </a:cxn>
+              </a:cxnLst>
+              <a:rect l="l" t="t" r="r" b="b"/>
+              <a:pathLst>
+                <a:path w="772781" h="456860">
+                  <a:moveTo>
+                    <a:pt x="0" y="22"/>
+                  </a:moveTo>
+                  <a:cubicBezTo>
+                    <a:pt x="185487" y="-926"/>
+                    <a:pt x="338477" y="29790"/>
+                    <a:pt x="458972" y="92173"/>
+                  </a:cubicBezTo>
+                  <a:cubicBezTo>
+                    <a:pt x="579467" y="154555"/>
+                    <a:pt x="684070" y="256193"/>
+                    <a:pt x="772781" y="397087"/>
+                  </a:cubicBezTo>
+                  <a:lnTo>
+                    <a:pt x="692372" y="456860"/>
+                  </a:lnTo>
+                  <a:cubicBezTo>
+                    <a:pt x="622162" y="337313"/>
+                    <a:pt x="533451" y="246705"/>
+                    <a:pt x="426239" y="185034"/>
+                  </a:cubicBezTo>
+                  <a:cubicBezTo>
+                    <a:pt x="319027" y="123364"/>
+                    <a:pt x="176948" y="92528"/>
+                    <a:pt x="0" y="92528"/>
+                  </a:cubicBezTo>
+                  <a:close/>
+                </a:path>
+              </a:pathLst>
+            </a:custGeom>
+            <a:solidFill>
+              <a:srgbClr val="000000"/>
+            </a:solidFill>
+            <a:ln w="342900">
+              <a:solidFill>
+                <a:srgbClr val="000000"/>
+              </a:solidFill>
+            </a:ln>
+          </p:spPr>
+          <p:style>
+            <a:lnRef idx="2">
+              <a:schemeClr val="accent1">
+                <a:shade val="15000"/>
+              </a:schemeClr>
+            </a:lnRef>
+            <a:fillRef idx="1">
+              <a:schemeClr val="accent1"/>
+            </a:fillRef>
+            <a:effectRef idx="0">
+              <a:schemeClr val="accent1"/>
+            </a:effectRef>
+            <a:fontRef idx="minor">
+              <a:schemeClr val="lt1"/>
+            </a:fontRef>
+          </p:style>
+          <p:txBody>
+            <a:bodyPr wrap="square" rtlCol="0" anchor="ctr">
+              <a:noAutofit/>
+            </a:bodyPr>
+            <a:lstStyle/>
+            <a:p>
+              <a:pPr algn="ctr"/>
+              <a:endParaRPr lang="en-AU"/>
+            </a:p>
+          </p:txBody>
+        </p:sp>
+        <p:sp>
+          <p:nvSpPr>
+            <p:cNvPr id="15" name="Freeform: Shape 14">
+              <a:extLst>
+                <a:ext uri="{FF2B5EF4-FFF2-40B4-BE49-F238E27FC236}">
+                  <a16:creationId xmlns:a16="http://schemas.microsoft.com/office/drawing/2014/main" id="{AA5FD32F-09D7-5766-E00B-4C38FF6D55F0}"/>
+                </a:ext>
+              </a:extLst>
+            </p:cNvPr>
+            <p:cNvSpPr/>
+            <p:nvPr/>
+          </p:nvSpPr>
+          <p:spPr>
+            <a:xfrm>
+              <a:off x="2597637" y="3764446"/>
+              <a:ext cx="856036" cy="779896"/>
+            </a:xfrm>
+            <a:custGeom>
+              <a:avLst/>
+              <a:gdLst/>
+              <a:ahLst/>
+              <a:cxnLst/>
+              <a:rect l="l" t="t" r="r" b="b"/>
+              <a:pathLst>
+                <a:path w="856036" h="779896">
+                  <a:moveTo>
+                    <a:pt x="773493" y="0"/>
+                  </a:moveTo>
+                  <a:lnTo>
+                    <a:pt x="856036" y="54792"/>
+                  </a:lnTo>
+                  <a:cubicBezTo>
+                    <a:pt x="794366" y="150144"/>
+                    <a:pt x="711941" y="224386"/>
+                    <a:pt x="608761" y="277518"/>
+                  </a:cubicBezTo>
+                  <a:cubicBezTo>
+                    <a:pt x="505581" y="330649"/>
+                    <a:pt x="368838" y="367414"/>
+                    <a:pt x="198532" y="387813"/>
+                  </a:cubicBezTo>
+                  <a:lnTo>
+                    <a:pt x="198532" y="395641"/>
+                  </a:lnTo>
+                  <a:cubicBezTo>
+                    <a:pt x="368364" y="412244"/>
+                    <a:pt x="504988" y="446756"/>
+                    <a:pt x="608405" y="499176"/>
+                  </a:cubicBezTo>
+                  <a:cubicBezTo>
+                    <a:pt x="711822" y="551596"/>
+                    <a:pt x="794366" y="626906"/>
+                    <a:pt x="856036" y="725104"/>
+                  </a:cubicBezTo>
+                  <a:lnTo>
+                    <a:pt x="773493" y="779896"/>
+                  </a:lnTo>
+                  <a:cubicBezTo>
+                    <a:pt x="707078" y="666517"/>
+                    <a:pt x="597968" y="583618"/>
+                    <a:pt x="446164" y="531197"/>
+                  </a:cubicBezTo>
+                  <a:cubicBezTo>
+                    <a:pt x="294359" y="478777"/>
+                    <a:pt x="148484" y="448298"/>
+                    <a:pt x="8539" y="439759"/>
+                  </a:cubicBezTo>
+                  <a:lnTo>
+                    <a:pt x="0" y="439759"/>
+                  </a:lnTo>
+                  <a:lnTo>
+                    <a:pt x="0" y="340137"/>
+                  </a:lnTo>
+                  <a:lnTo>
+                    <a:pt x="8539" y="340137"/>
+                  </a:lnTo>
+                  <a:cubicBezTo>
+                    <a:pt x="148484" y="331598"/>
+                    <a:pt x="294122" y="300407"/>
+                    <a:pt x="445452" y="246564"/>
+                  </a:cubicBezTo>
+                  <a:cubicBezTo>
+                    <a:pt x="596782" y="192720"/>
+                    <a:pt x="706129" y="110532"/>
+                    <a:pt x="773493" y="0"/>
+                  </a:cubicBezTo>
+                  <a:close/>
+                </a:path>
+              </a:pathLst>
+            </a:custGeom>
+            <a:solidFill>
+              <a:srgbClr val="C00000"/>
+            </a:solidFill>
+            <a:ln w="50800">
+              <a:solidFill>
+                <a:srgbClr val="C00000"/>
+              </a:solidFill>
+            </a:ln>
+          </p:spPr>
+          <p:style>
+            <a:lnRef idx="2">
+              <a:schemeClr val="accent1">
+                <a:shade val="15000"/>
+              </a:schemeClr>
+            </a:lnRef>
+            <a:fillRef idx="1">
+              <a:schemeClr val="accent1"/>
+            </a:fillRef>
+            <a:effectRef idx="0">
+              <a:schemeClr val="accent1"/>
+            </a:effectRef>
+            <a:fontRef idx="minor">
+              <a:schemeClr val="lt1"/>
+            </a:fontRef>
+          </p:style>
+          <p:txBody>
+            <a:bodyPr wrap="square" rtlCol="0" anchor="ctr">
+              <a:noAutofit/>
+            </a:bodyPr>
+            <a:lstStyle/>
+            <a:p>
+              <a:pPr algn="ctr"/>
+              <a:endParaRPr lang="en-AU" dirty="0"/>
+            </a:p>
+          </p:txBody>
+        </p:sp>
+        <p:grpSp>
+          <p:nvGrpSpPr>
+            <p:cNvPr id="41" name="Group 40">
+              <a:extLst>
+                <a:ext uri="{FF2B5EF4-FFF2-40B4-BE49-F238E27FC236}">
+                  <a16:creationId xmlns:a16="http://schemas.microsoft.com/office/drawing/2014/main" id="{03AED112-399B-2989-9B0E-B10585235E1A}"/>
+                </a:ext>
+              </a:extLst>
+            </p:cNvPr>
+            <p:cNvGrpSpPr/>
+            <p:nvPr/>
+          </p:nvGrpSpPr>
+          <p:grpSpPr>
+            <a:xfrm>
+              <a:off x="2364374" y="4552401"/>
+              <a:ext cx="856036" cy="779896"/>
+              <a:chOff x="2184214" y="3793954"/>
+              <a:chExt cx="856036" cy="779896"/>
+            </a:xfrm>
+          </p:grpSpPr>
+          <p:sp>
+            <p:nvSpPr>
+              <p:cNvPr id="19" name="Freeform: Shape 18">
+                <a:extLst>
+                  <a:ext uri="{FF2B5EF4-FFF2-40B4-BE49-F238E27FC236}">
+                    <a16:creationId xmlns:a16="http://schemas.microsoft.com/office/drawing/2014/main" id="{51BE6932-9472-985B-199C-5835178EFA71}"/>
+                  </a:ext>
+                </a:extLst>
+              </p:cNvPr>
+              <p:cNvSpPr/>
+              <p:nvPr/>
+            </p:nvSpPr>
+            <p:spPr>
+              <a:xfrm>
+                <a:off x="2184214" y="3793954"/>
+                <a:ext cx="856036" cy="779896"/>
+              </a:xfrm>
+              <a:custGeom>
+                <a:avLst/>
+                <a:gdLst/>
+                <a:ahLst/>
+                <a:cxnLst/>
+                <a:rect l="l" t="t" r="r" b="b"/>
+                <a:pathLst>
+                  <a:path w="856036" h="779896">
+                    <a:moveTo>
+                      <a:pt x="82544" y="0"/>
+                    </a:moveTo>
+                    <a:cubicBezTo>
+                      <a:pt x="149907" y="110532"/>
+                      <a:pt x="259254" y="192720"/>
+                      <a:pt x="410585" y="246564"/>
+                    </a:cubicBezTo>
+                    <a:cubicBezTo>
+                      <a:pt x="561915" y="300407"/>
+                      <a:pt x="707552" y="331598"/>
+                      <a:pt x="847497" y="340137"/>
+                    </a:cubicBezTo>
+                    <a:lnTo>
+                      <a:pt x="856036" y="340137"/>
+                    </a:lnTo>
+                    <a:lnTo>
+                      <a:pt x="856036" y="439759"/>
+                    </a:lnTo>
+                    <a:lnTo>
+                      <a:pt x="847497" y="439759"/>
+                    </a:lnTo>
+                    <a:cubicBezTo>
+                      <a:pt x="707552" y="448298"/>
+                      <a:pt x="561678" y="478777"/>
+                      <a:pt x="409873" y="531197"/>
+                    </a:cubicBezTo>
+                    <a:cubicBezTo>
+                      <a:pt x="258068" y="583618"/>
+                      <a:pt x="148959" y="666517"/>
+                      <a:pt x="82544" y="779896"/>
+                    </a:cubicBezTo>
+                    <a:lnTo>
+                      <a:pt x="0" y="725104"/>
+                    </a:lnTo>
+                    <a:cubicBezTo>
+                      <a:pt x="61671" y="626906"/>
+                      <a:pt x="144215" y="551596"/>
+                      <a:pt x="247632" y="499176"/>
+                    </a:cubicBezTo>
+                    <a:cubicBezTo>
+                      <a:pt x="351049" y="446756"/>
+                      <a:pt x="487673" y="412244"/>
+                      <a:pt x="657504" y="395641"/>
+                    </a:cubicBezTo>
+                    <a:lnTo>
+                      <a:pt x="657504" y="387813"/>
+                    </a:lnTo>
+                    <a:cubicBezTo>
+                      <a:pt x="487198" y="367414"/>
+                      <a:pt x="350456" y="330649"/>
+                      <a:pt x="247276" y="277518"/>
+                    </a:cubicBezTo>
+                    <a:cubicBezTo>
+                      <a:pt x="144096" y="224386"/>
+                      <a:pt x="61671" y="150144"/>
+                      <a:pt x="0" y="54792"/>
+                    </a:cubicBezTo>
+                    <a:close/>
+                  </a:path>
+                </a:pathLst>
+              </a:custGeom>
+              <a:solidFill>
+                <a:srgbClr val="000000"/>
+              </a:solidFill>
+              <a:ln w="342900">
+                <a:solidFill>
+                  <a:srgbClr val="000000"/>
+                </a:solidFill>
+              </a:ln>
+            </p:spPr>
+            <p:style>
+              <a:lnRef idx="2">
+                <a:schemeClr val="accent1">
+                  <a:shade val="15000"/>
+                </a:schemeClr>
+              </a:lnRef>
+              <a:fillRef idx="1">
+                <a:schemeClr val="accent1"/>
+              </a:fillRef>
+              <a:effectRef idx="0">
+                <a:schemeClr val="accent1"/>
+              </a:effectRef>
+              <a:fontRef idx="minor">
+                <a:schemeClr val="lt1"/>
+              </a:fontRef>
+            </p:style>
+            <p:txBody>
+              <a:bodyPr wrap="square" rtlCol="0" anchor="ctr">
+                <a:noAutofit/>
+              </a:bodyPr>
+              <a:lstStyle/>
+              <a:p>
+                <a:pPr algn="ctr"/>
+                <a:endParaRPr lang="en-AU"/>
+              </a:p>
+            </p:txBody>
+          </p:sp>
+          <p:sp>
+            <p:nvSpPr>
+              <p:cNvPr id="16" name="Freeform: Shape 15">
+                <a:extLst>
+                  <a:ext uri="{FF2B5EF4-FFF2-40B4-BE49-F238E27FC236}">
+                    <a16:creationId xmlns:a16="http://schemas.microsoft.com/office/drawing/2014/main" id="{9974FC9F-51C5-3F59-015E-ACC72824D126}"/>
+                  </a:ext>
+                </a:extLst>
+              </p:cNvPr>
+              <p:cNvSpPr/>
+              <p:nvPr/>
+            </p:nvSpPr>
+            <p:spPr>
+              <a:xfrm>
+                <a:off x="2184214" y="3793954"/>
+                <a:ext cx="856036" cy="779896"/>
+              </a:xfrm>
+              <a:custGeom>
+                <a:avLst/>
+                <a:gdLst/>
+                <a:ahLst/>
+                <a:cxnLst/>
+                <a:rect l="l" t="t" r="r" b="b"/>
+                <a:pathLst>
+                  <a:path w="856036" h="779896">
+                    <a:moveTo>
+                      <a:pt x="82544" y="0"/>
+                    </a:moveTo>
+                    <a:cubicBezTo>
+                      <a:pt x="149907" y="110532"/>
+                      <a:pt x="259254" y="192720"/>
+                      <a:pt x="410585" y="246564"/>
+                    </a:cubicBezTo>
+                    <a:cubicBezTo>
+                      <a:pt x="561915" y="300407"/>
+                      <a:pt x="707552" y="331598"/>
+                      <a:pt x="847497" y="340137"/>
+                    </a:cubicBezTo>
+                    <a:lnTo>
+                      <a:pt x="856036" y="340137"/>
+                    </a:lnTo>
+                    <a:lnTo>
+                      <a:pt x="856036" y="439759"/>
+                    </a:lnTo>
+                    <a:lnTo>
+                      <a:pt x="847497" y="439759"/>
+                    </a:lnTo>
+                    <a:cubicBezTo>
+                      <a:pt x="707552" y="448298"/>
+                      <a:pt x="561678" y="478777"/>
+                      <a:pt x="409873" y="531197"/>
+                    </a:cubicBezTo>
+                    <a:cubicBezTo>
+                      <a:pt x="258068" y="583618"/>
+                      <a:pt x="148959" y="666517"/>
+                      <a:pt x="82544" y="779896"/>
+                    </a:cubicBezTo>
+                    <a:lnTo>
+                      <a:pt x="0" y="725104"/>
+                    </a:lnTo>
+                    <a:cubicBezTo>
+                      <a:pt x="61671" y="626906"/>
+                      <a:pt x="144215" y="551596"/>
+                      <a:pt x="247632" y="499176"/>
+                    </a:cubicBezTo>
+                    <a:cubicBezTo>
+                      <a:pt x="351049" y="446756"/>
+                      <a:pt x="487673" y="412244"/>
+                      <a:pt x="657504" y="395641"/>
+                    </a:cubicBezTo>
+                    <a:lnTo>
+                      <a:pt x="657504" y="387813"/>
+                    </a:lnTo>
+                    <a:cubicBezTo>
+                      <a:pt x="487198" y="367414"/>
+                      <a:pt x="350456" y="330649"/>
+                      <a:pt x="247276" y="277518"/>
+                    </a:cubicBezTo>
+                    <a:cubicBezTo>
+                      <a:pt x="144096" y="224386"/>
+                      <a:pt x="61671" y="150144"/>
+                      <a:pt x="0" y="54792"/>
+                    </a:cubicBezTo>
+                    <a:close/>
+                  </a:path>
+                </a:pathLst>
+              </a:custGeom>
+              <a:solidFill>
+                <a:schemeClr val="tx2">
+                  <a:lumMod val="75000"/>
+                  <a:lumOff val="25000"/>
+                </a:schemeClr>
+              </a:solidFill>
+              <a:ln w="50800">
+                <a:solidFill>
+                  <a:schemeClr val="tx2">
+                    <a:lumMod val="75000"/>
+                    <a:lumOff val="25000"/>
+                  </a:schemeClr>
+                </a:solidFill>
+              </a:ln>
+            </p:spPr>
+            <p:style>
+              <a:lnRef idx="2">
+                <a:schemeClr val="accent1">
+                  <a:shade val="15000"/>
+                </a:schemeClr>
+              </a:lnRef>
+              <a:fillRef idx="1">
+                <a:schemeClr val="accent1"/>
+              </a:fillRef>
+              <a:effectRef idx="0">
+                <a:schemeClr val="accent1"/>
+              </a:effectRef>
+              <a:fontRef idx="minor">
+                <a:schemeClr val="lt1"/>
+              </a:fontRef>
+            </p:style>
+            <p:txBody>
+              <a:bodyPr wrap="square" rtlCol="0" anchor="ctr">
+                <a:noAutofit/>
+              </a:bodyPr>
+              <a:lstStyle/>
+              <a:p>
+                <a:pPr algn="ctr"/>
+                <a:endParaRPr lang="en-AU"/>
+              </a:p>
+            </p:txBody>
+          </p:sp>
+        </p:grpSp>
+        <p:sp>
+          <p:nvSpPr>
+            <p:cNvPr id="17" name="Freeform: Shape 16">
+              <a:extLst>
+                <a:ext uri="{FF2B5EF4-FFF2-40B4-BE49-F238E27FC236}">
+                  <a16:creationId xmlns:a16="http://schemas.microsoft.com/office/drawing/2014/main" id="{B513B66A-4C29-34C5-1E28-A0271A732502}"/>
+                </a:ext>
+              </a:extLst>
+            </p:cNvPr>
+            <p:cNvSpPr/>
+            <p:nvPr/>
+          </p:nvSpPr>
+          <p:spPr>
+            <a:xfrm>
+              <a:off x="2597637" y="4346562"/>
+              <a:ext cx="772781" cy="456860"/>
+            </a:xfrm>
+            <a:custGeom>
+              <a:avLst/>
+              <a:gdLst>
+                <a:gd name="connsiteX0" fmla="*/ 0 w 772781"/>
+                <a:gd name="connsiteY0" fmla="*/ 22 h 456860"/>
+                <a:gd name="connsiteX1" fmla="*/ 458972 w 772781"/>
+                <a:gd name="connsiteY1" fmla="*/ 92173 h 456860"/>
+                <a:gd name="connsiteX2" fmla="*/ 772781 w 772781"/>
+                <a:gd name="connsiteY2" fmla="*/ 397087 h 456860"/>
+                <a:gd name="connsiteX3" fmla="*/ 692372 w 772781"/>
+                <a:gd name="connsiteY3" fmla="*/ 456860 h 456860"/>
+                <a:gd name="connsiteX4" fmla="*/ 426239 w 772781"/>
+                <a:gd name="connsiteY4" fmla="*/ 185034 h 456860"/>
+                <a:gd name="connsiteX5" fmla="*/ 0 w 772781"/>
+                <a:gd name="connsiteY5" fmla="*/ 92528 h 456860"/>
+              </a:gdLst>
+              <a:ahLst/>
+              <a:cxnLst>
+                <a:cxn ang="0">
+                  <a:pos x="connsiteX0" y="connsiteY0"/>
+                </a:cxn>
+                <a:cxn ang="0">
+                  <a:pos x="connsiteX1" y="connsiteY1"/>
+                </a:cxn>
+                <a:cxn ang="0">
+                  <a:pos x="connsiteX2" y="connsiteY2"/>
+                </a:cxn>
+                <a:cxn ang="0">
+                  <a:pos x="connsiteX3" y="connsiteY3"/>
+                </a:cxn>
+                <a:cxn ang="0">
+                  <a:pos x="connsiteX4" y="connsiteY4"/>
+                </a:cxn>
+                <a:cxn ang="0">
+                  <a:pos x="connsiteX5" y="connsiteY5"/>
+                </a:cxn>
+              </a:cxnLst>
+              <a:rect l="l" t="t" r="r" b="b"/>
+              <a:pathLst>
+                <a:path w="772781" h="456860">
+                  <a:moveTo>
+                    <a:pt x="0" y="22"/>
+                  </a:moveTo>
+                  <a:cubicBezTo>
+                    <a:pt x="185487" y="-926"/>
+                    <a:pt x="338477" y="29790"/>
+                    <a:pt x="458972" y="92173"/>
+                  </a:cubicBezTo>
+                  <a:cubicBezTo>
+                    <a:pt x="579467" y="154555"/>
+                    <a:pt x="684070" y="256193"/>
+                    <a:pt x="772781" y="397087"/>
+                  </a:cubicBezTo>
+                  <a:lnTo>
+                    <a:pt x="692372" y="456860"/>
+                  </a:lnTo>
+                  <a:cubicBezTo>
+                    <a:pt x="622162" y="337313"/>
+                    <a:pt x="533451" y="246705"/>
+                    <a:pt x="426239" y="185034"/>
+                  </a:cubicBezTo>
+                  <a:cubicBezTo>
+                    <a:pt x="319027" y="123364"/>
+                    <a:pt x="176948" y="92528"/>
+                    <a:pt x="0" y="92528"/>
+                  </a:cubicBezTo>
+                  <a:close/>
+                </a:path>
+              </a:pathLst>
+            </a:custGeom>
+            <a:solidFill>
+              <a:schemeClr val="bg1"/>
+            </a:solidFill>
+            <a:ln w="50800">
+              <a:solidFill>
+                <a:schemeClr val="bg1"/>
+              </a:solidFill>
+            </a:ln>
+          </p:spPr>
+          <p:style>
+            <a:lnRef idx="2">
+              <a:schemeClr val="accent1">
+                <a:shade val="15000"/>
+              </a:schemeClr>
+            </a:lnRef>
+            <a:fillRef idx="1">
+              <a:schemeClr val="accent1"/>
+            </a:fillRef>
+            <a:effectRef idx="0">
+              <a:schemeClr val="accent1"/>
+            </a:effectRef>
+            <a:fontRef idx="minor">
+              <a:schemeClr val="lt1"/>
+            </a:fontRef>
+          </p:style>
+          <p:txBody>
+            <a:bodyPr wrap="square" rtlCol="0" anchor="ctr">
+              <a:noAutofit/>
+            </a:bodyPr>
+            <a:lstStyle/>
+            <a:p>
+              <a:pPr algn="ctr"/>
+              <a:endParaRPr lang="en-AU"/>
+            </a:p>
+          </p:txBody>
+        </p:sp>
+        <p:sp>
+          <p:nvSpPr>
+            <p:cNvPr id="95" name="Freeform: Shape 94">
+              <a:extLst>
+                <a:ext uri="{FF2B5EF4-FFF2-40B4-BE49-F238E27FC236}">
+                  <a16:creationId xmlns:a16="http://schemas.microsoft.com/office/drawing/2014/main" id="{BDA4EE74-66B6-6370-6D0A-AAFE03D73494}"/>
+                </a:ext>
+              </a:extLst>
+            </p:cNvPr>
+            <p:cNvSpPr/>
+            <p:nvPr/>
+          </p:nvSpPr>
+          <p:spPr>
+            <a:xfrm>
+              <a:off x="3365383" y="4855833"/>
+              <a:ext cx="695176" cy="502797"/>
+            </a:xfrm>
+            <a:custGeom>
+              <a:avLst/>
+              <a:gdLst>
+                <a:gd name="connsiteX0" fmla="*/ 0 w 695176"/>
+                <a:gd name="connsiteY0" fmla="*/ 0 h 457088"/>
+                <a:gd name="connsiteX1" fmla="*/ 124234 w 695176"/>
+                <a:gd name="connsiteY1" fmla="*/ 0 h 457088"/>
+                <a:gd name="connsiteX2" fmla="*/ 203597 w 695176"/>
+                <a:gd name="connsiteY2" fmla="*/ 295349 h 457088"/>
+                <a:gd name="connsiteX3" fmla="*/ 300372 w 695176"/>
+                <a:gd name="connsiteY3" fmla="*/ 0 h 457088"/>
+                <a:gd name="connsiteX4" fmla="*/ 394804 w 695176"/>
+                <a:gd name="connsiteY4" fmla="*/ 0 h 457088"/>
+                <a:gd name="connsiteX5" fmla="*/ 484882 w 695176"/>
+                <a:gd name="connsiteY5" fmla="*/ 295349 h 457088"/>
+                <a:gd name="connsiteX6" fmla="*/ 571277 w 695176"/>
+                <a:gd name="connsiteY6" fmla="*/ 0 h 457088"/>
+                <a:gd name="connsiteX7" fmla="*/ 695176 w 695176"/>
+                <a:gd name="connsiteY7" fmla="*/ 0 h 457088"/>
+                <a:gd name="connsiteX8" fmla="*/ 549176 w 695176"/>
+                <a:gd name="connsiteY8" fmla="*/ 457088 h 457088"/>
+                <a:gd name="connsiteX9" fmla="*/ 427955 w 695176"/>
+                <a:gd name="connsiteY9" fmla="*/ 457088 h 457088"/>
+                <a:gd name="connsiteX10" fmla="*/ 344575 w 695176"/>
+                <a:gd name="connsiteY10" fmla="*/ 192211 h 457088"/>
+                <a:gd name="connsiteX11" fmla="*/ 257175 w 695176"/>
+                <a:gd name="connsiteY11" fmla="*/ 457088 h 457088"/>
+                <a:gd name="connsiteX12" fmla="*/ 136290 w 695176"/>
+                <a:gd name="connsiteY12" fmla="*/ 457088 h 457088"/>
+              </a:gdLst>
+              <a:ahLst/>
+              <a:cxnLst>
+                <a:cxn ang="0">
+                  <a:pos x="connsiteX0" y="connsiteY0"/>
+                </a:cxn>
+                <a:cxn ang="0">
+                  <a:pos x="connsiteX1" y="connsiteY1"/>
+                </a:cxn>
+                <a:cxn ang="0">
+                  <a:pos x="connsiteX2" y="connsiteY2"/>
+                </a:cxn>
+                <a:cxn ang="0">
+                  <a:pos x="connsiteX3" y="connsiteY3"/>
+                </a:cxn>
+                <a:cxn ang="0">
+                  <a:pos x="connsiteX4" y="connsiteY4"/>
+                </a:cxn>
+                <a:cxn ang="0">
+                  <a:pos x="connsiteX5" y="connsiteY5"/>
+                </a:cxn>
+                <a:cxn ang="0">
+                  <a:pos x="connsiteX6" y="connsiteY6"/>
+                </a:cxn>
+                <a:cxn ang="0">
+                  <a:pos x="connsiteX7" y="connsiteY7"/>
+                </a:cxn>
+                <a:cxn ang="0">
+                  <a:pos x="connsiteX8" y="connsiteY8"/>
+                </a:cxn>
+                <a:cxn ang="0">
+                  <a:pos x="connsiteX9" y="connsiteY9"/>
+                </a:cxn>
+                <a:cxn ang="0">
+                  <a:pos x="connsiteX10" y="connsiteY10"/>
+                </a:cxn>
+                <a:cxn ang="0">
+                  <a:pos x="connsiteX11" y="connsiteY11"/>
+                </a:cxn>
+                <a:cxn ang="0">
+                  <a:pos x="connsiteX12" y="connsiteY12"/>
+                </a:cxn>
+              </a:cxnLst>
+              <a:rect l="l" t="t" r="r" b="b"/>
+              <a:pathLst>
+                <a:path w="695176" h="457088">
+                  <a:moveTo>
+                    <a:pt x="0" y="0"/>
+                  </a:moveTo>
+                  <a:lnTo>
+                    <a:pt x="124234" y="0"/>
+                  </a:lnTo>
+                  <a:lnTo>
+                    <a:pt x="203597" y="295349"/>
+                  </a:lnTo>
+                  <a:lnTo>
+                    <a:pt x="300372" y="0"/>
+                  </a:lnTo>
+                  <a:lnTo>
+                    <a:pt x="394804" y="0"/>
+                  </a:lnTo>
+                  <a:lnTo>
+                    <a:pt x="484882" y="295349"/>
+                  </a:lnTo>
+                  <a:lnTo>
+                    <a:pt x="571277" y="0"/>
+                  </a:lnTo>
+                  <a:lnTo>
+                    <a:pt x="695176" y="0"/>
+                  </a:lnTo>
+                  <a:lnTo>
+                    <a:pt x="549176" y="457088"/>
+                  </a:lnTo>
+                  <a:lnTo>
+                    <a:pt x="427955" y="457088"/>
+                  </a:lnTo>
+                  <a:lnTo>
+                    <a:pt x="344575" y="192211"/>
+                  </a:lnTo>
+                  <a:lnTo>
+                    <a:pt x="257175" y="457088"/>
+                  </a:lnTo>
+                  <a:lnTo>
+                    <a:pt x="136290" y="457088"/>
+                  </a:lnTo>
+                  <a:close/>
+                </a:path>
+              </a:pathLst>
+            </a:custGeom>
+            <a:solidFill>
+              <a:schemeClr val="bg1"/>
+            </a:solidFill>
+            <a:ln>
+              <a:solidFill>
+                <a:schemeClr val="tx1"/>
+              </a:solidFill>
+            </a:ln>
+          </p:spPr>
+          <p:style>
+            <a:lnRef idx="2">
+              <a:schemeClr val="accent1">
+                <a:shade val="15000"/>
+              </a:schemeClr>
+            </a:lnRef>
+            <a:fillRef idx="1">
+              <a:schemeClr val="accent1"/>
+            </a:fillRef>
+            <a:effectRef idx="0">
+              <a:schemeClr val="accent1"/>
+            </a:effectRef>
+            <a:fontRef idx="minor">
+              <a:schemeClr val="lt1"/>
+            </a:fontRef>
+          </p:style>
+          <p:txBody>
+            <a:bodyPr wrap="square" rtlCol="0" anchor="ctr">
+              <a:noAutofit/>
+            </a:bodyPr>
+            <a:lstStyle/>
+            <a:p>
+              <a:pPr algn="ctr"/>
+              <a:endParaRPr lang="en-AU"/>
+            </a:p>
+          </p:txBody>
+        </p:sp>
+        <p:sp>
+          <p:nvSpPr>
+            <p:cNvPr id="93" name="Freeform: Shape 92">
+              <a:extLst>
+                <a:ext uri="{FF2B5EF4-FFF2-40B4-BE49-F238E27FC236}">
+                  <a16:creationId xmlns:a16="http://schemas.microsoft.com/office/drawing/2014/main" id="{9C23C6CA-AFAC-3A43-B6DB-48A113BD0F81}"/>
+                </a:ext>
+              </a:extLst>
+            </p:cNvPr>
+            <p:cNvSpPr/>
+            <p:nvPr/>
+          </p:nvSpPr>
+          <p:spPr>
+            <a:xfrm>
+              <a:off x="1910659" y="3888205"/>
+              <a:ext cx="423013" cy="579819"/>
+            </a:xfrm>
+            <a:custGeom>
+              <a:avLst/>
+              <a:gdLst>
+                <a:gd name="connsiteX0" fmla="*/ 242776 w 349597"/>
+                <a:gd name="connsiteY0" fmla="*/ 0 h 479189"/>
+                <a:gd name="connsiteX1" fmla="*/ 349597 w 349597"/>
+                <a:gd name="connsiteY1" fmla="*/ 23105 h 479189"/>
+                <a:gd name="connsiteX2" fmla="*/ 349597 w 349597"/>
+                <a:gd name="connsiteY2" fmla="*/ 165422 h 479189"/>
+                <a:gd name="connsiteX3" fmla="*/ 315389 w 349597"/>
+                <a:gd name="connsiteY3" fmla="*/ 134405 h 479189"/>
+                <a:gd name="connsiteX4" fmla="*/ 246977 w 349597"/>
+                <a:gd name="connsiteY4" fmla="*/ 115193 h 479189"/>
+                <a:gd name="connsiteX5" fmla="*/ 166490 w 349597"/>
+                <a:gd name="connsiteY5" fmla="*/ 143060 h 479189"/>
+                <a:gd name="connsiteX6" fmla="*/ 123230 w 349597"/>
+                <a:gd name="connsiteY6" fmla="*/ 239762 h 479189"/>
+                <a:gd name="connsiteX7" fmla="*/ 166490 w 349597"/>
+                <a:gd name="connsiteY7" fmla="*/ 336129 h 479189"/>
+                <a:gd name="connsiteX8" fmla="*/ 246977 w 349597"/>
+                <a:gd name="connsiteY8" fmla="*/ 363996 h 479189"/>
+                <a:gd name="connsiteX9" fmla="*/ 315389 w 349597"/>
+                <a:gd name="connsiteY9" fmla="*/ 344783 h 479189"/>
+                <a:gd name="connsiteX10" fmla="*/ 349597 w 349597"/>
+                <a:gd name="connsiteY10" fmla="*/ 313767 h 479189"/>
+                <a:gd name="connsiteX11" fmla="*/ 349597 w 349597"/>
+                <a:gd name="connsiteY11" fmla="*/ 456083 h 479189"/>
+                <a:gd name="connsiteX12" fmla="*/ 241771 w 349597"/>
+                <a:gd name="connsiteY12" fmla="*/ 479189 h 479189"/>
+                <a:gd name="connsiteX13" fmla="*/ 87064 w 349597"/>
+                <a:gd name="connsiteY13" fmla="*/ 423937 h 479189"/>
+                <a:gd name="connsiteX14" fmla="*/ 0 w 349597"/>
+                <a:gd name="connsiteY14" fmla="*/ 239762 h 479189"/>
+                <a:gd name="connsiteX15" fmla="*/ 87064 w 349597"/>
+                <a:gd name="connsiteY15" fmla="*/ 55252 h 479189"/>
+                <a:gd name="connsiteX16" fmla="*/ 242776 w 349597"/>
+                <a:gd name="connsiteY16" fmla="*/ 0 h 479189"/>
+              </a:gdLst>
+              <a:ahLst/>
+              <a:cxnLst>
+                <a:cxn ang="0">
+                  <a:pos x="connsiteX0" y="connsiteY0"/>
+                </a:cxn>
+                <a:cxn ang="0">
+                  <a:pos x="connsiteX1" y="connsiteY1"/>
+                </a:cxn>
+                <a:cxn ang="0">
+                  <a:pos x="connsiteX2" y="connsiteY2"/>
+                </a:cxn>
+                <a:cxn ang="0">
+                  <a:pos x="connsiteX3" y="connsiteY3"/>
+                </a:cxn>
+                <a:cxn ang="0">
+                  <a:pos x="connsiteX4" y="connsiteY4"/>
+                </a:cxn>
+                <a:cxn ang="0">
+                  <a:pos x="connsiteX5" y="connsiteY5"/>
+                </a:cxn>
+                <a:cxn ang="0">
+                  <a:pos x="connsiteX6" y="connsiteY6"/>
+                </a:cxn>
+                <a:cxn ang="0">
+                  <a:pos x="connsiteX7" y="connsiteY7"/>
+                </a:cxn>
+                <a:cxn ang="0">
+                  <a:pos x="connsiteX8" y="connsiteY8"/>
+                </a:cxn>
+                <a:cxn ang="0">
+                  <a:pos x="connsiteX9" y="connsiteY9"/>
+                </a:cxn>
+                <a:cxn ang="0">
+                  <a:pos x="connsiteX10" y="connsiteY10"/>
+                </a:cxn>
+                <a:cxn ang="0">
+                  <a:pos x="connsiteX11" y="connsiteY11"/>
+                </a:cxn>
+                <a:cxn ang="0">
+                  <a:pos x="connsiteX12" y="connsiteY12"/>
+                </a:cxn>
+                <a:cxn ang="0">
+                  <a:pos x="connsiteX13" y="connsiteY13"/>
+                </a:cxn>
+                <a:cxn ang="0">
+                  <a:pos x="connsiteX14" y="connsiteY14"/>
+                </a:cxn>
+                <a:cxn ang="0">
+                  <a:pos x="connsiteX15" y="connsiteY15"/>
+                </a:cxn>
+                <a:cxn ang="0">
+                  <a:pos x="connsiteX16" y="connsiteY16"/>
+                </a:cxn>
+              </a:cxnLst>
+              <a:rect l="l" t="t" r="r" b="b"/>
+              <a:pathLst>
+                <a:path w="349597" h="479189">
+                  <a:moveTo>
+                    <a:pt x="242776" y="0"/>
+                  </a:moveTo>
+                  <a:cubicBezTo>
+                    <a:pt x="274476" y="0"/>
+                    <a:pt x="310083" y="7702"/>
+                    <a:pt x="349597" y="23105"/>
+                  </a:cubicBezTo>
+                  <a:lnTo>
+                    <a:pt x="349597" y="165422"/>
+                  </a:lnTo>
+                  <a:cubicBezTo>
+                    <a:pt x="338418" y="151714"/>
+                    <a:pt x="327015" y="141375"/>
+                    <a:pt x="315389" y="134405"/>
+                  </a:cubicBezTo>
+                  <a:cubicBezTo>
+                    <a:pt x="294149" y="121597"/>
+                    <a:pt x="271346" y="115193"/>
+                    <a:pt x="246977" y="115193"/>
+                  </a:cubicBezTo>
+                  <a:cubicBezTo>
+                    <a:pt x="216125" y="115193"/>
+                    <a:pt x="189295" y="124482"/>
+                    <a:pt x="166490" y="143060"/>
+                  </a:cubicBezTo>
+                  <a:cubicBezTo>
+                    <a:pt x="137650" y="166563"/>
+                    <a:pt x="123230" y="198797"/>
+                    <a:pt x="123230" y="239762"/>
+                  </a:cubicBezTo>
+                  <a:cubicBezTo>
+                    <a:pt x="123230" y="280503"/>
+                    <a:pt x="137650" y="312626"/>
+                    <a:pt x="166490" y="336129"/>
+                  </a:cubicBezTo>
+                  <a:cubicBezTo>
+                    <a:pt x="189295" y="354707"/>
+                    <a:pt x="216125" y="363996"/>
+                    <a:pt x="246977" y="363996"/>
+                  </a:cubicBezTo>
+                  <a:cubicBezTo>
+                    <a:pt x="271346" y="363996"/>
+                    <a:pt x="294149" y="357592"/>
+                    <a:pt x="315389" y="344783"/>
+                  </a:cubicBezTo>
+                  <a:cubicBezTo>
+                    <a:pt x="326792" y="338041"/>
+                    <a:pt x="338194" y="327702"/>
+                    <a:pt x="349597" y="313767"/>
+                  </a:cubicBezTo>
+                  <a:lnTo>
+                    <a:pt x="349597" y="456083"/>
+                  </a:lnTo>
+                  <a:cubicBezTo>
+                    <a:pt x="310753" y="471487"/>
+                    <a:pt x="274811" y="479189"/>
+                    <a:pt x="241771" y="479189"/>
+                  </a:cubicBezTo>
+                  <a:cubicBezTo>
+                    <a:pt x="184175" y="479189"/>
+                    <a:pt x="132606" y="460772"/>
+                    <a:pt x="87064" y="423937"/>
+                  </a:cubicBezTo>
+                  <a:cubicBezTo>
+                    <a:pt x="29021" y="376832"/>
+                    <a:pt x="0" y="315441"/>
+                    <a:pt x="0" y="239762"/>
+                  </a:cubicBezTo>
+                  <a:cubicBezTo>
+                    <a:pt x="0" y="163859"/>
+                    <a:pt x="29021" y="102356"/>
+                    <a:pt x="87064" y="55252"/>
+                  </a:cubicBezTo>
+                  <a:cubicBezTo>
+                    <a:pt x="132606" y="18417"/>
+                    <a:pt x="184510" y="0"/>
+                    <a:pt x="242776" y="0"/>
+                  </a:cubicBezTo>
+                  <a:close/>
+                </a:path>
+              </a:pathLst>
+            </a:custGeom>
+            <a:solidFill>
+              <a:schemeClr val="bg1"/>
+            </a:solidFill>
+            <a:ln>
+              <a:solidFill>
+                <a:schemeClr val="tx1"/>
+              </a:solidFill>
+            </a:ln>
+          </p:spPr>
+          <p:style>
+            <a:lnRef idx="2">
+              <a:schemeClr val="accent1">
+                <a:shade val="15000"/>
+              </a:schemeClr>
+            </a:lnRef>
+            <a:fillRef idx="1">
+              <a:schemeClr val="accent1"/>
+            </a:fillRef>
+            <a:effectRef idx="0">
+              <a:schemeClr val="accent1"/>
+            </a:effectRef>
+            <a:fontRef idx="minor">
+              <a:schemeClr val="lt1"/>
+            </a:fontRef>
+          </p:style>
+          <p:txBody>
+            <a:bodyPr wrap="square" rtlCol="0" anchor="ctr">
+              <a:noAutofit/>
+            </a:bodyPr>
+            <a:lstStyle/>
+            <a:p>
+              <a:pPr algn="ctr"/>
+              <a:endParaRPr lang="en-AU"/>
+            </a:p>
+          </p:txBody>
+        </p:sp>
+        <p:sp>
+          <p:nvSpPr>
+            <p:cNvPr id="96" name="Oval 95">
+              <a:extLst>
+                <a:ext uri="{FF2B5EF4-FFF2-40B4-BE49-F238E27FC236}">
+                  <a16:creationId xmlns:a16="http://schemas.microsoft.com/office/drawing/2014/main" id="{547A1730-EA59-400B-74E8-FDDB3D8A2568}"/>
+                </a:ext>
+              </a:extLst>
+            </p:cNvPr>
+            <p:cNvSpPr/>
+            <p:nvPr/>
+          </p:nvSpPr>
+          <p:spPr>
+            <a:xfrm>
+              <a:off x="2669204" y="4581912"/>
+              <a:ext cx="325523" cy="129739"/>
+            </a:xfrm>
+            <a:prstGeom prst="ellipse">
+              <a:avLst/>
+            </a:prstGeom>
+            <a:solidFill>
+              <a:schemeClr val="tx1"/>
+            </a:solidFill>
+            <a:ln>
+              <a:solidFill>
+                <a:srgbClr val="000000"/>
+              </a:solidFill>
+            </a:ln>
+          </p:spPr>
+          <p:style>
+            <a:lnRef idx="2">
+              <a:schemeClr val="accent1">
+                <a:shade val="15000"/>
+              </a:schemeClr>
+            </a:lnRef>
+            <a:fillRef idx="1">
+              <a:schemeClr val="accent1"/>
+            </a:fillRef>
+            <a:effectRef idx="0">
+              <a:schemeClr val="accent1"/>
+            </a:effectRef>
+            <a:fontRef idx="minor">
+              <a:schemeClr val="lt1"/>
+            </a:fontRef>
+          </p:style>
+          <p:txBody>
+            <a:bodyPr rtlCol="0" anchor="ctr"/>
+            <a:lstStyle/>
+            <a:p>
+              <a:pPr algn="ctr"/>
+              <a:endParaRPr lang="en-AU"/>
+            </a:p>
+          </p:txBody>
+        </p:sp>
+        <p:sp>
+          <p:nvSpPr>
+            <p:cNvPr id="97" name="Rectangle 96">
+              <a:extLst>
+                <a:ext uri="{FF2B5EF4-FFF2-40B4-BE49-F238E27FC236}">
+                  <a16:creationId xmlns:a16="http://schemas.microsoft.com/office/drawing/2014/main" id="{341FAE43-62A1-2A85-2B5E-D72A3D715EB7}"/>
+                </a:ext>
+              </a:extLst>
+            </p:cNvPr>
+            <p:cNvSpPr/>
+            <p:nvPr/>
+          </p:nvSpPr>
+          <p:spPr>
+            <a:xfrm rot="3244492">
+              <a:off x="3566884" y="4594069"/>
+              <a:ext cx="248403" cy="120650"/>
+            </a:xfrm>
+            <a:prstGeom prst="rect">
+              <a:avLst/>
+            </a:prstGeom>
+            <a:solidFill>
+              <a:schemeClr val="tx1"/>
+            </a:solidFill>
+            <a:ln>
+              <a:solidFill>
+                <a:srgbClr val="000000"/>
+              </a:solidFill>
+            </a:ln>
+          </p:spPr>
+          <p:style>
+            <a:lnRef idx="2">
+              <a:schemeClr val="accent1">
+                <a:shade val="15000"/>
+              </a:schemeClr>
+            </a:lnRef>
+            <a:fillRef idx="1">
+              <a:schemeClr val="accent1"/>
+            </a:fillRef>
+            <a:effectRef idx="0">
+              <a:schemeClr val="accent1"/>
+            </a:effectRef>
+            <a:fontRef idx="minor">
+              <a:schemeClr val="lt1"/>
+            </a:fontRef>
+          </p:style>
+          <p:txBody>
+            <a:bodyPr rtlCol="0" anchor="ctr"/>
+            <a:lstStyle/>
+            <a:p>
+              <a:pPr algn="ctr"/>
+              <a:endParaRPr lang="en-AU"/>
+            </a:p>
+          </p:txBody>
+        </p:sp>
+      </p:grpSp>
+      <p:grpSp>
+        <p:nvGrpSpPr>
+          <p:cNvPr id="4" name="Group 3">
+            <a:extLst>
+              <a:ext uri="{FF2B5EF4-FFF2-40B4-BE49-F238E27FC236}">
+                <a16:creationId xmlns:a16="http://schemas.microsoft.com/office/drawing/2014/main" id="{B6089247-D7D7-A33C-53A1-096151D7A299}"/>
+              </a:ext>
+            </a:extLst>
+          </p:cNvPr>
+          <p:cNvGrpSpPr/>
+          <p:nvPr/>
+        </p:nvGrpSpPr>
+        <p:grpSpPr>
+          <a:xfrm>
+            <a:off x="3448033" y="4675528"/>
+            <a:ext cx="1042644" cy="1605175"/>
+            <a:chOff x="9231664" y="165012"/>
+            <a:chExt cx="1042644" cy="1605175"/>
+          </a:xfrm>
+        </p:grpSpPr>
+        <p:sp>
+          <p:nvSpPr>
+            <p:cNvPr id="6" name="Freeform: Shape 5">
+              <a:extLst>
+                <a:ext uri="{FF2B5EF4-FFF2-40B4-BE49-F238E27FC236}">
+                  <a16:creationId xmlns:a16="http://schemas.microsoft.com/office/drawing/2014/main" id="{55F359BA-89DA-06C2-8E1D-EEB24AF18425}"/>
+                </a:ext>
+              </a:extLst>
+            </p:cNvPr>
+            <p:cNvSpPr/>
+            <p:nvPr/>
+          </p:nvSpPr>
+          <p:spPr>
+            <a:xfrm>
+              <a:off x="9418272" y="165012"/>
+              <a:ext cx="856036" cy="779896"/>
+            </a:xfrm>
+            <a:custGeom>
+              <a:avLst/>
+              <a:gdLst/>
+              <a:ahLst/>
+              <a:cxnLst/>
+              <a:rect l="l" t="t" r="r" b="b"/>
+              <a:pathLst>
+                <a:path w="856036" h="779896">
+                  <a:moveTo>
+                    <a:pt x="773493" y="0"/>
+                  </a:moveTo>
+                  <a:lnTo>
+                    <a:pt x="856036" y="54792"/>
+                  </a:lnTo>
+                  <a:cubicBezTo>
+                    <a:pt x="794366" y="150144"/>
+                    <a:pt x="711941" y="224386"/>
+                    <a:pt x="608761" y="277518"/>
+                  </a:cubicBezTo>
+                  <a:cubicBezTo>
+                    <a:pt x="505581" y="330649"/>
+                    <a:pt x="368838" y="367414"/>
+                    <a:pt x="198532" y="387813"/>
+                  </a:cubicBezTo>
+                  <a:lnTo>
+                    <a:pt x="198532" y="395641"/>
+                  </a:lnTo>
+                  <a:cubicBezTo>
+                    <a:pt x="368364" y="412244"/>
+                    <a:pt x="504988" y="446756"/>
+                    <a:pt x="608405" y="499176"/>
+                  </a:cubicBezTo>
+                  <a:cubicBezTo>
+                    <a:pt x="711822" y="551596"/>
+                    <a:pt x="794366" y="626906"/>
+                    <a:pt x="856036" y="725104"/>
+                  </a:cubicBezTo>
+                  <a:lnTo>
+                    <a:pt x="773493" y="779896"/>
+                  </a:lnTo>
+                  <a:cubicBezTo>
+                    <a:pt x="707078" y="666517"/>
+                    <a:pt x="597968" y="583618"/>
+                    <a:pt x="446164" y="531197"/>
+                  </a:cubicBezTo>
+                  <a:cubicBezTo>
+                    <a:pt x="294359" y="478777"/>
+                    <a:pt x="148484" y="448298"/>
+                    <a:pt x="8539" y="439759"/>
+                  </a:cubicBezTo>
+                  <a:lnTo>
+                    <a:pt x="0" y="439759"/>
+                  </a:lnTo>
+                  <a:lnTo>
+                    <a:pt x="0" y="340137"/>
+                  </a:lnTo>
+                  <a:lnTo>
+                    <a:pt x="8539" y="340137"/>
+                  </a:lnTo>
+                  <a:cubicBezTo>
+                    <a:pt x="148484" y="331598"/>
+                    <a:pt x="294122" y="300407"/>
+                    <a:pt x="445452" y="246564"/>
+                  </a:cubicBezTo>
+                  <a:cubicBezTo>
+                    <a:pt x="596782" y="192720"/>
+                    <a:pt x="706129" y="110532"/>
+                    <a:pt x="773493" y="0"/>
+                  </a:cubicBezTo>
+                  <a:close/>
+                </a:path>
+              </a:pathLst>
+            </a:custGeom>
+            <a:solidFill>
+              <a:srgbClr val="000000"/>
+            </a:solidFill>
+            <a:ln w="177800">
+              <a:solidFill>
+                <a:srgbClr val="000000"/>
+              </a:solidFill>
+            </a:ln>
+          </p:spPr>
+          <p:style>
+            <a:lnRef idx="2">
+              <a:schemeClr val="accent1">
+                <a:shade val="15000"/>
+              </a:schemeClr>
+            </a:lnRef>
+            <a:fillRef idx="1">
+              <a:schemeClr val="accent1"/>
+            </a:fillRef>
+            <a:effectRef idx="0">
+              <a:schemeClr val="accent1"/>
+            </a:effectRef>
+            <a:fontRef idx="minor">
+              <a:schemeClr val="lt1"/>
+            </a:fontRef>
+          </p:style>
+          <p:txBody>
+            <a:bodyPr wrap="square" rtlCol="0" anchor="ctr">
+              <a:noAutofit/>
+            </a:bodyPr>
+            <a:lstStyle/>
+            <a:p>
+              <a:pPr algn="ctr"/>
+              <a:endParaRPr lang="en-AU" dirty="0"/>
+            </a:p>
+          </p:txBody>
+        </p:sp>
+        <p:sp>
+          <p:nvSpPr>
+            <p:cNvPr id="7" name="Freeform: Shape 6">
+              <a:extLst>
+                <a:ext uri="{FF2B5EF4-FFF2-40B4-BE49-F238E27FC236}">
+                  <a16:creationId xmlns:a16="http://schemas.microsoft.com/office/drawing/2014/main" id="{6E0BCFF3-3024-1965-C0C1-9A77C8F4EFF2}"/>
+                </a:ext>
+              </a:extLst>
+            </p:cNvPr>
+            <p:cNvSpPr/>
+            <p:nvPr/>
+          </p:nvSpPr>
+          <p:spPr>
+            <a:xfrm>
+              <a:off x="9418272" y="747128"/>
+              <a:ext cx="772781" cy="456860"/>
+            </a:xfrm>
+            <a:custGeom>
+              <a:avLst/>
+              <a:gdLst>
+                <a:gd name="connsiteX0" fmla="*/ 0 w 772781"/>
+                <a:gd name="connsiteY0" fmla="*/ 22 h 456860"/>
+                <a:gd name="connsiteX1" fmla="*/ 458972 w 772781"/>
+                <a:gd name="connsiteY1" fmla="*/ 92173 h 456860"/>
+                <a:gd name="connsiteX2" fmla="*/ 772781 w 772781"/>
+                <a:gd name="connsiteY2" fmla="*/ 397087 h 456860"/>
+                <a:gd name="connsiteX3" fmla="*/ 692372 w 772781"/>
+                <a:gd name="connsiteY3" fmla="*/ 456860 h 456860"/>
+                <a:gd name="connsiteX4" fmla="*/ 426239 w 772781"/>
+                <a:gd name="connsiteY4" fmla="*/ 185034 h 456860"/>
+                <a:gd name="connsiteX5" fmla="*/ 0 w 772781"/>
+                <a:gd name="connsiteY5" fmla="*/ 92528 h 456860"/>
+              </a:gdLst>
+              <a:ahLst/>
+              <a:cxnLst>
+                <a:cxn ang="0">
+                  <a:pos x="connsiteX0" y="connsiteY0"/>
+                </a:cxn>
+                <a:cxn ang="0">
+                  <a:pos x="connsiteX1" y="connsiteY1"/>
+                </a:cxn>
+                <a:cxn ang="0">
+                  <a:pos x="connsiteX2" y="connsiteY2"/>
+                </a:cxn>
+                <a:cxn ang="0">
+                  <a:pos x="connsiteX3" y="connsiteY3"/>
+                </a:cxn>
+                <a:cxn ang="0">
+                  <a:pos x="connsiteX4" y="connsiteY4"/>
+                </a:cxn>
+                <a:cxn ang="0">
+                  <a:pos x="connsiteX5" y="connsiteY5"/>
+                </a:cxn>
+              </a:cxnLst>
+              <a:rect l="l" t="t" r="r" b="b"/>
+              <a:pathLst>
+                <a:path w="772781" h="456860">
+                  <a:moveTo>
+                    <a:pt x="0" y="22"/>
+                  </a:moveTo>
+                  <a:cubicBezTo>
+                    <a:pt x="185487" y="-926"/>
+                    <a:pt x="338477" y="29790"/>
+                    <a:pt x="458972" y="92173"/>
+                  </a:cubicBezTo>
+                  <a:cubicBezTo>
+                    <a:pt x="579467" y="154555"/>
+                    <a:pt x="684070" y="256193"/>
+                    <a:pt x="772781" y="397087"/>
+                  </a:cubicBezTo>
+                  <a:lnTo>
+                    <a:pt x="692372" y="456860"/>
+                  </a:lnTo>
+                  <a:cubicBezTo>
+                    <a:pt x="622162" y="337313"/>
+                    <a:pt x="533451" y="246705"/>
+                    <a:pt x="426239" y="185034"/>
+                  </a:cubicBezTo>
+                  <a:cubicBezTo>
+                    <a:pt x="319027" y="123364"/>
+                    <a:pt x="176948" y="92528"/>
+                    <a:pt x="0" y="92528"/>
+                  </a:cubicBezTo>
+                  <a:close/>
+                </a:path>
+              </a:pathLst>
+            </a:custGeom>
+            <a:solidFill>
+              <a:srgbClr val="000000"/>
+            </a:solidFill>
+            <a:ln w="177800">
+              <a:solidFill>
+                <a:srgbClr val="000000"/>
+              </a:solidFill>
+            </a:ln>
+          </p:spPr>
+          <p:style>
+            <a:lnRef idx="2">
+              <a:schemeClr val="accent1">
+                <a:shade val="15000"/>
+              </a:schemeClr>
+            </a:lnRef>
+            <a:fillRef idx="1">
+              <a:schemeClr val="accent1"/>
+            </a:fillRef>
+            <a:effectRef idx="0">
+              <a:schemeClr val="accent1"/>
+            </a:effectRef>
+            <a:fontRef idx="minor">
+              <a:schemeClr val="lt1"/>
+            </a:fontRef>
+          </p:style>
+          <p:txBody>
+            <a:bodyPr wrap="square" rtlCol="0" anchor="ctr">
+              <a:noAutofit/>
+            </a:bodyPr>
+            <a:lstStyle/>
+            <a:p>
+              <a:pPr algn="ctr"/>
+              <a:endParaRPr lang="en-AU"/>
+            </a:p>
+          </p:txBody>
+        </p:sp>
+        <p:sp>
+          <p:nvSpPr>
+            <p:cNvPr id="8" name="Freeform: Shape 7">
+              <a:extLst>
+                <a:ext uri="{FF2B5EF4-FFF2-40B4-BE49-F238E27FC236}">
+                  <a16:creationId xmlns:a16="http://schemas.microsoft.com/office/drawing/2014/main" id="{7DA00B39-1D48-4A77-4DF1-E2739384CB50}"/>
+                </a:ext>
+              </a:extLst>
+            </p:cNvPr>
+            <p:cNvSpPr/>
+            <p:nvPr/>
+          </p:nvSpPr>
+          <p:spPr>
+            <a:xfrm>
+              <a:off x="9418272" y="165012"/>
+              <a:ext cx="856036" cy="779896"/>
+            </a:xfrm>
+            <a:custGeom>
+              <a:avLst/>
+              <a:gdLst/>
+              <a:ahLst/>
+              <a:cxnLst/>
+              <a:rect l="l" t="t" r="r" b="b"/>
+              <a:pathLst>
+                <a:path w="856036" h="779896">
+                  <a:moveTo>
+                    <a:pt x="773493" y="0"/>
+                  </a:moveTo>
+                  <a:lnTo>
+                    <a:pt x="856036" y="54792"/>
+                  </a:lnTo>
+                  <a:cubicBezTo>
+                    <a:pt x="794366" y="150144"/>
+                    <a:pt x="711941" y="224386"/>
+                    <a:pt x="608761" y="277518"/>
+                  </a:cubicBezTo>
+                  <a:cubicBezTo>
+                    <a:pt x="505581" y="330649"/>
+                    <a:pt x="368838" y="367414"/>
+                    <a:pt x="198532" y="387813"/>
+                  </a:cubicBezTo>
+                  <a:lnTo>
+                    <a:pt x="198532" y="395641"/>
+                  </a:lnTo>
+                  <a:cubicBezTo>
+                    <a:pt x="368364" y="412244"/>
+                    <a:pt x="504988" y="446756"/>
+                    <a:pt x="608405" y="499176"/>
+                  </a:cubicBezTo>
+                  <a:cubicBezTo>
+                    <a:pt x="711822" y="551596"/>
+                    <a:pt x="794366" y="626906"/>
+                    <a:pt x="856036" y="725104"/>
+                  </a:cubicBezTo>
+                  <a:lnTo>
+                    <a:pt x="773493" y="779896"/>
+                  </a:lnTo>
+                  <a:cubicBezTo>
+                    <a:pt x="707078" y="666517"/>
+                    <a:pt x="597968" y="583618"/>
+                    <a:pt x="446164" y="531197"/>
+                  </a:cubicBezTo>
+                  <a:cubicBezTo>
+                    <a:pt x="294359" y="478777"/>
+                    <a:pt x="148484" y="448298"/>
+                    <a:pt x="8539" y="439759"/>
+                  </a:cubicBezTo>
+                  <a:lnTo>
+                    <a:pt x="0" y="439759"/>
+                  </a:lnTo>
+                  <a:lnTo>
+                    <a:pt x="0" y="340137"/>
+                  </a:lnTo>
+                  <a:lnTo>
+                    <a:pt x="8539" y="340137"/>
+                  </a:lnTo>
+                  <a:cubicBezTo>
+                    <a:pt x="148484" y="331598"/>
+                    <a:pt x="294122" y="300407"/>
+                    <a:pt x="445452" y="246564"/>
+                  </a:cubicBezTo>
+                  <a:cubicBezTo>
+                    <a:pt x="596782" y="192720"/>
+                    <a:pt x="706129" y="110532"/>
+                    <a:pt x="773493" y="0"/>
+                  </a:cubicBezTo>
+                  <a:close/>
+                </a:path>
+              </a:pathLst>
+            </a:custGeom>
+            <a:solidFill>
+              <a:srgbClr val="C00000"/>
+            </a:solidFill>
+            <a:ln w="50800">
+              <a:solidFill>
+                <a:srgbClr val="C00000"/>
+              </a:solidFill>
+            </a:ln>
+          </p:spPr>
+          <p:style>
+            <a:lnRef idx="2">
+              <a:schemeClr val="accent1">
+                <a:shade val="15000"/>
+              </a:schemeClr>
+            </a:lnRef>
+            <a:fillRef idx="1">
+              <a:schemeClr val="accent1"/>
+            </a:fillRef>
+            <a:effectRef idx="0">
+              <a:schemeClr val="accent1"/>
+            </a:effectRef>
+            <a:fontRef idx="minor">
+              <a:schemeClr val="lt1"/>
+            </a:fontRef>
+          </p:style>
+          <p:txBody>
+            <a:bodyPr wrap="square" rtlCol="0" anchor="ctr">
+              <a:noAutofit/>
+            </a:bodyPr>
+            <a:lstStyle/>
+            <a:p>
+              <a:pPr algn="ctr"/>
+              <a:endParaRPr lang="en-AU" dirty="0"/>
+            </a:p>
+          </p:txBody>
+        </p:sp>
+        <p:sp>
+          <p:nvSpPr>
+            <p:cNvPr id="9" name="Freeform: Shape 8">
+              <a:extLst>
+                <a:ext uri="{FF2B5EF4-FFF2-40B4-BE49-F238E27FC236}">
+                  <a16:creationId xmlns:a16="http://schemas.microsoft.com/office/drawing/2014/main" id="{C968118B-DF16-7936-CE6A-3E426AE433A8}"/>
+                </a:ext>
+              </a:extLst>
+            </p:cNvPr>
+            <p:cNvSpPr/>
+            <p:nvPr/>
+          </p:nvSpPr>
+          <p:spPr>
+            <a:xfrm>
+              <a:off x="9231664" y="990291"/>
+              <a:ext cx="856036" cy="779896"/>
+            </a:xfrm>
+            <a:custGeom>
+              <a:avLst/>
+              <a:gdLst/>
+              <a:ahLst/>
+              <a:cxnLst/>
+              <a:rect l="l" t="t" r="r" b="b"/>
+              <a:pathLst>
+                <a:path w="856036" h="779896">
+                  <a:moveTo>
+                    <a:pt x="82544" y="0"/>
+                  </a:moveTo>
+                  <a:cubicBezTo>
+                    <a:pt x="149907" y="110532"/>
+                    <a:pt x="259254" y="192720"/>
+                    <a:pt x="410585" y="246564"/>
+                  </a:cubicBezTo>
+                  <a:cubicBezTo>
+                    <a:pt x="561915" y="300407"/>
+                    <a:pt x="707552" y="331598"/>
+                    <a:pt x="847497" y="340137"/>
+                  </a:cubicBezTo>
+                  <a:lnTo>
+                    <a:pt x="856036" y="340137"/>
+                  </a:lnTo>
+                  <a:lnTo>
+                    <a:pt x="856036" y="439759"/>
+                  </a:lnTo>
+                  <a:lnTo>
+                    <a:pt x="847497" y="439759"/>
+                  </a:lnTo>
+                  <a:cubicBezTo>
+                    <a:pt x="707552" y="448298"/>
+                    <a:pt x="561678" y="478777"/>
+                    <a:pt x="409873" y="531197"/>
+                  </a:cubicBezTo>
+                  <a:cubicBezTo>
+                    <a:pt x="258068" y="583618"/>
+                    <a:pt x="148959" y="666517"/>
+                    <a:pt x="82544" y="779896"/>
+                  </a:cubicBezTo>
+                  <a:lnTo>
+                    <a:pt x="0" y="725104"/>
+                  </a:lnTo>
+                  <a:cubicBezTo>
+                    <a:pt x="61671" y="626906"/>
+                    <a:pt x="144215" y="551596"/>
+                    <a:pt x="247632" y="499176"/>
+                  </a:cubicBezTo>
+                  <a:cubicBezTo>
+                    <a:pt x="351049" y="446756"/>
+                    <a:pt x="487673" y="412244"/>
+                    <a:pt x="657504" y="395641"/>
+                  </a:cubicBezTo>
+                  <a:lnTo>
+                    <a:pt x="657504" y="387813"/>
+                  </a:lnTo>
+                  <a:cubicBezTo>
+                    <a:pt x="487198" y="367414"/>
+                    <a:pt x="350456" y="330649"/>
+                    <a:pt x="247276" y="277518"/>
+                  </a:cubicBezTo>
+                  <a:cubicBezTo>
+                    <a:pt x="144096" y="224386"/>
+                    <a:pt x="61671" y="150144"/>
+                    <a:pt x="0" y="54792"/>
+                  </a:cubicBezTo>
+                  <a:close/>
+                </a:path>
+              </a:pathLst>
+            </a:custGeom>
+            <a:solidFill>
+              <a:srgbClr val="000000"/>
+            </a:solidFill>
+            <a:ln w="177800">
+              <a:solidFill>
+                <a:srgbClr val="000000"/>
+              </a:solidFill>
+            </a:ln>
+          </p:spPr>
+          <p:style>
+            <a:lnRef idx="2">
+              <a:schemeClr val="accent1">
+                <a:shade val="15000"/>
+              </a:schemeClr>
+            </a:lnRef>
+            <a:fillRef idx="1">
+              <a:schemeClr val="accent1"/>
+            </a:fillRef>
+            <a:effectRef idx="0">
+              <a:schemeClr val="accent1"/>
+            </a:effectRef>
+            <a:fontRef idx="minor">
+              <a:schemeClr val="lt1"/>
+            </a:fontRef>
+          </p:style>
+          <p:txBody>
+            <a:bodyPr wrap="square" rtlCol="0" anchor="ctr">
+              <a:noAutofit/>
+            </a:bodyPr>
+            <a:lstStyle/>
+            <a:p>
+              <a:pPr algn="ctr"/>
+              <a:endParaRPr lang="en-AU"/>
+            </a:p>
+          </p:txBody>
+        </p:sp>
+        <p:sp>
+          <p:nvSpPr>
+            <p:cNvPr id="2" name="Freeform: Shape 1">
+              <a:extLst>
+                <a:ext uri="{FF2B5EF4-FFF2-40B4-BE49-F238E27FC236}">
+                  <a16:creationId xmlns:a16="http://schemas.microsoft.com/office/drawing/2014/main" id="{DF9638A0-260A-C008-6887-ABB4827F0F49}"/>
+                </a:ext>
+              </a:extLst>
+            </p:cNvPr>
+            <p:cNvSpPr/>
+            <p:nvPr/>
+          </p:nvSpPr>
+          <p:spPr>
+            <a:xfrm>
+              <a:off x="9231664" y="990291"/>
+              <a:ext cx="856036" cy="779896"/>
+            </a:xfrm>
+            <a:custGeom>
+              <a:avLst/>
+              <a:gdLst/>
+              <a:ahLst/>
+              <a:cxnLst/>
+              <a:rect l="l" t="t" r="r" b="b"/>
+              <a:pathLst>
+                <a:path w="856036" h="779896">
+                  <a:moveTo>
+                    <a:pt x="82544" y="0"/>
+                  </a:moveTo>
+                  <a:cubicBezTo>
+                    <a:pt x="149907" y="110532"/>
+                    <a:pt x="259254" y="192720"/>
+                    <a:pt x="410585" y="246564"/>
+                  </a:cubicBezTo>
+                  <a:cubicBezTo>
+                    <a:pt x="561915" y="300407"/>
+                    <a:pt x="707552" y="331598"/>
+                    <a:pt x="847497" y="340137"/>
+                  </a:cubicBezTo>
+                  <a:lnTo>
+                    <a:pt x="856036" y="340137"/>
+                  </a:lnTo>
+                  <a:lnTo>
+                    <a:pt x="856036" y="439759"/>
+                  </a:lnTo>
+                  <a:lnTo>
+                    <a:pt x="847497" y="439759"/>
+                  </a:lnTo>
+                  <a:cubicBezTo>
+                    <a:pt x="707552" y="448298"/>
+                    <a:pt x="561678" y="478777"/>
+                    <a:pt x="409873" y="531197"/>
+                  </a:cubicBezTo>
+                  <a:cubicBezTo>
+                    <a:pt x="258068" y="583618"/>
+                    <a:pt x="148959" y="666517"/>
+                    <a:pt x="82544" y="779896"/>
+                  </a:cubicBezTo>
+                  <a:lnTo>
+                    <a:pt x="0" y="725104"/>
+                  </a:lnTo>
+                  <a:cubicBezTo>
+                    <a:pt x="61671" y="626906"/>
+                    <a:pt x="144215" y="551596"/>
+                    <a:pt x="247632" y="499176"/>
+                  </a:cubicBezTo>
+                  <a:cubicBezTo>
+                    <a:pt x="351049" y="446756"/>
+                    <a:pt x="487673" y="412244"/>
+                    <a:pt x="657504" y="395641"/>
+                  </a:cubicBezTo>
+                  <a:lnTo>
+                    <a:pt x="657504" y="387813"/>
+                  </a:lnTo>
+                  <a:cubicBezTo>
+                    <a:pt x="487198" y="367414"/>
+                    <a:pt x="350456" y="330649"/>
+                    <a:pt x="247276" y="277518"/>
+                  </a:cubicBezTo>
+                  <a:cubicBezTo>
+                    <a:pt x="144096" y="224386"/>
+                    <a:pt x="61671" y="150144"/>
+                    <a:pt x="0" y="54792"/>
+                  </a:cubicBezTo>
+                  <a:close/>
+                </a:path>
+              </a:pathLst>
+            </a:custGeom>
+            <a:solidFill>
+              <a:schemeClr val="tx2">
+                <a:lumMod val="75000"/>
+                <a:lumOff val="25000"/>
+              </a:schemeClr>
+            </a:solidFill>
+            <a:ln w="50800">
+              <a:solidFill>
+                <a:schemeClr val="tx2">
+                  <a:lumMod val="75000"/>
+                  <a:lumOff val="25000"/>
+                </a:schemeClr>
+              </a:solidFill>
+            </a:ln>
+          </p:spPr>
+          <p:style>
+            <a:lnRef idx="2">
+              <a:schemeClr val="accent1">
+                <a:shade val="15000"/>
+              </a:schemeClr>
+            </a:lnRef>
+            <a:fillRef idx="1">
+              <a:schemeClr val="accent1"/>
+            </a:fillRef>
+            <a:effectRef idx="0">
+              <a:schemeClr val="accent1"/>
+            </a:effectRef>
+            <a:fontRef idx="minor">
+              <a:schemeClr val="lt1"/>
+            </a:fontRef>
+          </p:style>
+          <p:txBody>
+            <a:bodyPr wrap="square" rtlCol="0" anchor="ctr">
+              <a:noAutofit/>
+            </a:bodyPr>
+            <a:lstStyle/>
+            <a:p>
+              <a:pPr algn="ctr"/>
+              <a:endParaRPr lang="en-AU"/>
+            </a:p>
+          </p:txBody>
+        </p:sp>
+        <p:sp>
+          <p:nvSpPr>
+            <p:cNvPr id="3" name="Freeform: Shape 2">
+              <a:extLst>
+                <a:ext uri="{FF2B5EF4-FFF2-40B4-BE49-F238E27FC236}">
+                  <a16:creationId xmlns:a16="http://schemas.microsoft.com/office/drawing/2014/main" id="{806B3F72-34E7-77F2-68DE-BB506DCBAEE4}"/>
+                </a:ext>
+              </a:extLst>
+            </p:cNvPr>
+            <p:cNvSpPr/>
+            <p:nvPr/>
+          </p:nvSpPr>
+          <p:spPr>
+            <a:xfrm>
+              <a:off x="9418272" y="747128"/>
+              <a:ext cx="772781" cy="456860"/>
+            </a:xfrm>
+            <a:custGeom>
+              <a:avLst/>
+              <a:gdLst>
+                <a:gd name="connsiteX0" fmla="*/ 0 w 772781"/>
+                <a:gd name="connsiteY0" fmla="*/ 22 h 456860"/>
+                <a:gd name="connsiteX1" fmla="*/ 458972 w 772781"/>
+                <a:gd name="connsiteY1" fmla="*/ 92173 h 456860"/>
+                <a:gd name="connsiteX2" fmla="*/ 772781 w 772781"/>
+                <a:gd name="connsiteY2" fmla="*/ 397087 h 456860"/>
+                <a:gd name="connsiteX3" fmla="*/ 692372 w 772781"/>
+                <a:gd name="connsiteY3" fmla="*/ 456860 h 456860"/>
+                <a:gd name="connsiteX4" fmla="*/ 426239 w 772781"/>
+                <a:gd name="connsiteY4" fmla="*/ 185034 h 456860"/>
+                <a:gd name="connsiteX5" fmla="*/ 0 w 772781"/>
+                <a:gd name="connsiteY5" fmla="*/ 92528 h 456860"/>
+              </a:gdLst>
+              <a:ahLst/>
+              <a:cxnLst>
+                <a:cxn ang="0">
+                  <a:pos x="connsiteX0" y="connsiteY0"/>
+                </a:cxn>
+                <a:cxn ang="0">
+                  <a:pos x="connsiteX1" y="connsiteY1"/>
+                </a:cxn>
+                <a:cxn ang="0">
+                  <a:pos x="connsiteX2" y="connsiteY2"/>
+                </a:cxn>
+                <a:cxn ang="0">
+                  <a:pos x="connsiteX3" y="connsiteY3"/>
+                </a:cxn>
+                <a:cxn ang="0">
+                  <a:pos x="connsiteX4" y="connsiteY4"/>
+                </a:cxn>
+                <a:cxn ang="0">
+                  <a:pos x="connsiteX5" y="connsiteY5"/>
+                </a:cxn>
+              </a:cxnLst>
+              <a:rect l="l" t="t" r="r" b="b"/>
+              <a:pathLst>
+                <a:path w="772781" h="456860">
+                  <a:moveTo>
+                    <a:pt x="0" y="22"/>
+                  </a:moveTo>
+                  <a:cubicBezTo>
+                    <a:pt x="185487" y="-926"/>
+                    <a:pt x="338477" y="29790"/>
+                    <a:pt x="458972" y="92173"/>
+                  </a:cubicBezTo>
+                  <a:cubicBezTo>
+                    <a:pt x="579467" y="154555"/>
+                    <a:pt x="684070" y="256193"/>
+                    <a:pt x="772781" y="397087"/>
+                  </a:cubicBezTo>
+                  <a:lnTo>
+                    <a:pt x="692372" y="456860"/>
+                  </a:lnTo>
+                  <a:cubicBezTo>
+                    <a:pt x="622162" y="337313"/>
+                    <a:pt x="533451" y="246705"/>
+                    <a:pt x="426239" y="185034"/>
+                  </a:cubicBezTo>
+                  <a:cubicBezTo>
+                    <a:pt x="319027" y="123364"/>
+                    <a:pt x="176948" y="92528"/>
+                    <a:pt x="0" y="92528"/>
+                  </a:cubicBezTo>
+                  <a:close/>
+                </a:path>
+              </a:pathLst>
+            </a:custGeom>
+            <a:solidFill>
+              <a:schemeClr val="bg1"/>
+            </a:solidFill>
+            <a:ln w="50800">
+              <a:solidFill>
+                <a:schemeClr val="bg1"/>
+              </a:solidFill>
+            </a:ln>
+          </p:spPr>
+          <p:style>
+            <a:lnRef idx="2">
+              <a:schemeClr val="accent1">
+                <a:shade val="15000"/>
+              </a:schemeClr>
+            </a:lnRef>
+            <a:fillRef idx="1">
+              <a:schemeClr val="accent1"/>
+            </a:fillRef>
+            <a:effectRef idx="0">
+              <a:schemeClr val="accent1"/>
+            </a:effectRef>
+            <a:fontRef idx="minor">
+              <a:schemeClr val="lt1"/>
+            </a:fontRef>
+          </p:style>
+          <p:txBody>
+            <a:bodyPr wrap="square" rtlCol="0" anchor="ctr">
+              <a:noAutofit/>
+            </a:bodyPr>
+            <a:lstStyle/>
+            <a:p>
+              <a:pPr algn="ctr"/>
+              <a:endParaRPr lang="en-AU"/>
+            </a:p>
+          </p:txBody>
+        </p:sp>
+      </p:grpSp>
+    </p:spTree>
+    <p:extLst>
+      <p:ext uri="{BB962C8B-B14F-4D97-AF65-F5344CB8AC3E}">
+        <p14:creationId xmlns:p14="http://schemas.microsoft.com/office/powerpoint/2010/main" val="2750239208"/>
       </p:ext>
     </p:extLst>
   </p:cSld>

--- a/figures.pptx
+++ b/figures.pptx
@@ -3395,9 +3395,7 @@
               <a:schemeClr val="bg1"/>
             </a:solidFill>
             <a:ln>
-              <a:solidFill>
-                <a:schemeClr val="tx1"/>
-              </a:solidFill>
+              <a:noFill/>
             </a:ln>
           </p:spPr>
           <p:style>
@@ -7777,9 +7775,7 @@
               <a:schemeClr val="bg1"/>
             </a:solidFill>
             <a:ln>
-              <a:solidFill>
-                <a:schemeClr val="tx1"/>
-              </a:solidFill>
+              <a:noFill/>
             </a:ln>
           </p:spPr>
           <p:style>
